--- a/Dokumentation/Präsentation.pptx
+++ b/Dokumentation/Präsentation.pptx
@@ -7,6 +7,9 @@
   <p:sldIdLst>
     <p:sldId id="256" r:id="rId2"/>
     <p:sldId id="257" r:id="rId3"/>
+    <p:sldId id="260" r:id="rId4"/>
+    <p:sldId id="258" r:id="rId5"/>
+    <p:sldId id="259" r:id="rId6"/>
   </p:sldIdLst>
   <p:sldSz cx="12192000" cy="6858000"/>
   <p:notesSz cx="6858000" cy="9144000"/>
@@ -629,7 +632,7 @@
             <a:fld id="{B61BEF0D-F0BB-DE4B-95CE-6DB70DBA9567}" type="datetimeFigureOut">
               <a:rPr lang="en-US" dirty="0"/>
               <a:pPr/>
-              <a:t>6/11/2015</a:t>
+              <a:t>6/19/2015</a:t>
             </a:fld>
             <a:endParaRPr lang="en-US" dirty="0"/>
           </a:p>
@@ -959,7 +962,7 @@
             <a:fld id="{B61BEF0D-F0BB-DE4B-95CE-6DB70DBA9567}" type="datetimeFigureOut">
               <a:rPr lang="en-US" dirty="0"/>
               <a:pPr/>
-              <a:t>6/11/2015</a:t>
+              <a:t>6/19/2015</a:t>
             </a:fld>
             <a:endParaRPr lang="en-US" dirty="0"/>
           </a:p>
@@ -1241,7 +1244,7 @@
             <a:fld id="{B61BEF0D-F0BB-DE4B-95CE-6DB70DBA9567}" type="datetimeFigureOut">
               <a:rPr lang="en-US" dirty="0"/>
               <a:pPr/>
-              <a:t>6/11/2015</a:t>
+              <a:t>6/19/2015</a:t>
             </a:fld>
             <a:endParaRPr lang="en-US" dirty="0"/>
           </a:p>
@@ -1815,7 +1818,7 @@
             <a:fld id="{B61BEF0D-F0BB-DE4B-95CE-6DB70DBA9567}" type="datetimeFigureOut">
               <a:rPr lang="en-US" dirty="0"/>
               <a:pPr/>
-              <a:t>6/11/2015</a:t>
+              <a:t>6/19/2015</a:t>
             </a:fld>
             <a:endParaRPr lang="en-US" dirty="0"/>
           </a:p>
@@ -2097,7 +2100,7 @@
             <a:fld id="{B61BEF0D-F0BB-DE4B-95CE-6DB70DBA9567}" type="datetimeFigureOut">
               <a:rPr lang="en-US" dirty="0"/>
               <a:pPr/>
-              <a:t>6/11/2015</a:t>
+              <a:t>6/19/2015</a:t>
             </a:fld>
             <a:endParaRPr lang="en-US" dirty="0"/>
           </a:p>
@@ -2663,7 +2666,7 @@
             <a:fld id="{B61BEF0D-F0BB-DE4B-95CE-6DB70DBA9567}" type="datetimeFigureOut">
               <a:rPr lang="en-US" dirty="0"/>
               <a:pPr/>
-              <a:t>6/11/2015</a:t>
+              <a:t>6/19/2015</a:t>
             </a:fld>
             <a:endParaRPr lang="en-US" dirty="0"/>
           </a:p>
@@ -2994,7 +2997,7 @@
             <a:fld id="{B61BEF0D-F0BB-DE4B-95CE-6DB70DBA9567}" type="datetimeFigureOut">
               <a:rPr lang="en-US" dirty="0"/>
               <a:pPr/>
-              <a:t>6/11/2015</a:t>
+              <a:t>6/19/2015</a:t>
             </a:fld>
             <a:endParaRPr lang="en-US" dirty="0"/>
           </a:p>
@@ -3202,7 +3205,7 @@
             <a:fld id="{B61BEF0D-F0BB-DE4B-95CE-6DB70DBA9567}" type="datetimeFigureOut">
               <a:rPr lang="en-US" dirty="0"/>
               <a:pPr/>
-              <a:t>6/11/2015</a:t>
+              <a:t>6/19/2015</a:t>
             </a:fld>
             <a:endParaRPr lang="en-US" dirty="0"/>
           </a:p>
@@ -3416,7 +3419,7 @@
             <a:fld id="{B61BEF0D-F0BB-DE4B-95CE-6DB70DBA9567}" type="datetimeFigureOut">
               <a:rPr lang="en-US" dirty="0"/>
               <a:pPr/>
-              <a:t>6/11/2015</a:t>
+              <a:t>6/19/2015</a:t>
             </a:fld>
             <a:endParaRPr lang="en-US" dirty="0"/>
           </a:p>
@@ -3657,7 +3660,7 @@
             <a:fld id="{B61BEF0D-F0BB-DE4B-95CE-6DB70DBA9567}" type="datetimeFigureOut">
               <a:rPr lang="en-US" dirty="0"/>
               <a:pPr/>
-              <a:t>6/11/2015</a:t>
+              <a:t>6/19/2015</a:t>
             </a:fld>
             <a:endParaRPr lang="en-US" dirty="0"/>
           </a:p>
@@ -3944,7 +3947,7 @@
             <a:fld id="{B61BEF0D-F0BB-DE4B-95CE-6DB70DBA9567}" type="datetimeFigureOut">
               <a:rPr lang="en-US" dirty="0"/>
               <a:pPr/>
-              <a:t>6/11/2015</a:t>
+              <a:t>6/19/2015</a:t>
             </a:fld>
             <a:endParaRPr lang="en-US" dirty="0"/>
           </a:p>
@@ -4281,7 +4284,7 @@
             <a:fld id="{B61BEF0D-F0BB-DE4B-95CE-6DB70DBA9567}" type="datetimeFigureOut">
               <a:rPr lang="en-US" dirty="0"/>
               <a:pPr/>
-              <a:t>6/11/2015</a:t>
+              <a:t>6/19/2015</a:t>
             </a:fld>
             <a:endParaRPr lang="en-US" dirty="0"/>
           </a:p>
@@ -4759,7 +4762,7 @@
             <a:fld id="{B61BEF0D-F0BB-DE4B-95CE-6DB70DBA9567}" type="datetimeFigureOut">
               <a:rPr lang="en-US" dirty="0"/>
               <a:pPr/>
-              <a:t>6/11/2015</a:t>
+              <a:t>6/19/2015</a:t>
             </a:fld>
             <a:endParaRPr lang="en-US" dirty="0"/>
           </a:p>
@@ -4911,7 +4914,7 @@
             <a:fld id="{B61BEF0D-F0BB-DE4B-95CE-6DB70DBA9567}" type="datetimeFigureOut">
               <a:rPr lang="en-US" dirty="0"/>
               <a:pPr/>
-              <a:t>6/11/2015</a:t>
+              <a:t>6/19/2015</a:t>
             </a:fld>
             <a:endParaRPr lang="en-US" dirty="0"/>
           </a:p>
@@ -5040,7 +5043,7 @@
             <a:fld id="{B61BEF0D-F0BB-DE4B-95CE-6DB70DBA9567}" type="datetimeFigureOut">
               <a:rPr lang="en-US" dirty="0"/>
               <a:pPr/>
-              <a:t>6/11/2015</a:t>
+              <a:t>6/19/2015</a:t>
             </a:fld>
             <a:endParaRPr lang="en-US" dirty="0"/>
           </a:p>
@@ -5357,7 +5360,7 @@
             <a:fld id="{B61BEF0D-F0BB-DE4B-95CE-6DB70DBA9567}" type="datetimeFigureOut">
               <a:rPr lang="en-US" dirty="0"/>
               <a:pPr/>
-              <a:t>6/11/2015</a:t>
+              <a:t>6/19/2015</a:t>
             </a:fld>
             <a:endParaRPr lang="en-US" dirty="0"/>
           </a:p>
@@ -5682,7 +5685,7 @@
             <a:fld id="{B61BEF0D-F0BB-DE4B-95CE-6DB70DBA9567}" type="datetimeFigureOut">
               <a:rPr lang="en-US" dirty="0"/>
               <a:pPr/>
-              <a:t>6/11/2015</a:t>
+              <a:t>6/19/2015</a:t>
             </a:fld>
             <a:endParaRPr lang="en-US" dirty="0"/>
           </a:p>
@@ -6246,7 +6249,7 @@
             <a:fld id="{B61BEF0D-F0BB-DE4B-95CE-6DB70DBA9567}" type="datetimeFigureOut">
               <a:rPr lang="en-US" dirty="0"/>
               <a:pPr/>
-              <a:t>6/11/2015</a:t>
+              <a:t>6/19/2015</a:t>
             </a:fld>
             <a:endParaRPr lang="en-US" dirty="0"/>
           </a:p>
@@ -6987,7 +6990,6 @@
               <a:rPr lang="en-GB" dirty="0" smtClean="0"/>
               <a:t>, Play</a:t>
             </a:r>
-            <a:endParaRPr lang="en-GB" dirty="0" smtClean="0"/>
           </a:p>
           <a:p>
             <a:pPr lvl="1"/>
@@ -7060,6 +7062,388 @@
       </p:par>
     </p:tnLst>
   </p:timing>
+</p:sld>
+</file>
+
+<file path=ppt/slides/slide3.xml><?xml version="1.0" encoding="utf-8"?>
+<p:sld xmlns:a="http://schemas.openxmlformats.org/drawingml/2006/main" xmlns:r="http://schemas.openxmlformats.org/officeDocument/2006/relationships" xmlns:p="http://schemas.openxmlformats.org/presentationml/2006/main">
+  <p:cSld>
+    <p:spTree>
+      <p:nvGrpSpPr>
+        <p:cNvPr id="1" name=""/>
+        <p:cNvGrpSpPr/>
+        <p:nvPr/>
+      </p:nvGrpSpPr>
+      <p:grpSpPr>
+        <a:xfrm>
+          <a:off x="0" y="0"/>
+          <a:ext cx="0" cy="0"/>
+          <a:chOff x="0" y="0"/>
+          <a:chExt cx="0" cy="0"/>
+        </a:xfrm>
+      </p:grpSpPr>
+      <p:sp>
+        <p:nvSpPr>
+          <p:cNvPr id="2" name="Title 1"/>
+          <p:cNvSpPr>
+            <a:spLocks noGrp="1"/>
+          </p:cNvSpPr>
+          <p:nvPr>
+            <p:ph type="title"/>
+          </p:nvPr>
+        </p:nvSpPr>
+        <p:spPr/>
+        <p:txBody>
+          <a:bodyPr/>
+          <a:lstStyle/>
+          <a:p>
+            <a:r>
+              <a:rPr lang="de-DE" dirty="0" err="1" smtClean="0"/>
+              <a:t>Aktorsystem</a:t>
+            </a:r>
+            <a:endParaRPr lang="de-DE" dirty="0"/>
+          </a:p>
+        </p:txBody>
+      </p:sp>
+      <p:pic>
+        <p:nvPicPr>
+          <p:cNvPr id="6" name="Content Placeholder 5"/>
+          <p:cNvPicPr>
+            <a:picLocks noGrp="1" noChangeAspect="1"/>
+          </p:cNvPicPr>
+          <p:nvPr>
+            <p:ph idx="1"/>
+          </p:nvPr>
+        </p:nvPicPr>
+        <p:blipFill>
+          <a:blip r:embed="rId2">
+            <a:clrChange>
+              <a:clrFrom>
+                <a:srgbClr val="FFFFFF"/>
+              </a:clrFrom>
+              <a:clrTo>
+                <a:srgbClr val="FFFFFF">
+                  <a:alpha val="0"/>
+                </a:srgbClr>
+              </a:clrTo>
+            </a:clrChange>
+            <a:extLst>
+              <a:ext uri="{28A0092B-C50C-407E-A947-70E740481C1C}">
+                <a14:useLocalDpi xmlns:a14="http://schemas.microsoft.com/office/drawing/2010/main" val="0"/>
+              </a:ext>
+            </a:extLst>
+          </a:blip>
+          <a:stretch>
+            <a:fillRect/>
+          </a:stretch>
+        </p:blipFill>
+        <p:spPr>
+          <a:xfrm>
+            <a:off x="2430500" y="2640650"/>
+            <a:ext cx="9759807" cy="4198766"/>
+          </a:xfrm>
+        </p:spPr>
+      </p:pic>
+    </p:spTree>
+    <p:extLst>
+      <p:ext uri="{BB962C8B-B14F-4D97-AF65-F5344CB8AC3E}">
+        <p14:creationId xmlns:p14="http://schemas.microsoft.com/office/powerpoint/2010/main" val="1661757941"/>
+      </p:ext>
+    </p:extLst>
+  </p:cSld>
+  <p:clrMapOvr>
+    <a:masterClrMapping/>
+  </p:clrMapOvr>
+</p:sld>
+</file>
+
+<file path=ppt/slides/slide4.xml><?xml version="1.0" encoding="utf-8"?>
+<p:sld xmlns:a="http://schemas.openxmlformats.org/drawingml/2006/main" xmlns:r="http://schemas.openxmlformats.org/officeDocument/2006/relationships" xmlns:p="http://schemas.openxmlformats.org/presentationml/2006/main">
+  <p:cSld>
+    <p:spTree>
+      <p:nvGrpSpPr>
+        <p:cNvPr id="1" name=""/>
+        <p:cNvGrpSpPr/>
+        <p:nvPr/>
+      </p:nvGrpSpPr>
+      <p:grpSpPr>
+        <a:xfrm>
+          <a:off x="0" y="0"/>
+          <a:ext cx="0" cy="0"/>
+          <a:chOff x="0" y="0"/>
+          <a:chExt cx="0" cy="0"/>
+        </a:xfrm>
+      </p:grpSpPr>
+      <p:sp>
+        <p:nvSpPr>
+          <p:cNvPr id="2" name="Title 1"/>
+          <p:cNvSpPr>
+            <a:spLocks noGrp="1"/>
+          </p:cNvSpPr>
+          <p:nvPr>
+            <p:ph type="title"/>
+          </p:nvPr>
+        </p:nvSpPr>
+        <p:spPr/>
+        <p:txBody>
+          <a:bodyPr/>
+          <a:lstStyle/>
+          <a:p>
+            <a:r>
+              <a:rPr lang="de-DE" dirty="0" smtClean="0"/>
+              <a:t>DB-Schema</a:t>
+            </a:r>
+            <a:endParaRPr lang="de-DE" dirty="0"/>
+          </a:p>
+        </p:txBody>
+      </p:sp>
+      <p:sp>
+        <p:nvSpPr>
+          <p:cNvPr id="3" name="Content Placeholder 2"/>
+          <p:cNvSpPr>
+            <a:spLocks noGrp="1"/>
+          </p:cNvSpPr>
+          <p:nvPr>
+            <p:ph idx="1"/>
+          </p:nvPr>
+        </p:nvSpPr>
+        <p:spPr/>
+        <p:txBody>
+          <a:bodyPr/>
+          <a:lstStyle/>
+          <a:p>
+            <a:r>
+              <a:rPr lang="de-DE" dirty="0" smtClean="0"/>
+              <a:t>User: {_</a:t>
+            </a:r>
+            <a:r>
+              <a:rPr lang="de-DE" dirty="0" err="1" smtClean="0"/>
+              <a:t>id</a:t>
+            </a:r>
+            <a:r>
+              <a:rPr lang="de-DE" dirty="0" smtClean="0"/>
+              <a:t>, </a:t>
+            </a:r>
+            <a:r>
+              <a:rPr lang="de-DE" dirty="0" err="1" smtClean="0"/>
+              <a:t>name</a:t>
+            </a:r>
+            <a:r>
+              <a:rPr lang="de-DE" dirty="0" smtClean="0"/>
+              <a:t>, </a:t>
+            </a:r>
+            <a:r>
+              <a:rPr lang="de-DE" dirty="0" err="1" smtClean="0"/>
+              <a:t>password</a:t>
+            </a:r>
+            <a:r>
+              <a:rPr lang="de-DE" dirty="0" smtClean="0"/>
+              <a:t>}</a:t>
+            </a:r>
+          </a:p>
+          <a:p>
+            <a:r>
+              <a:rPr lang="de-DE" dirty="0" smtClean="0"/>
+              <a:t>Testplan: {_</a:t>
+            </a:r>
+            <a:r>
+              <a:rPr lang="de-DE" dirty="0" err="1" smtClean="0"/>
+              <a:t>id</a:t>
+            </a:r>
+            <a:r>
+              <a:rPr lang="de-DE" dirty="0" smtClean="0"/>
+              <a:t>, </a:t>
+            </a:r>
+            <a:r>
+              <a:rPr lang="de-DE" dirty="0" err="1" smtClean="0"/>
+              <a:t>user</a:t>
+            </a:r>
+            <a:r>
+              <a:rPr lang="de-DE" dirty="0" smtClean="0"/>
+              <a:t>, </a:t>
+            </a:r>
+            <a:r>
+              <a:rPr lang="de-DE" dirty="0" err="1" smtClean="0"/>
+              <a:t>path</a:t>
+            </a:r>
+            <a:r>
+              <a:rPr lang="de-DE" dirty="0" smtClean="0"/>
+              <a:t>, </a:t>
+            </a:r>
+            <a:r>
+              <a:rPr lang="de-DE" dirty="0" err="1" smtClean="0"/>
+              <a:t>connectionType</a:t>
+            </a:r>
+            <a:r>
+              <a:rPr lang="de-DE" dirty="0" smtClean="0"/>
+              <a:t>, </a:t>
+            </a:r>
+            <a:r>
+              <a:rPr lang="de-DE" dirty="0" err="1" smtClean="0"/>
+              <a:t>wait</a:t>
+            </a:r>
+            <a:r>
+              <a:rPr lang="de-DE" dirty="0" smtClean="0"/>
+              <a:t>, </a:t>
+            </a:r>
+            <a:r>
+              <a:rPr lang="de-DE" dirty="0" err="1" smtClean="0"/>
+              <a:t>parallelity</a:t>
+            </a:r>
+            <a:r>
+              <a:rPr lang="de-DE" dirty="0" smtClean="0"/>
+              <a:t>, </a:t>
+            </a:r>
+            <a:r>
+              <a:rPr lang="de-DE" dirty="0" err="1" smtClean="0"/>
+              <a:t>numRuns</a:t>
+            </a:r>
+            <a:r>
+              <a:rPr lang="de-DE" dirty="0" smtClean="0"/>
+              <a:t>}</a:t>
+            </a:r>
+          </a:p>
+          <a:p>
+            <a:r>
+              <a:rPr lang="de-DE" dirty="0" err="1" smtClean="0"/>
+              <a:t>Testrun</a:t>
+            </a:r>
+            <a:r>
+              <a:rPr lang="de-DE" dirty="0" smtClean="0"/>
+              <a:t>: {_</a:t>
+            </a:r>
+            <a:r>
+              <a:rPr lang="de-DE" dirty="0" err="1" smtClean="0"/>
+              <a:t>id</a:t>
+            </a:r>
+            <a:r>
+              <a:rPr lang="de-DE" dirty="0" smtClean="0"/>
+              <a:t>, </a:t>
+            </a:r>
+            <a:r>
+              <a:rPr lang="de-DE" dirty="0" err="1" smtClean="0"/>
+              <a:t>testplan</a:t>
+            </a:r>
+            <a:r>
+              <a:rPr lang="de-DE" dirty="0" smtClean="0"/>
+              <a:t>, [</a:t>
+            </a:r>
+            <a:r>
+              <a:rPr lang="de-DE" dirty="0" err="1" smtClean="0"/>
+              <a:t>raws</a:t>
+            </a:r>
+            <a:r>
+              <a:rPr lang="de-DE" dirty="0" smtClean="0"/>
+              <a:t>]}</a:t>
+            </a:r>
+          </a:p>
+          <a:p>
+            <a:r>
+              <a:rPr lang="de-DE" dirty="0" err="1" smtClean="0"/>
+              <a:t>raw</a:t>
+            </a:r>
+            <a:r>
+              <a:rPr lang="de-DE" dirty="0" smtClean="0"/>
+              <a:t>: {</a:t>
+            </a:r>
+            <a:r>
+              <a:rPr lang="de-DE" dirty="0" err="1" smtClean="0"/>
+              <a:t>start</a:t>
+            </a:r>
+            <a:r>
+              <a:rPr lang="de-DE" dirty="0" smtClean="0"/>
+              <a:t>, end} </a:t>
+            </a:r>
+            <a:endParaRPr lang="de-DE" dirty="0"/>
+          </a:p>
+        </p:txBody>
+      </p:sp>
+    </p:spTree>
+    <p:extLst>
+      <p:ext uri="{BB962C8B-B14F-4D97-AF65-F5344CB8AC3E}">
+        <p14:creationId xmlns:p14="http://schemas.microsoft.com/office/powerpoint/2010/main" val="1904809551"/>
+      </p:ext>
+    </p:extLst>
+  </p:cSld>
+  <p:clrMapOvr>
+    <a:masterClrMapping/>
+  </p:clrMapOvr>
+</p:sld>
+</file>
+
+<file path=ppt/slides/slide5.xml><?xml version="1.0" encoding="utf-8"?>
+<p:sld xmlns:a="http://schemas.openxmlformats.org/drawingml/2006/main" xmlns:r="http://schemas.openxmlformats.org/officeDocument/2006/relationships" xmlns:p="http://schemas.openxmlformats.org/presentationml/2006/main">
+  <p:cSld>
+    <p:spTree>
+      <p:nvGrpSpPr>
+        <p:cNvPr id="1" name=""/>
+        <p:cNvGrpSpPr/>
+        <p:nvPr/>
+      </p:nvGrpSpPr>
+      <p:grpSpPr>
+        <a:xfrm>
+          <a:off x="0" y="0"/>
+          <a:ext cx="0" cy="0"/>
+          <a:chOff x="0" y="0"/>
+          <a:chExt cx="0" cy="0"/>
+        </a:xfrm>
+      </p:grpSpPr>
+      <p:sp>
+        <p:nvSpPr>
+          <p:cNvPr id="2" name="Title 1"/>
+          <p:cNvSpPr>
+            <a:spLocks noGrp="1"/>
+          </p:cNvSpPr>
+          <p:nvPr>
+            <p:ph type="title"/>
+          </p:nvPr>
+        </p:nvSpPr>
+        <p:spPr/>
+        <p:txBody>
+          <a:bodyPr/>
+          <a:lstStyle/>
+          <a:p>
+            <a:r>
+              <a:rPr lang="de-DE" dirty="0" smtClean="0"/>
+              <a:t>Futures &amp; </a:t>
+            </a:r>
+            <a:r>
+              <a:rPr lang="de-DE" dirty="0" err="1" smtClean="0"/>
+              <a:t>Promises</a:t>
+            </a:r>
+            <a:endParaRPr lang="de-DE" dirty="0"/>
+          </a:p>
+        </p:txBody>
+      </p:sp>
+      <p:sp>
+        <p:nvSpPr>
+          <p:cNvPr id="3" name="Content Placeholder 2"/>
+          <p:cNvSpPr>
+            <a:spLocks noGrp="1"/>
+          </p:cNvSpPr>
+          <p:nvPr>
+            <p:ph idx="1"/>
+          </p:nvPr>
+        </p:nvSpPr>
+        <p:spPr/>
+        <p:txBody>
+          <a:bodyPr/>
+          <a:lstStyle/>
+          <a:p>
+            <a:endParaRPr lang="de-DE" dirty="0"/>
+          </a:p>
+        </p:txBody>
+      </p:sp>
+    </p:spTree>
+    <p:extLst>
+      <p:ext uri="{BB962C8B-B14F-4D97-AF65-F5344CB8AC3E}">
+        <p14:creationId xmlns:p14="http://schemas.microsoft.com/office/powerpoint/2010/main" val="2101965836"/>
+      </p:ext>
+    </p:extLst>
+  </p:cSld>
+  <p:clrMapOvr>
+    <a:masterClrMapping/>
+  </p:clrMapOvr>
 </p:sld>
 </file>
 

--- a/Dokumentation/Präsentation.pptx
+++ b/Dokumentation/Präsentation.pptx
@@ -7,9 +7,14 @@
   <p:sldIdLst>
     <p:sldId id="256" r:id="rId2"/>
     <p:sldId id="257" r:id="rId3"/>
-    <p:sldId id="260" r:id="rId4"/>
-    <p:sldId id="258" r:id="rId5"/>
-    <p:sldId id="259" r:id="rId6"/>
+    <p:sldId id="261" r:id="rId4"/>
+    <p:sldId id="260" r:id="rId5"/>
+    <p:sldId id="258" r:id="rId6"/>
+    <p:sldId id="259" r:id="rId7"/>
+    <p:sldId id="262" r:id="rId8"/>
+    <p:sldId id="263" r:id="rId9"/>
+    <p:sldId id="264" r:id="rId10"/>
+    <p:sldId id="265" r:id="rId11"/>
   </p:sldIdLst>
   <p:sldSz cx="12192000" cy="6858000"/>
   <p:notesSz cx="6858000" cy="9144000"/>
@@ -632,7 +637,7 @@
             <a:fld id="{B61BEF0D-F0BB-DE4B-95CE-6DB70DBA9567}" type="datetimeFigureOut">
               <a:rPr lang="en-US" dirty="0"/>
               <a:pPr/>
-              <a:t>6/19/2015</a:t>
+              <a:t>6/20/2015</a:t>
             </a:fld>
             <a:endParaRPr lang="en-US" dirty="0"/>
           </a:p>
@@ -962,7 +967,7 @@
             <a:fld id="{B61BEF0D-F0BB-DE4B-95CE-6DB70DBA9567}" type="datetimeFigureOut">
               <a:rPr lang="en-US" dirty="0"/>
               <a:pPr/>
-              <a:t>6/19/2015</a:t>
+              <a:t>6/20/2015</a:t>
             </a:fld>
             <a:endParaRPr lang="en-US" dirty="0"/>
           </a:p>
@@ -1244,7 +1249,7 @@
             <a:fld id="{B61BEF0D-F0BB-DE4B-95CE-6DB70DBA9567}" type="datetimeFigureOut">
               <a:rPr lang="en-US" dirty="0"/>
               <a:pPr/>
-              <a:t>6/19/2015</a:t>
+              <a:t>6/20/2015</a:t>
             </a:fld>
             <a:endParaRPr lang="en-US" dirty="0"/>
           </a:p>
@@ -1818,7 +1823,7 @@
             <a:fld id="{B61BEF0D-F0BB-DE4B-95CE-6DB70DBA9567}" type="datetimeFigureOut">
               <a:rPr lang="en-US" dirty="0"/>
               <a:pPr/>
-              <a:t>6/19/2015</a:t>
+              <a:t>6/20/2015</a:t>
             </a:fld>
             <a:endParaRPr lang="en-US" dirty="0"/>
           </a:p>
@@ -2100,7 +2105,7 @@
             <a:fld id="{B61BEF0D-F0BB-DE4B-95CE-6DB70DBA9567}" type="datetimeFigureOut">
               <a:rPr lang="en-US" dirty="0"/>
               <a:pPr/>
-              <a:t>6/19/2015</a:t>
+              <a:t>6/20/2015</a:t>
             </a:fld>
             <a:endParaRPr lang="en-US" dirty="0"/>
           </a:p>
@@ -2666,7 +2671,7 @@
             <a:fld id="{B61BEF0D-F0BB-DE4B-95CE-6DB70DBA9567}" type="datetimeFigureOut">
               <a:rPr lang="en-US" dirty="0"/>
               <a:pPr/>
-              <a:t>6/19/2015</a:t>
+              <a:t>6/20/2015</a:t>
             </a:fld>
             <a:endParaRPr lang="en-US" dirty="0"/>
           </a:p>
@@ -2997,7 +3002,7 @@
             <a:fld id="{B61BEF0D-F0BB-DE4B-95CE-6DB70DBA9567}" type="datetimeFigureOut">
               <a:rPr lang="en-US" dirty="0"/>
               <a:pPr/>
-              <a:t>6/19/2015</a:t>
+              <a:t>6/20/2015</a:t>
             </a:fld>
             <a:endParaRPr lang="en-US" dirty="0"/>
           </a:p>
@@ -3205,7 +3210,7 @@
             <a:fld id="{B61BEF0D-F0BB-DE4B-95CE-6DB70DBA9567}" type="datetimeFigureOut">
               <a:rPr lang="en-US" dirty="0"/>
               <a:pPr/>
-              <a:t>6/19/2015</a:t>
+              <a:t>6/20/2015</a:t>
             </a:fld>
             <a:endParaRPr lang="en-US" dirty="0"/>
           </a:p>
@@ -3419,7 +3424,7 @@
             <a:fld id="{B61BEF0D-F0BB-DE4B-95CE-6DB70DBA9567}" type="datetimeFigureOut">
               <a:rPr lang="en-US" dirty="0"/>
               <a:pPr/>
-              <a:t>6/19/2015</a:t>
+              <a:t>6/20/2015</a:t>
             </a:fld>
             <a:endParaRPr lang="en-US" dirty="0"/>
           </a:p>
@@ -3660,7 +3665,7 @@
             <a:fld id="{B61BEF0D-F0BB-DE4B-95CE-6DB70DBA9567}" type="datetimeFigureOut">
               <a:rPr lang="en-US" dirty="0"/>
               <a:pPr/>
-              <a:t>6/19/2015</a:t>
+              <a:t>6/20/2015</a:t>
             </a:fld>
             <a:endParaRPr lang="en-US" dirty="0"/>
           </a:p>
@@ -3947,7 +3952,7 @@
             <a:fld id="{B61BEF0D-F0BB-DE4B-95CE-6DB70DBA9567}" type="datetimeFigureOut">
               <a:rPr lang="en-US" dirty="0"/>
               <a:pPr/>
-              <a:t>6/19/2015</a:t>
+              <a:t>6/20/2015</a:t>
             </a:fld>
             <a:endParaRPr lang="en-US" dirty="0"/>
           </a:p>
@@ -4284,7 +4289,7 @@
             <a:fld id="{B61BEF0D-F0BB-DE4B-95CE-6DB70DBA9567}" type="datetimeFigureOut">
               <a:rPr lang="en-US" dirty="0"/>
               <a:pPr/>
-              <a:t>6/19/2015</a:t>
+              <a:t>6/20/2015</a:t>
             </a:fld>
             <a:endParaRPr lang="en-US" dirty="0"/>
           </a:p>
@@ -4762,7 +4767,7 @@
             <a:fld id="{B61BEF0D-F0BB-DE4B-95CE-6DB70DBA9567}" type="datetimeFigureOut">
               <a:rPr lang="en-US" dirty="0"/>
               <a:pPr/>
-              <a:t>6/19/2015</a:t>
+              <a:t>6/20/2015</a:t>
             </a:fld>
             <a:endParaRPr lang="en-US" dirty="0"/>
           </a:p>
@@ -4914,7 +4919,7 @@
             <a:fld id="{B61BEF0D-F0BB-DE4B-95CE-6DB70DBA9567}" type="datetimeFigureOut">
               <a:rPr lang="en-US" dirty="0"/>
               <a:pPr/>
-              <a:t>6/19/2015</a:t>
+              <a:t>6/20/2015</a:t>
             </a:fld>
             <a:endParaRPr lang="en-US" dirty="0"/>
           </a:p>
@@ -5043,7 +5048,7 @@
             <a:fld id="{B61BEF0D-F0BB-DE4B-95CE-6DB70DBA9567}" type="datetimeFigureOut">
               <a:rPr lang="en-US" dirty="0"/>
               <a:pPr/>
-              <a:t>6/19/2015</a:t>
+              <a:t>6/20/2015</a:t>
             </a:fld>
             <a:endParaRPr lang="en-US" dirty="0"/>
           </a:p>
@@ -5360,7 +5365,7 @@
             <a:fld id="{B61BEF0D-F0BB-DE4B-95CE-6DB70DBA9567}" type="datetimeFigureOut">
               <a:rPr lang="en-US" dirty="0"/>
               <a:pPr/>
-              <a:t>6/19/2015</a:t>
+              <a:t>6/20/2015</a:t>
             </a:fld>
             <a:endParaRPr lang="en-US" dirty="0"/>
           </a:p>
@@ -5685,7 +5690,7 @@
             <a:fld id="{B61BEF0D-F0BB-DE4B-95CE-6DB70DBA9567}" type="datetimeFigureOut">
               <a:rPr lang="en-US" dirty="0"/>
               <a:pPr/>
-              <a:t>6/19/2015</a:t>
+              <a:t>6/20/2015</a:t>
             </a:fld>
             <a:endParaRPr lang="en-US" dirty="0"/>
           </a:p>
@@ -6249,7 +6254,7 @@
             <a:fld id="{B61BEF0D-F0BB-DE4B-95CE-6DB70DBA9567}" type="datetimeFigureOut">
               <a:rPr lang="en-US" dirty="0"/>
               <a:pPr/>
-              <a:t>6/19/2015</a:t>
+              <a:t>6/20/2015</a:t>
             </a:fld>
             <a:endParaRPr lang="en-US" dirty="0"/>
           </a:p>
@@ -6906,6 +6911,140 @@
 </p:sld>
 </file>
 
+<file path=ppt/slides/slide10.xml><?xml version="1.0" encoding="utf-8"?>
+<p:sld xmlns:a="http://schemas.openxmlformats.org/drawingml/2006/main" xmlns:r="http://schemas.openxmlformats.org/officeDocument/2006/relationships" xmlns:p="http://schemas.openxmlformats.org/presentationml/2006/main">
+  <p:cSld>
+    <p:spTree>
+      <p:nvGrpSpPr>
+        <p:cNvPr id="1" name=""/>
+        <p:cNvGrpSpPr/>
+        <p:nvPr/>
+      </p:nvGrpSpPr>
+      <p:grpSpPr>
+        <a:xfrm>
+          <a:off x="0" y="0"/>
+          <a:ext cx="0" cy="0"/>
+          <a:chOff x="0" y="0"/>
+          <a:chExt cx="0" cy="0"/>
+        </a:xfrm>
+      </p:grpSpPr>
+      <p:sp>
+        <p:nvSpPr>
+          <p:cNvPr id="2" name="Title 1"/>
+          <p:cNvSpPr>
+            <a:spLocks noGrp="1"/>
+          </p:cNvSpPr>
+          <p:nvPr>
+            <p:ph type="title"/>
+          </p:nvPr>
+        </p:nvSpPr>
+        <p:spPr/>
+        <p:txBody>
+          <a:bodyPr/>
+          <a:lstStyle/>
+          <a:p>
+            <a:r>
+              <a:rPr lang="de-DE" dirty="0" smtClean="0"/>
+              <a:t>Reflexion - Frameworks</a:t>
+            </a:r>
+            <a:endParaRPr lang="de-DE" dirty="0"/>
+          </a:p>
+        </p:txBody>
+      </p:sp>
+      <p:sp>
+        <p:nvSpPr>
+          <p:cNvPr id="3" name="Content Placeholder 2"/>
+          <p:cNvSpPr>
+            <a:spLocks noGrp="1"/>
+          </p:cNvSpPr>
+          <p:nvPr>
+            <p:ph idx="1"/>
+          </p:nvPr>
+        </p:nvSpPr>
+        <p:spPr/>
+        <p:txBody>
+          <a:bodyPr/>
+          <a:lstStyle/>
+          <a:p>
+            <a:r>
+              <a:rPr lang="de-DE" dirty="0" err="1" smtClean="0"/>
+              <a:t>Akka</a:t>
+            </a:r>
+            <a:endParaRPr lang="de-DE" dirty="0" smtClean="0"/>
+          </a:p>
+          <a:p>
+            <a:pPr lvl="1"/>
+            <a:r>
+              <a:rPr lang="de-DE" dirty="0" smtClean="0"/>
+              <a:t>Eher Multiagent/RMI/</a:t>
+            </a:r>
+            <a:r>
+              <a:rPr lang="de-DE" dirty="0" err="1" smtClean="0"/>
+              <a:t>async</a:t>
+            </a:r>
+            <a:r>
+              <a:rPr lang="de-DE" dirty="0" smtClean="0"/>
+              <a:t> als reaktiv</a:t>
+            </a:r>
+          </a:p>
+          <a:p>
+            <a:pPr lvl="2"/>
+            <a:r>
+              <a:rPr lang="de-DE" dirty="0" smtClean="0"/>
+              <a:t>Explizites Ziel von Nachrichten</a:t>
+            </a:r>
+          </a:p>
+          <a:p>
+            <a:pPr lvl="1"/>
+            <a:r>
+              <a:rPr lang="de-DE" dirty="0" smtClean="0"/>
+              <a:t>Kontextverlust, keine spezifische Antwort</a:t>
+            </a:r>
+          </a:p>
+          <a:p>
+            <a:pPr lvl="1"/>
+            <a:r>
+              <a:rPr lang="de-DE" dirty="0" smtClean="0"/>
+              <a:t>Bei sehr hoher Anzahl von Nachrichten: nicht intelligent</a:t>
+            </a:r>
+          </a:p>
+          <a:p>
+            <a:r>
+              <a:rPr lang="de-DE" dirty="0" err="1" smtClean="0"/>
+              <a:t>MongoDB</a:t>
+            </a:r>
+            <a:endParaRPr lang="de-DE" dirty="0" smtClean="0"/>
+          </a:p>
+          <a:p>
+            <a:pPr lvl="1"/>
+            <a:r>
+              <a:rPr lang="de-DE" dirty="0" smtClean="0"/>
+              <a:t>ID-Generierung an beliebiger Stelle</a:t>
+            </a:r>
+          </a:p>
+          <a:p>
+            <a:pPr lvl="1"/>
+            <a:r>
+              <a:rPr lang="de-DE" dirty="0" smtClean="0"/>
+              <a:t>Nicht normalisierte Datenstruktur</a:t>
+            </a:r>
+            <a:endParaRPr lang="de-DE" dirty="0"/>
+          </a:p>
+        </p:txBody>
+      </p:sp>
+    </p:spTree>
+    <p:extLst>
+      <p:ext uri="{BB962C8B-B14F-4D97-AF65-F5344CB8AC3E}">
+        <p14:creationId xmlns:p14="http://schemas.microsoft.com/office/powerpoint/2010/main" val="1271854862"/>
+      </p:ext>
+    </p:extLst>
+  </p:cSld>
+  <p:clrMapOvr>
+    <a:masterClrMapping/>
+  </p:clrMapOvr>
+</p:sld>
+</file>
+
 <file path=ppt/slides/slide2.xml><?xml version="1.0" encoding="utf-8"?>
 <p:sld xmlns:a="http://schemas.openxmlformats.org/drawingml/2006/main" xmlns:r="http://schemas.openxmlformats.org/officeDocument/2006/relationships" xmlns:p="http://schemas.openxmlformats.org/presentationml/2006/main">
   <p:cSld>
@@ -6963,8 +7102,17 @@
           </a:xfrm>
         </p:spPr>
         <p:txBody>
-          <a:bodyPr/>
+          <a:bodyPr>
+            <a:normAutofit lnSpcReduction="10000"/>
+          </a:bodyPr>
           <a:lstStyle/>
+          <a:p>
+            <a:r>
+              <a:rPr lang="en-GB" dirty="0" err="1" smtClean="0"/>
+              <a:t>Entwicklungsumgebung</a:t>
+            </a:r>
+            <a:endParaRPr lang="en-GB" dirty="0" smtClean="0"/>
+          </a:p>
           <a:p>
             <a:r>
               <a:rPr lang="en-GB" dirty="0" err="1" smtClean="0"/>
@@ -6978,10 +7126,14 @@
               <a:rPr lang="en-GB" dirty="0" err="1" smtClean="0"/>
               <a:t>Überblick</a:t>
             </a:r>
-            <a:endParaRPr lang="en-GB" dirty="0" smtClean="0"/>
-          </a:p>
-          <a:p>
-            <a:pPr lvl="2"/>
+            <a:r>
+              <a:rPr lang="en-GB" dirty="0"/>
+              <a:t> </a:t>
+            </a:r>
+            <a:r>
+              <a:rPr lang="en-GB" dirty="0" smtClean="0"/>
+              <a:t>// </a:t>
+            </a:r>
             <a:r>
               <a:rPr lang="en-GB" dirty="0" err="1" smtClean="0"/>
               <a:t>WebSocket</a:t>
@@ -7031,6 +7183,13 @@
               <a:rPr lang="en-GB" dirty="0" smtClean="0"/>
               <a:t>Graph</a:t>
             </a:r>
+          </a:p>
+          <a:p>
+            <a:r>
+              <a:rPr lang="en-GB" dirty="0" smtClean="0"/>
+              <a:t>Tests</a:t>
+            </a:r>
+            <a:endParaRPr lang="en-GB" dirty="0" smtClean="0"/>
           </a:p>
           <a:p>
             <a:r>
@@ -7066,6 +7225,179 @@
 </file>
 
 <file path=ppt/slides/slide3.xml><?xml version="1.0" encoding="utf-8"?>
+<p:sld xmlns:a="http://schemas.openxmlformats.org/drawingml/2006/main" xmlns:r="http://schemas.openxmlformats.org/officeDocument/2006/relationships" xmlns:p="http://schemas.openxmlformats.org/presentationml/2006/main">
+  <p:cSld>
+    <p:spTree>
+      <p:nvGrpSpPr>
+        <p:cNvPr id="1" name=""/>
+        <p:cNvGrpSpPr/>
+        <p:nvPr/>
+      </p:nvGrpSpPr>
+      <p:grpSpPr>
+        <a:xfrm>
+          <a:off x="0" y="0"/>
+          <a:ext cx="0" cy="0"/>
+          <a:chOff x="0" y="0"/>
+          <a:chExt cx="0" cy="0"/>
+        </a:xfrm>
+      </p:grpSpPr>
+      <p:sp>
+        <p:nvSpPr>
+          <p:cNvPr id="2" name="Title 1"/>
+          <p:cNvSpPr>
+            <a:spLocks noGrp="1"/>
+          </p:cNvSpPr>
+          <p:nvPr>
+            <p:ph type="title"/>
+          </p:nvPr>
+        </p:nvSpPr>
+        <p:spPr/>
+        <p:txBody>
+          <a:bodyPr/>
+          <a:lstStyle/>
+          <a:p>
+            <a:r>
+              <a:rPr lang="de-DE" dirty="0" smtClean="0"/>
+              <a:t>Entwicklungsumgebung</a:t>
+            </a:r>
+            <a:endParaRPr lang="de-DE" dirty="0"/>
+          </a:p>
+        </p:txBody>
+      </p:sp>
+      <p:sp>
+        <p:nvSpPr>
+          <p:cNvPr id="3" name="Content Placeholder 2"/>
+          <p:cNvSpPr>
+            <a:spLocks noGrp="1"/>
+          </p:cNvSpPr>
+          <p:nvPr>
+            <p:ph idx="1"/>
+          </p:nvPr>
+        </p:nvSpPr>
+        <p:spPr/>
+        <p:txBody>
+          <a:bodyPr>
+            <a:normAutofit/>
+          </a:bodyPr>
+          <a:lstStyle/>
+          <a:p>
+            <a:r>
+              <a:rPr lang="de-DE" dirty="0" err="1" smtClean="0"/>
+              <a:t>Github</a:t>
+            </a:r>
+            <a:endParaRPr lang="de-DE" dirty="0" smtClean="0"/>
+          </a:p>
+          <a:p>
+            <a:r>
+              <a:rPr lang="de-DE" dirty="0" err="1" smtClean="0"/>
+              <a:t>IntelliJ</a:t>
+            </a:r>
+            <a:r>
+              <a:rPr lang="de-DE" dirty="0" smtClean="0"/>
+              <a:t> / </a:t>
+            </a:r>
+            <a:r>
+              <a:rPr lang="de-DE" dirty="0" err="1" smtClean="0"/>
+              <a:t>Eclipse</a:t>
+            </a:r>
+            <a:endParaRPr lang="de-DE" dirty="0" smtClean="0"/>
+          </a:p>
+          <a:p>
+            <a:pPr marL="285750" lvl="1"/>
+            <a:r>
+              <a:rPr lang="de-DE" sz="2400" dirty="0" err="1"/>
+              <a:t>Activator</a:t>
+            </a:r>
+            <a:r>
+              <a:rPr lang="de-DE" sz="2400" dirty="0"/>
+              <a:t>, </a:t>
+            </a:r>
+            <a:r>
+              <a:rPr lang="de-DE" sz="2400" dirty="0" smtClean="0"/>
+              <a:t>SBT</a:t>
+            </a:r>
+            <a:endParaRPr lang="de-DE" sz="2400" b="1" dirty="0" smtClean="0"/>
+          </a:p>
+          <a:p>
+            <a:r>
+              <a:rPr lang="de-DE" dirty="0" smtClean="0"/>
+              <a:t>Frameworks</a:t>
+            </a:r>
+          </a:p>
+          <a:p>
+            <a:pPr lvl="1"/>
+            <a:r>
+              <a:rPr lang="de-DE" dirty="0" smtClean="0"/>
+              <a:t>Play (Routen, </a:t>
+            </a:r>
+            <a:r>
+              <a:rPr lang="de-DE" dirty="0" err="1" smtClean="0"/>
+              <a:t>WebSocket</a:t>
+            </a:r>
+            <a:r>
+              <a:rPr lang="de-DE" dirty="0" smtClean="0"/>
+              <a:t> &amp; JSON)</a:t>
+            </a:r>
+          </a:p>
+          <a:p>
+            <a:pPr lvl="1"/>
+            <a:r>
+              <a:rPr lang="de-DE" dirty="0" err="1" smtClean="0"/>
+              <a:t>Akka</a:t>
+            </a:r>
+            <a:endParaRPr lang="de-DE" dirty="0" smtClean="0"/>
+          </a:p>
+          <a:p>
+            <a:pPr lvl="1"/>
+            <a:r>
+              <a:rPr lang="de-DE" dirty="0" smtClean="0"/>
+              <a:t>Data </a:t>
+            </a:r>
+            <a:r>
+              <a:rPr lang="de-DE" dirty="0" err="1" smtClean="0"/>
+              <a:t>Driven</a:t>
+            </a:r>
+            <a:r>
+              <a:rPr lang="de-DE" dirty="0" smtClean="0"/>
+              <a:t> </a:t>
+            </a:r>
+            <a:r>
+              <a:rPr lang="de-DE" dirty="0" err="1" smtClean="0"/>
+              <a:t>Documents</a:t>
+            </a:r>
+            <a:r>
+              <a:rPr lang="de-DE" dirty="0" smtClean="0"/>
+              <a:t> D3JS (Graph)</a:t>
+            </a:r>
+          </a:p>
+          <a:p>
+            <a:pPr lvl="1"/>
+            <a:r>
+              <a:rPr lang="de-DE" dirty="0" err="1" smtClean="0"/>
+              <a:t>MongoDB</a:t>
+            </a:r>
+            <a:r>
+              <a:rPr lang="de-DE" dirty="0" smtClean="0"/>
+              <a:t> &amp; Scala Driver</a:t>
+            </a:r>
+            <a:endParaRPr lang="de-DE" dirty="0"/>
+          </a:p>
+        </p:txBody>
+      </p:sp>
+    </p:spTree>
+    <p:extLst>
+      <p:ext uri="{BB962C8B-B14F-4D97-AF65-F5344CB8AC3E}">
+        <p14:creationId xmlns:p14="http://schemas.microsoft.com/office/powerpoint/2010/main" val="3100212309"/>
+      </p:ext>
+    </p:extLst>
+  </p:cSld>
+  <p:clrMapOvr>
+    <a:masterClrMapping/>
+  </p:clrMapOvr>
+</p:sld>
+</file>
+
+<file path=ppt/slides/slide4.xml><?xml version="1.0" encoding="utf-8"?>
 <p:sld xmlns:a="http://schemas.openxmlformats.org/drawingml/2006/main" xmlns:r="http://schemas.openxmlformats.org/officeDocument/2006/relationships" xmlns:p="http://schemas.openxmlformats.org/presentationml/2006/main">
   <p:cSld>
     <p:spTree>
@@ -7157,220 +7489,6 @@
 </p:sld>
 </file>
 
-<file path=ppt/slides/slide4.xml><?xml version="1.0" encoding="utf-8"?>
-<p:sld xmlns:a="http://schemas.openxmlformats.org/drawingml/2006/main" xmlns:r="http://schemas.openxmlformats.org/officeDocument/2006/relationships" xmlns:p="http://schemas.openxmlformats.org/presentationml/2006/main">
-  <p:cSld>
-    <p:spTree>
-      <p:nvGrpSpPr>
-        <p:cNvPr id="1" name=""/>
-        <p:cNvGrpSpPr/>
-        <p:nvPr/>
-      </p:nvGrpSpPr>
-      <p:grpSpPr>
-        <a:xfrm>
-          <a:off x="0" y="0"/>
-          <a:ext cx="0" cy="0"/>
-          <a:chOff x="0" y="0"/>
-          <a:chExt cx="0" cy="0"/>
-        </a:xfrm>
-      </p:grpSpPr>
-      <p:sp>
-        <p:nvSpPr>
-          <p:cNvPr id="2" name="Title 1"/>
-          <p:cNvSpPr>
-            <a:spLocks noGrp="1"/>
-          </p:cNvSpPr>
-          <p:nvPr>
-            <p:ph type="title"/>
-          </p:nvPr>
-        </p:nvSpPr>
-        <p:spPr/>
-        <p:txBody>
-          <a:bodyPr/>
-          <a:lstStyle/>
-          <a:p>
-            <a:r>
-              <a:rPr lang="de-DE" dirty="0" smtClean="0"/>
-              <a:t>DB-Schema</a:t>
-            </a:r>
-            <a:endParaRPr lang="de-DE" dirty="0"/>
-          </a:p>
-        </p:txBody>
-      </p:sp>
-      <p:sp>
-        <p:nvSpPr>
-          <p:cNvPr id="3" name="Content Placeholder 2"/>
-          <p:cNvSpPr>
-            <a:spLocks noGrp="1"/>
-          </p:cNvSpPr>
-          <p:nvPr>
-            <p:ph idx="1"/>
-          </p:nvPr>
-        </p:nvSpPr>
-        <p:spPr/>
-        <p:txBody>
-          <a:bodyPr/>
-          <a:lstStyle/>
-          <a:p>
-            <a:r>
-              <a:rPr lang="de-DE" dirty="0" smtClean="0"/>
-              <a:t>User: {_</a:t>
-            </a:r>
-            <a:r>
-              <a:rPr lang="de-DE" dirty="0" err="1" smtClean="0"/>
-              <a:t>id</a:t>
-            </a:r>
-            <a:r>
-              <a:rPr lang="de-DE" dirty="0" smtClean="0"/>
-              <a:t>, </a:t>
-            </a:r>
-            <a:r>
-              <a:rPr lang="de-DE" dirty="0" err="1" smtClean="0"/>
-              <a:t>name</a:t>
-            </a:r>
-            <a:r>
-              <a:rPr lang="de-DE" dirty="0" smtClean="0"/>
-              <a:t>, </a:t>
-            </a:r>
-            <a:r>
-              <a:rPr lang="de-DE" dirty="0" err="1" smtClean="0"/>
-              <a:t>password</a:t>
-            </a:r>
-            <a:r>
-              <a:rPr lang="de-DE" dirty="0" smtClean="0"/>
-              <a:t>}</a:t>
-            </a:r>
-          </a:p>
-          <a:p>
-            <a:r>
-              <a:rPr lang="de-DE" dirty="0" smtClean="0"/>
-              <a:t>Testplan: {_</a:t>
-            </a:r>
-            <a:r>
-              <a:rPr lang="de-DE" dirty="0" err="1" smtClean="0"/>
-              <a:t>id</a:t>
-            </a:r>
-            <a:r>
-              <a:rPr lang="de-DE" dirty="0" smtClean="0"/>
-              <a:t>, </a:t>
-            </a:r>
-            <a:r>
-              <a:rPr lang="de-DE" dirty="0" err="1" smtClean="0"/>
-              <a:t>user</a:t>
-            </a:r>
-            <a:r>
-              <a:rPr lang="de-DE" dirty="0" smtClean="0"/>
-              <a:t>, </a:t>
-            </a:r>
-            <a:r>
-              <a:rPr lang="de-DE" dirty="0" err="1" smtClean="0"/>
-              <a:t>path</a:t>
-            </a:r>
-            <a:r>
-              <a:rPr lang="de-DE" dirty="0" smtClean="0"/>
-              <a:t>, </a:t>
-            </a:r>
-            <a:r>
-              <a:rPr lang="de-DE" dirty="0" err="1" smtClean="0"/>
-              <a:t>connectionType</a:t>
-            </a:r>
-            <a:r>
-              <a:rPr lang="de-DE" dirty="0" smtClean="0"/>
-              <a:t>, </a:t>
-            </a:r>
-            <a:r>
-              <a:rPr lang="de-DE" dirty="0" err="1" smtClean="0"/>
-              <a:t>wait</a:t>
-            </a:r>
-            <a:r>
-              <a:rPr lang="de-DE" dirty="0" smtClean="0"/>
-              <a:t>, </a:t>
-            </a:r>
-            <a:r>
-              <a:rPr lang="de-DE" dirty="0" err="1" smtClean="0"/>
-              <a:t>parallelity</a:t>
-            </a:r>
-            <a:r>
-              <a:rPr lang="de-DE" dirty="0" smtClean="0"/>
-              <a:t>, </a:t>
-            </a:r>
-            <a:r>
-              <a:rPr lang="de-DE" dirty="0" err="1" smtClean="0"/>
-              <a:t>numRuns</a:t>
-            </a:r>
-            <a:r>
-              <a:rPr lang="de-DE" dirty="0" smtClean="0"/>
-              <a:t>}</a:t>
-            </a:r>
-          </a:p>
-          <a:p>
-            <a:r>
-              <a:rPr lang="de-DE" dirty="0" err="1" smtClean="0"/>
-              <a:t>Testrun</a:t>
-            </a:r>
-            <a:r>
-              <a:rPr lang="de-DE" dirty="0" smtClean="0"/>
-              <a:t>: {_</a:t>
-            </a:r>
-            <a:r>
-              <a:rPr lang="de-DE" dirty="0" err="1" smtClean="0"/>
-              <a:t>id</a:t>
-            </a:r>
-            <a:r>
-              <a:rPr lang="de-DE" dirty="0" smtClean="0"/>
-              <a:t>, </a:t>
-            </a:r>
-            <a:r>
-              <a:rPr lang="de-DE" dirty="0" err="1" smtClean="0"/>
-              <a:t>testplan</a:t>
-            </a:r>
-            <a:r>
-              <a:rPr lang="de-DE" dirty="0" smtClean="0"/>
-              <a:t>, [</a:t>
-            </a:r>
-            <a:r>
-              <a:rPr lang="de-DE" dirty="0" err="1" smtClean="0"/>
-              <a:t>raws</a:t>
-            </a:r>
-            <a:r>
-              <a:rPr lang="de-DE" dirty="0" smtClean="0"/>
-              <a:t>]}</a:t>
-            </a:r>
-          </a:p>
-          <a:p>
-            <a:r>
-              <a:rPr lang="de-DE" dirty="0" err="1" smtClean="0"/>
-              <a:t>raw</a:t>
-            </a:r>
-            <a:r>
-              <a:rPr lang="de-DE" dirty="0" smtClean="0"/>
-              <a:t>: {</a:t>
-            </a:r>
-            <a:r>
-              <a:rPr lang="de-DE" dirty="0" err="1" smtClean="0"/>
-              <a:t>start</a:t>
-            </a:r>
-            <a:r>
-              <a:rPr lang="de-DE" dirty="0" smtClean="0"/>
-              <a:t>, end} </a:t>
-            </a:r>
-            <a:endParaRPr lang="de-DE" dirty="0"/>
-          </a:p>
-        </p:txBody>
-      </p:sp>
-    </p:spTree>
-    <p:extLst>
-      <p:ext uri="{BB962C8B-B14F-4D97-AF65-F5344CB8AC3E}">
-        <p14:creationId xmlns:p14="http://schemas.microsoft.com/office/powerpoint/2010/main" val="1904809551"/>
-      </p:ext>
-    </p:extLst>
-  </p:cSld>
-  <p:clrMapOvr>
-    <a:masterClrMapping/>
-  </p:clrMapOvr>
-</p:sld>
-</file>
-
 <file path=ppt/slides/slide5.xml><?xml version="1.0" encoding="utf-8"?>
 <p:sld xmlns:a="http://schemas.openxmlformats.org/drawingml/2006/main" xmlns:r="http://schemas.openxmlformats.org/officeDocument/2006/relationships" xmlns:p="http://schemas.openxmlformats.org/presentationml/2006/main">
   <p:cSld>
@@ -7405,6 +7523,220 @@
           <a:p>
             <a:r>
               <a:rPr lang="de-DE" dirty="0" smtClean="0"/>
+              <a:t>DB-Schema</a:t>
+            </a:r>
+            <a:endParaRPr lang="de-DE" dirty="0"/>
+          </a:p>
+        </p:txBody>
+      </p:sp>
+      <p:sp>
+        <p:nvSpPr>
+          <p:cNvPr id="3" name="Content Placeholder 2"/>
+          <p:cNvSpPr>
+            <a:spLocks noGrp="1"/>
+          </p:cNvSpPr>
+          <p:nvPr>
+            <p:ph idx="1"/>
+          </p:nvPr>
+        </p:nvSpPr>
+        <p:spPr/>
+        <p:txBody>
+          <a:bodyPr/>
+          <a:lstStyle/>
+          <a:p>
+            <a:r>
+              <a:rPr lang="de-DE" dirty="0" smtClean="0"/>
+              <a:t>User: {_</a:t>
+            </a:r>
+            <a:r>
+              <a:rPr lang="de-DE" dirty="0" err="1" smtClean="0"/>
+              <a:t>id</a:t>
+            </a:r>
+            <a:r>
+              <a:rPr lang="de-DE" dirty="0" smtClean="0"/>
+              <a:t>, </a:t>
+            </a:r>
+            <a:r>
+              <a:rPr lang="de-DE" dirty="0" err="1" smtClean="0"/>
+              <a:t>name</a:t>
+            </a:r>
+            <a:r>
+              <a:rPr lang="de-DE" dirty="0" smtClean="0"/>
+              <a:t>, </a:t>
+            </a:r>
+            <a:r>
+              <a:rPr lang="de-DE" dirty="0" err="1" smtClean="0"/>
+              <a:t>password</a:t>
+            </a:r>
+            <a:r>
+              <a:rPr lang="de-DE" dirty="0" smtClean="0"/>
+              <a:t>}</a:t>
+            </a:r>
+          </a:p>
+          <a:p>
+            <a:r>
+              <a:rPr lang="de-DE" dirty="0" smtClean="0"/>
+              <a:t>Testplan: {_</a:t>
+            </a:r>
+            <a:r>
+              <a:rPr lang="de-DE" dirty="0" err="1" smtClean="0"/>
+              <a:t>id</a:t>
+            </a:r>
+            <a:r>
+              <a:rPr lang="de-DE" dirty="0" smtClean="0"/>
+              <a:t>, </a:t>
+            </a:r>
+            <a:r>
+              <a:rPr lang="de-DE" dirty="0" err="1" smtClean="0"/>
+              <a:t>user</a:t>
+            </a:r>
+            <a:r>
+              <a:rPr lang="de-DE" dirty="0" smtClean="0"/>
+              <a:t>, </a:t>
+            </a:r>
+            <a:r>
+              <a:rPr lang="de-DE" dirty="0" err="1" smtClean="0"/>
+              <a:t>path</a:t>
+            </a:r>
+            <a:r>
+              <a:rPr lang="de-DE" dirty="0" smtClean="0"/>
+              <a:t>, </a:t>
+            </a:r>
+            <a:r>
+              <a:rPr lang="de-DE" dirty="0" err="1" smtClean="0"/>
+              <a:t>connectionType</a:t>
+            </a:r>
+            <a:r>
+              <a:rPr lang="de-DE" dirty="0" smtClean="0"/>
+              <a:t>, </a:t>
+            </a:r>
+            <a:r>
+              <a:rPr lang="de-DE" dirty="0" err="1" smtClean="0"/>
+              <a:t>wait</a:t>
+            </a:r>
+            <a:r>
+              <a:rPr lang="de-DE" dirty="0" smtClean="0"/>
+              <a:t>, </a:t>
+            </a:r>
+            <a:r>
+              <a:rPr lang="de-DE" dirty="0" err="1" smtClean="0"/>
+              <a:t>parallelity</a:t>
+            </a:r>
+            <a:r>
+              <a:rPr lang="de-DE" dirty="0" smtClean="0"/>
+              <a:t>, </a:t>
+            </a:r>
+            <a:r>
+              <a:rPr lang="de-DE" dirty="0" err="1" smtClean="0"/>
+              <a:t>numRuns</a:t>
+            </a:r>
+            <a:r>
+              <a:rPr lang="de-DE" dirty="0" smtClean="0"/>
+              <a:t>}</a:t>
+            </a:r>
+          </a:p>
+          <a:p>
+            <a:r>
+              <a:rPr lang="de-DE" dirty="0" err="1" smtClean="0"/>
+              <a:t>Testrun</a:t>
+            </a:r>
+            <a:r>
+              <a:rPr lang="de-DE" dirty="0" smtClean="0"/>
+              <a:t>: {_</a:t>
+            </a:r>
+            <a:r>
+              <a:rPr lang="de-DE" dirty="0" err="1" smtClean="0"/>
+              <a:t>id</a:t>
+            </a:r>
+            <a:r>
+              <a:rPr lang="de-DE" dirty="0" smtClean="0"/>
+              <a:t>, </a:t>
+            </a:r>
+            <a:r>
+              <a:rPr lang="de-DE" dirty="0" err="1" smtClean="0"/>
+              <a:t>testplan</a:t>
+            </a:r>
+            <a:r>
+              <a:rPr lang="de-DE" dirty="0" smtClean="0"/>
+              <a:t>, [</a:t>
+            </a:r>
+            <a:r>
+              <a:rPr lang="de-DE" dirty="0" err="1" smtClean="0"/>
+              <a:t>raws</a:t>
+            </a:r>
+            <a:r>
+              <a:rPr lang="de-DE" dirty="0" smtClean="0"/>
+              <a:t>]}</a:t>
+            </a:r>
+          </a:p>
+          <a:p>
+            <a:r>
+              <a:rPr lang="de-DE" dirty="0" err="1" smtClean="0"/>
+              <a:t>raw</a:t>
+            </a:r>
+            <a:r>
+              <a:rPr lang="de-DE" dirty="0" smtClean="0"/>
+              <a:t>: {</a:t>
+            </a:r>
+            <a:r>
+              <a:rPr lang="de-DE" dirty="0" err="1" smtClean="0"/>
+              <a:t>start</a:t>
+            </a:r>
+            <a:r>
+              <a:rPr lang="de-DE" dirty="0" smtClean="0"/>
+              <a:t>, end} </a:t>
+            </a:r>
+            <a:endParaRPr lang="de-DE" dirty="0"/>
+          </a:p>
+        </p:txBody>
+      </p:sp>
+    </p:spTree>
+    <p:extLst>
+      <p:ext uri="{BB962C8B-B14F-4D97-AF65-F5344CB8AC3E}">
+        <p14:creationId xmlns:p14="http://schemas.microsoft.com/office/powerpoint/2010/main" val="1904809551"/>
+      </p:ext>
+    </p:extLst>
+  </p:cSld>
+  <p:clrMapOvr>
+    <a:masterClrMapping/>
+  </p:clrMapOvr>
+</p:sld>
+</file>
+
+<file path=ppt/slides/slide6.xml><?xml version="1.0" encoding="utf-8"?>
+<p:sld xmlns:a="http://schemas.openxmlformats.org/drawingml/2006/main" xmlns:r="http://schemas.openxmlformats.org/officeDocument/2006/relationships" xmlns:p="http://schemas.openxmlformats.org/presentationml/2006/main">
+  <p:cSld>
+    <p:spTree>
+      <p:nvGrpSpPr>
+        <p:cNvPr id="1" name=""/>
+        <p:cNvGrpSpPr/>
+        <p:nvPr/>
+      </p:nvGrpSpPr>
+      <p:grpSpPr>
+        <a:xfrm>
+          <a:off x="0" y="0"/>
+          <a:ext cx="0" cy="0"/>
+          <a:chOff x="0" y="0"/>
+          <a:chExt cx="0" cy="0"/>
+        </a:xfrm>
+      </p:grpSpPr>
+      <p:sp>
+        <p:nvSpPr>
+          <p:cNvPr id="2" name="Title 1"/>
+          <p:cNvSpPr>
+            <a:spLocks noGrp="1"/>
+          </p:cNvSpPr>
+          <p:nvPr>
+            <p:ph type="title"/>
+          </p:nvPr>
+        </p:nvSpPr>
+        <p:spPr/>
+        <p:txBody>
+          <a:bodyPr/>
+          <a:lstStyle/>
+          <a:p>
+            <a:r>
+              <a:rPr lang="de-DE" dirty="0" smtClean="0"/>
               <a:t>Futures &amp; </a:t>
             </a:r>
             <a:r>
@@ -7438,6 +7770,429 @@
     <p:extLst>
       <p:ext uri="{BB962C8B-B14F-4D97-AF65-F5344CB8AC3E}">
         <p14:creationId xmlns:p14="http://schemas.microsoft.com/office/powerpoint/2010/main" val="2101965836"/>
+      </p:ext>
+    </p:extLst>
+  </p:cSld>
+  <p:clrMapOvr>
+    <a:masterClrMapping/>
+  </p:clrMapOvr>
+</p:sld>
+</file>
+
+<file path=ppt/slides/slide7.xml><?xml version="1.0" encoding="utf-8"?>
+<p:sld xmlns:a="http://schemas.openxmlformats.org/drawingml/2006/main" xmlns:r="http://schemas.openxmlformats.org/officeDocument/2006/relationships" xmlns:p="http://schemas.openxmlformats.org/presentationml/2006/main">
+  <p:cSld>
+    <p:spTree>
+      <p:nvGrpSpPr>
+        <p:cNvPr id="1" name=""/>
+        <p:cNvGrpSpPr/>
+        <p:nvPr/>
+      </p:nvGrpSpPr>
+      <p:grpSpPr>
+        <a:xfrm>
+          <a:off x="0" y="0"/>
+          <a:ext cx="0" cy="0"/>
+          <a:chOff x="0" y="0"/>
+          <a:chExt cx="0" cy="0"/>
+        </a:xfrm>
+      </p:grpSpPr>
+      <p:sp>
+        <p:nvSpPr>
+          <p:cNvPr id="2" name="Title 1"/>
+          <p:cNvSpPr>
+            <a:spLocks noGrp="1"/>
+          </p:cNvSpPr>
+          <p:nvPr>
+            <p:ph type="title"/>
+          </p:nvPr>
+        </p:nvSpPr>
+        <p:spPr/>
+        <p:txBody>
+          <a:bodyPr/>
+          <a:lstStyle/>
+          <a:p>
+            <a:r>
+              <a:rPr lang="de-DE" dirty="0" smtClean="0"/>
+              <a:t>Tests</a:t>
+            </a:r>
+            <a:endParaRPr lang="de-DE" dirty="0"/>
+          </a:p>
+        </p:txBody>
+      </p:sp>
+      <p:sp>
+        <p:nvSpPr>
+          <p:cNvPr id="3" name="Content Placeholder 2"/>
+          <p:cNvSpPr>
+            <a:spLocks noGrp="1"/>
+          </p:cNvSpPr>
+          <p:nvPr>
+            <p:ph idx="1"/>
+          </p:nvPr>
+        </p:nvSpPr>
+        <p:spPr/>
+        <p:txBody>
+          <a:bodyPr/>
+          <a:lstStyle/>
+          <a:p>
+            <a:r>
+              <a:rPr lang="de-DE" dirty="0" err="1" smtClean="0"/>
+              <a:t>LoadWorker</a:t>
+            </a:r>
+            <a:r>
+              <a:rPr lang="de-DE" dirty="0" smtClean="0"/>
+              <a:t>: kurzer Test</a:t>
+            </a:r>
+          </a:p>
+          <a:p>
+            <a:r>
+              <a:rPr lang="de-DE" dirty="0" smtClean="0"/>
+              <a:t>DB: Simulation des </a:t>
+            </a:r>
+            <a:r>
+              <a:rPr lang="de-DE" dirty="0" err="1" smtClean="0"/>
+              <a:t>Aktorsystems</a:t>
+            </a:r>
+            <a:r>
+              <a:rPr lang="de-DE" dirty="0" smtClean="0"/>
+              <a:t> und Überprüfung der Antworten &amp; </a:t>
+            </a:r>
+            <a:r>
+              <a:rPr lang="de-DE" dirty="0" err="1" smtClean="0"/>
+              <a:t>Queries</a:t>
+            </a:r>
+            <a:endParaRPr lang="de-DE" dirty="0" smtClean="0"/>
+          </a:p>
+          <a:p>
+            <a:r>
+              <a:rPr lang="de-DE" dirty="0" err="1" smtClean="0"/>
+              <a:t>UIInstance</a:t>
+            </a:r>
+            <a:r>
+              <a:rPr lang="de-DE" dirty="0" smtClean="0"/>
+              <a:t> &amp; </a:t>
+            </a:r>
+            <a:r>
+              <a:rPr lang="de-DE" dirty="0" err="1" smtClean="0"/>
+              <a:t>Aktorsystem</a:t>
+            </a:r>
+            <a:r>
+              <a:rPr lang="de-DE" dirty="0" smtClean="0"/>
+              <a:t>: Simulation der Interaktion durch den </a:t>
+            </a:r>
+            <a:r>
+              <a:rPr lang="de-DE" dirty="0" err="1" smtClean="0"/>
+              <a:t>WebSocket</a:t>
+            </a:r>
+            <a:endParaRPr lang="de-DE" dirty="0" smtClean="0"/>
+          </a:p>
+          <a:p>
+            <a:r>
+              <a:rPr lang="de-DE" dirty="0" smtClean="0"/>
+              <a:t>Graph: Generierung von Daten in JS, statt aus </a:t>
+            </a:r>
+            <a:r>
+              <a:rPr lang="de-DE" dirty="0" err="1" smtClean="0"/>
+              <a:t>Aktorsystem</a:t>
+            </a:r>
+            <a:endParaRPr lang="de-DE" dirty="0"/>
+          </a:p>
+        </p:txBody>
+      </p:sp>
+    </p:spTree>
+    <p:extLst>
+      <p:ext uri="{BB962C8B-B14F-4D97-AF65-F5344CB8AC3E}">
+        <p14:creationId xmlns:p14="http://schemas.microsoft.com/office/powerpoint/2010/main" val="4133694229"/>
+      </p:ext>
+    </p:extLst>
+  </p:cSld>
+  <p:clrMapOvr>
+    <a:masterClrMapping/>
+  </p:clrMapOvr>
+</p:sld>
+</file>
+
+<file path=ppt/slides/slide8.xml><?xml version="1.0" encoding="utf-8"?>
+<p:sld xmlns:a="http://schemas.openxmlformats.org/drawingml/2006/main" xmlns:r="http://schemas.openxmlformats.org/officeDocument/2006/relationships" xmlns:p="http://schemas.openxmlformats.org/presentationml/2006/main">
+  <p:cSld>
+    <p:spTree>
+      <p:nvGrpSpPr>
+        <p:cNvPr id="1" name=""/>
+        <p:cNvGrpSpPr/>
+        <p:nvPr/>
+      </p:nvGrpSpPr>
+      <p:grpSpPr>
+        <a:xfrm>
+          <a:off x="0" y="0"/>
+          <a:ext cx="0" cy="0"/>
+          <a:chOff x="0" y="0"/>
+          <a:chExt cx="0" cy="0"/>
+        </a:xfrm>
+      </p:grpSpPr>
+      <p:sp>
+        <p:nvSpPr>
+          <p:cNvPr id="2" name="Title 1"/>
+          <p:cNvSpPr>
+            <a:spLocks noGrp="1"/>
+          </p:cNvSpPr>
+          <p:nvPr>
+            <p:ph type="title"/>
+          </p:nvPr>
+        </p:nvSpPr>
+        <p:spPr/>
+        <p:txBody>
+          <a:bodyPr/>
+          <a:lstStyle/>
+          <a:p>
+            <a:r>
+              <a:rPr lang="de-DE" dirty="0" smtClean="0"/>
+              <a:t>Reflexion - Designentscheidungen</a:t>
+            </a:r>
+            <a:endParaRPr lang="de-DE" dirty="0"/>
+          </a:p>
+        </p:txBody>
+      </p:sp>
+      <p:sp>
+        <p:nvSpPr>
+          <p:cNvPr id="3" name="Content Placeholder 2"/>
+          <p:cNvSpPr>
+            <a:spLocks noGrp="1"/>
+          </p:cNvSpPr>
+          <p:nvPr>
+            <p:ph idx="1"/>
+          </p:nvPr>
+        </p:nvSpPr>
+        <p:spPr/>
+        <p:txBody>
+          <a:bodyPr>
+            <a:normAutofit lnSpcReduction="10000"/>
+          </a:bodyPr>
+          <a:lstStyle/>
+          <a:p>
+            <a:r>
+              <a:rPr lang="de-DE" dirty="0" smtClean="0"/>
+              <a:t>Vollständiger Trace</a:t>
+            </a:r>
+          </a:p>
+          <a:p>
+            <a:pPr lvl="1"/>
+            <a:r>
+              <a:rPr lang="de-DE" dirty="0" smtClean="0"/>
+              <a:t>Sehr aufwendig</a:t>
+            </a:r>
+          </a:p>
+          <a:p>
+            <a:pPr lvl="1"/>
+            <a:r>
+              <a:rPr lang="de-DE" dirty="0" smtClean="0"/>
+              <a:t>Testlauf lässt sich später exakt laden &amp; abspielen</a:t>
+            </a:r>
+          </a:p>
+          <a:p>
+            <a:pPr lvl="1"/>
+            <a:r>
+              <a:rPr lang="de-DE" dirty="0" smtClean="0"/>
+              <a:t>Alternativen: Stichproben, teilweise aggregierte Daten</a:t>
+            </a:r>
+          </a:p>
+          <a:p>
+            <a:r>
+              <a:rPr lang="de-DE" dirty="0" smtClean="0"/>
+              <a:t>Data </a:t>
+            </a:r>
+            <a:r>
+              <a:rPr lang="de-DE" dirty="0" err="1" smtClean="0"/>
+              <a:t>Driven</a:t>
+            </a:r>
+            <a:r>
+              <a:rPr lang="de-DE" dirty="0" smtClean="0"/>
+              <a:t> </a:t>
+            </a:r>
+            <a:r>
+              <a:rPr lang="de-DE" dirty="0" err="1" smtClean="0"/>
+              <a:t>Documents</a:t>
+            </a:r>
+            <a:r>
+              <a:rPr lang="de-DE" dirty="0" smtClean="0"/>
+              <a:t> – Dynamisch aktualisierender Graph</a:t>
+            </a:r>
+          </a:p>
+          <a:p>
+            <a:pPr lvl="1"/>
+            <a:r>
+              <a:rPr lang="de-DE" dirty="0" smtClean="0"/>
+              <a:t>Zusammen mit vollständigem Trace sehr aufwendig</a:t>
+            </a:r>
+          </a:p>
+          <a:p>
+            <a:r>
+              <a:rPr lang="de-DE" dirty="0" smtClean="0"/>
+              <a:t>Tests durch Simulation</a:t>
+            </a:r>
+          </a:p>
+          <a:p>
+            <a:pPr lvl="1"/>
+            <a:r>
+              <a:rPr lang="de-DE" dirty="0" smtClean="0"/>
+              <a:t>Tests selbst sehr fehleranfällig</a:t>
+            </a:r>
+          </a:p>
+          <a:p>
+            <a:pPr lvl="1"/>
+            <a:r>
+              <a:rPr lang="de-DE" dirty="0" err="1" smtClean="0"/>
+              <a:t>Activator</a:t>
+            </a:r>
+            <a:r>
+              <a:rPr lang="de-DE" dirty="0" smtClean="0"/>
+              <a:t>-</a:t>
+            </a:r>
+            <a:r>
+              <a:rPr lang="de-DE" dirty="0" err="1" smtClean="0"/>
+              <a:t>JUnit</a:t>
+            </a:r>
+            <a:r>
+              <a:rPr lang="de-DE" dirty="0" smtClean="0"/>
+              <a:t>-Tests instabil</a:t>
+            </a:r>
+          </a:p>
+        </p:txBody>
+      </p:sp>
+    </p:spTree>
+    <p:extLst>
+      <p:ext uri="{BB962C8B-B14F-4D97-AF65-F5344CB8AC3E}">
+        <p14:creationId xmlns:p14="http://schemas.microsoft.com/office/powerpoint/2010/main" val="3403748733"/>
+      </p:ext>
+    </p:extLst>
+  </p:cSld>
+  <p:clrMapOvr>
+    <a:masterClrMapping/>
+  </p:clrMapOvr>
+</p:sld>
+</file>
+
+<file path=ppt/slides/slide9.xml><?xml version="1.0" encoding="utf-8"?>
+<p:sld xmlns:a="http://schemas.openxmlformats.org/drawingml/2006/main" xmlns:r="http://schemas.openxmlformats.org/officeDocument/2006/relationships" xmlns:p="http://schemas.openxmlformats.org/presentationml/2006/main">
+  <p:cSld>
+    <p:spTree>
+      <p:nvGrpSpPr>
+        <p:cNvPr id="1" name=""/>
+        <p:cNvGrpSpPr/>
+        <p:nvPr/>
+      </p:nvGrpSpPr>
+      <p:grpSpPr>
+        <a:xfrm>
+          <a:off x="0" y="0"/>
+          <a:ext cx="0" cy="0"/>
+          <a:chOff x="0" y="0"/>
+          <a:chExt cx="0" cy="0"/>
+        </a:xfrm>
+      </p:grpSpPr>
+      <p:sp>
+        <p:nvSpPr>
+          <p:cNvPr id="2" name="Title 1"/>
+          <p:cNvSpPr>
+            <a:spLocks noGrp="1"/>
+          </p:cNvSpPr>
+          <p:nvPr>
+            <p:ph type="title"/>
+          </p:nvPr>
+        </p:nvSpPr>
+        <p:spPr/>
+        <p:txBody>
+          <a:bodyPr/>
+          <a:lstStyle/>
+          <a:p>
+            <a:r>
+              <a:rPr lang="de-DE" dirty="0" smtClean="0"/>
+              <a:t>Reflexion - Frameworks</a:t>
+            </a:r>
+            <a:endParaRPr lang="de-DE" dirty="0"/>
+          </a:p>
+        </p:txBody>
+      </p:sp>
+      <p:sp>
+        <p:nvSpPr>
+          <p:cNvPr id="3" name="Content Placeholder 2"/>
+          <p:cNvSpPr>
+            <a:spLocks noGrp="1"/>
+          </p:cNvSpPr>
+          <p:nvPr>
+            <p:ph idx="1"/>
+          </p:nvPr>
+        </p:nvSpPr>
+        <p:spPr/>
+        <p:txBody>
+          <a:bodyPr>
+            <a:normAutofit/>
+          </a:bodyPr>
+          <a:lstStyle/>
+          <a:p>
+            <a:r>
+              <a:rPr lang="de-DE" dirty="0" smtClean="0"/>
+              <a:t>D3JS</a:t>
+            </a:r>
+          </a:p>
+          <a:p>
+            <a:pPr lvl="1"/>
+            <a:r>
+              <a:rPr lang="de-DE" dirty="0" smtClean="0"/>
+              <a:t>Sehr interessant &amp; flexibel</a:t>
+            </a:r>
+          </a:p>
+          <a:p>
+            <a:pPr lvl="1"/>
+            <a:r>
+              <a:rPr lang="de-DE" dirty="0" smtClean="0"/>
+              <a:t>Performancehungrig</a:t>
+            </a:r>
+          </a:p>
+          <a:p>
+            <a:r>
+              <a:rPr lang="de-DE" dirty="0" smtClean="0"/>
+              <a:t>Play (insbesondere JSON)</a:t>
+            </a:r>
+          </a:p>
+          <a:p>
+            <a:pPr lvl="1"/>
+            <a:r>
+              <a:rPr lang="de-DE" dirty="0" smtClean="0"/>
+              <a:t>Prinzipiell gut, aber teilweise nur mit Scala gut benutzbar</a:t>
+            </a:r>
+          </a:p>
+          <a:p>
+            <a:r>
+              <a:rPr lang="de-DE" dirty="0" smtClean="0"/>
+              <a:t>Scala</a:t>
+            </a:r>
+          </a:p>
+          <a:p>
+            <a:pPr lvl="1"/>
+            <a:r>
+              <a:rPr lang="de-DE" dirty="0" smtClean="0"/>
+              <a:t>Hätten wir von Anfang an nutzen sollen</a:t>
+            </a:r>
+          </a:p>
+          <a:p>
+            <a:pPr lvl="1"/>
+            <a:r>
+              <a:rPr lang="de-DE" dirty="0" smtClean="0"/>
+              <a:t>Futures/</a:t>
+            </a:r>
+            <a:r>
+              <a:rPr lang="de-DE" dirty="0" err="1" smtClean="0"/>
+              <a:t>Promises</a:t>
+            </a:r>
+            <a:r>
+              <a:rPr lang="de-DE" dirty="0" smtClean="0"/>
+              <a:t>: Sehr intuitiv &amp; nützlich</a:t>
+            </a:r>
+          </a:p>
+        </p:txBody>
+      </p:sp>
+    </p:spTree>
+    <p:extLst>
+      <p:ext uri="{BB962C8B-B14F-4D97-AF65-F5344CB8AC3E}">
+        <p14:creationId xmlns:p14="http://schemas.microsoft.com/office/powerpoint/2010/main" val="3254996429"/>
       </p:ext>
     </p:extLst>
   </p:cSld>

--- a/Dokumentation/Präsentation.pptx
+++ b/Dokumentation/Präsentation.pptx
@@ -637,7 +637,7 @@
             <a:fld id="{B61BEF0D-F0BB-DE4B-95CE-6DB70DBA9567}" type="datetimeFigureOut">
               <a:rPr lang="en-US" dirty="0"/>
               <a:pPr/>
-              <a:t>6/20/2015</a:t>
+              <a:t>6/21/2015</a:t>
             </a:fld>
             <a:endParaRPr lang="en-US" dirty="0"/>
           </a:p>
@@ -967,7 +967,7 @@
             <a:fld id="{B61BEF0D-F0BB-DE4B-95CE-6DB70DBA9567}" type="datetimeFigureOut">
               <a:rPr lang="en-US" dirty="0"/>
               <a:pPr/>
-              <a:t>6/20/2015</a:t>
+              <a:t>6/21/2015</a:t>
             </a:fld>
             <a:endParaRPr lang="en-US" dirty="0"/>
           </a:p>
@@ -1249,7 +1249,7 @@
             <a:fld id="{B61BEF0D-F0BB-DE4B-95CE-6DB70DBA9567}" type="datetimeFigureOut">
               <a:rPr lang="en-US" dirty="0"/>
               <a:pPr/>
-              <a:t>6/20/2015</a:t>
+              <a:t>6/21/2015</a:t>
             </a:fld>
             <a:endParaRPr lang="en-US" dirty="0"/>
           </a:p>
@@ -1823,7 +1823,7 @@
             <a:fld id="{B61BEF0D-F0BB-DE4B-95CE-6DB70DBA9567}" type="datetimeFigureOut">
               <a:rPr lang="en-US" dirty="0"/>
               <a:pPr/>
-              <a:t>6/20/2015</a:t>
+              <a:t>6/21/2015</a:t>
             </a:fld>
             <a:endParaRPr lang="en-US" dirty="0"/>
           </a:p>
@@ -2105,7 +2105,7 @@
             <a:fld id="{B61BEF0D-F0BB-DE4B-95CE-6DB70DBA9567}" type="datetimeFigureOut">
               <a:rPr lang="en-US" dirty="0"/>
               <a:pPr/>
-              <a:t>6/20/2015</a:t>
+              <a:t>6/21/2015</a:t>
             </a:fld>
             <a:endParaRPr lang="en-US" dirty="0"/>
           </a:p>
@@ -2671,7 +2671,7 @@
             <a:fld id="{B61BEF0D-F0BB-DE4B-95CE-6DB70DBA9567}" type="datetimeFigureOut">
               <a:rPr lang="en-US" dirty="0"/>
               <a:pPr/>
-              <a:t>6/20/2015</a:t>
+              <a:t>6/21/2015</a:t>
             </a:fld>
             <a:endParaRPr lang="en-US" dirty="0"/>
           </a:p>
@@ -3002,7 +3002,7 @@
             <a:fld id="{B61BEF0D-F0BB-DE4B-95CE-6DB70DBA9567}" type="datetimeFigureOut">
               <a:rPr lang="en-US" dirty="0"/>
               <a:pPr/>
-              <a:t>6/20/2015</a:t>
+              <a:t>6/21/2015</a:t>
             </a:fld>
             <a:endParaRPr lang="en-US" dirty="0"/>
           </a:p>
@@ -3210,7 +3210,7 @@
             <a:fld id="{B61BEF0D-F0BB-DE4B-95CE-6DB70DBA9567}" type="datetimeFigureOut">
               <a:rPr lang="en-US" dirty="0"/>
               <a:pPr/>
-              <a:t>6/20/2015</a:t>
+              <a:t>6/21/2015</a:t>
             </a:fld>
             <a:endParaRPr lang="en-US" dirty="0"/>
           </a:p>
@@ -3424,7 +3424,7 @@
             <a:fld id="{B61BEF0D-F0BB-DE4B-95CE-6DB70DBA9567}" type="datetimeFigureOut">
               <a:rPr lang="en-US" dirty="0"/>
               <a:pPr/>
-              <a:t>6/20/2015</a:t>
+              <a:t>6/21/2015</a:t>
             </a:fld>
             <a:endParaRPr lang="en-US" dirty="0"/>
           </a:p>
@@ -3665,7 +3665,7 @@
             <a:fld id="{B61BEF0D-F0BB-DE4B-95CE-6DB70DBA9567}" type="datetimeFigureOut">
               <a:rPr lang="en-US" dirty="0"/>
               <a:pPr/>
-              <a:t>6/20/2015</a:t>
+              <a:t>6/21/2015</a:t>
             </a:fld>
             <a:endParaRPr lang="en-US" dirty="0"/>
           </a:p>
@@ -3952,7 +3952,7 @@
             <a:fld id="{B61BEF0D-F0BB-DE4B-95CE-6DB70DBA9567}" type="datetimeFigureOut">
               <a:rPr lang="en-US" dirty="0"/>
               <a:pPr/>
-              <a:t>6/20/2015</a:t>
+              <a:t>6/21/2015</a:t>
             </a:fld>
             <a:endParaRPr lang="en-US" dirty="0"/>
           </a:p>
@@ -4289,7 +4289,7 @@
             <a:fld id="{B61BEF0D-F0BB-DE4B-95CE-6DB70DBA9567}" type="datetimeFigureOut">
               <a:rPr lang="en-US" dirty="0"/>
               <a:pPr/>
-              <a:t>6/20/2015</a:t>
+              <a:t>6/21/2015</a:t>
             </a:fld>
             <a:endParaRPr lang="en-US" dirty="0"/>
           </a:p>
@@ -4767,7 +4767,7 @@
             <a:fld id="{B61BEF0D-F0BB-DE4B-95CE-6DB70DBA9567}" type="datetimeFigureOut">
               <a:rPr lang="en-US" dirty="0"/>
               <a:pPr/>
-              <a:t>6/20/2015</a:t>
+              <a:t>6/21/2015</a:t>
             </a:fld>
             <a:endParaRPr lang="en-US" dirty="0"/>
           </a:p>
@@ -4919,7 +4919,7 @@
             <a:fld id="{B61BEF0D-F0BB-DE4B-95CE-6DB70DBA9567}" type="datetimeFigureOut">
               <a:rPr lang="en-US" dirty="0"/>
               <a:pPr/>
-              <a:t>6/20/2015</a:t>
+              <a:t>6/21/2015</a:t>
             </a:fld>
             <a:endParaRPr lang="en-US" dirty="0"/>
           </a:p>
@@ -5048,7 +5048,7 @@
             <a:fld id="{B61BEF0D-F0BB-DE4B-95CE-6DB70DBA9567}" type="datetimeFigureOut">
               <a:rPr lang="en-US" dirty="0"/>
               <a:pPr/>
-              <a:t>6/20/2015</a:t>
+              <a:t>6/21/2015</a:t>
             </a:fld>
             <a:endParaRPr lang="en-US" dirty="0"/>
           </a:p>
@@ -5365,7 +5365,7 @@
             <a:fld id="{B61BEF0D-F0BB-DE4B-95CE-6DB70DBA9567}" type="datetimeFigureOut">
               <a:rPr lang="en-US" dirty="0"/>
               <a:pPr/>
-              <a:t>6/20/2015</a:t>
+              <a:t>6/21/2015</a:t>
             </a:fld>
             <a:endParaRPr lang="en-US" dirty="0"/>
           </a:p>
@@ -5690,7 +5690,7 @@
             <a:fld id="{B61BEF0D-F0BB-DE4B-95CE-6DB70DBA9567}" type="datetimeFigureOut">
               <a:rPr lang="en-US" dirty="0"/>
               <a:pPr/>
-              <a:t>6/20/2015</a:t>
+              <a:t>6/21/2015</a:t>
             </a:fld>
             <a:endParaRPr lang="en-US" dirty="0"/>
           </a:p>
@@ -6254,7 +6254,7 @@
             <a:fld id="{B61BEF0D-F0BB-DE4B-95CE-6DB70DBA9567}" type="datetimeFigureOut">
               <a:rPr lang="en-US" dirty="0"/>
               <a:pPr/>
-              <a:t>6/20/2015</a:t>
+              <a:t>6/21/2015</a:t>
             </a:fld>
             <a:endParaRPr lang="en-US" dirty="0"/>
           </a:p>
@@ -7189,7 +7189,6 @@
               <a:rPr lang="en-GB" dirty="0" smtClean="0"/>
               <a:t>Tests</a:t>
             </a:r>
-            <a:endParaRPr lang="en-GB" dirty="0" smtClean="0"/>
           </a:p>
           <a:p>
             <a:r>
@@ -7523,7 +7522,7 @@
           <a:p>
             <a:r>
               <a:rPr lang="de-DE" dirty="0" smtClean="0"/>
-              <a:t>DB-Schema</a:t>
+              <a:t>DB</a:t>
             </a:r>
             <a:endParaRPr lang="de-DE" dirty="0"/>
           </a:p>
@@ -7541,12 +7540,63 @@
         </p:nvSpPr>
         <p:spPr/>
         <p:txBody>
-          <a:bodyPr/>
+          <a:bodyPr>
+            <a:normAutofit lnSpcReduction="10000"/>
+          </a:bodyPr>
           <a:lstStyle/>
           <a:p>
             <a:r>
-              <a:rPr lang="de-DE" dirty="0" smtClean="0"/>
-              <a:t>User: {_</a:t>
+              <a:rPr lang="de-DE" dirty="0" err="1"/>
+              <a:t>WriteConcern</a:t>
+            </a:r>
+            <a:endParaRPr lang="de-DE" dirty="0"/>
+          </a:p>
+          <a:p>
+            <a:pPr lvl="1"/>
+            <a:r>
+              <a:rPr lang="de-DE" dirty="0" err="1"/>
+              <a:t>Unacknowledged</a:t>
+            </a:r>
+            <a:r>
+              <a:rPr lang="de-DE" dirty="0"/>
+              <a:t>: DB hat Request empfangen</a:t>
+            </a:r>
+          </a:p>
+          <a:p>
+            <a:pPr lvl="1"/>
+            <a:r>
+              <a:rPr lang="de-DE" dirty="0" err="1"/>
+              <a:t>Acknowledged</a:t>
+            </a:r>
+            <a:r>
+              <a:rPr lang="de-DE" dirty="0"/>
+              <a:t>(Default): DB konnte Request anwenden (im Arbeitsspeicher)</a:t>
+            </a:r>
+          </a:p>
+          <a:p>
+            <a:pPr lvl="1"/>
+            <a:r>
+              <a:rPr lang="de-DE" dirty="0" err="1"/>
+              <a:t>Journaled</a:t>
+            </a:r>
+            <a:r>
+              <a:rPr lang="de-DE" dirty="0"/>
+              <a:t>: Änderungen sind im Journal (nach Ausfall wiederherstellbar</a:t>
+            </a:r>
+            <a:r>
+              <a:rPr lang="de-DE" dirty="0" smtClean="0"/>
+              <a:t>)</a:t>
+            </a:r>
+            <a:endParaRPr lang="de-DE" dirty="0" smtClean="0"/>
+          </a:p>
+          <a:p>
+            <a:r>
+              <a:rPr lang="de-DE" dirty="0" smtClean="0"/>
+              <a:t>User</a:t>
+            </a:r>
+            <a:r>
+              <a:rPr lang="de-DE" dirty="0" smtClean="0"/>
+              <a:t>: {_</a:t>
             </a:r>
             <a:r>
               <a:rPr lang="de-DE" dirty="0" err="1" smtClean="0"/>
@@ -7570,8 +7620,13 @@
             </a:r>
             <a:r>
               <a:rPr lang="de-DE" dirty="0" smtClean="0"/>
-              <a:t>}</a:t>
-            </a:r>
+              <a:t>}, </a:t>
+            </a:r>
+            <a:r>
+              <a:rPr lang="de-DE" dirty="0" err="1" smtClean="0"/>
+              <a:t>Journaled</a:t>
+            </a:r>
+            <a:endParaRPr lang="de-DE" dirty="0" smtClean="0"/>
           </a:p>
           <a:p>
             <a:r>
@@ -7632,8 +7687,13 @@
             </a:r>
             <a:r>
               <a:rPr lang="de-DE" dirty="0" smtClean="0"/>
-              <a:t>}</a:t>
-            </a:r>
+              <a:t>}, </a:t>
+            </a:r>
+            <a:r>
+              <a:rPr lang="de-DE" dirty="0" err="1" smtClean="0"/>
+              <a:t>Journaled</a:t>
+            </a:r>
+            <a:endParaRPr lang="de-DE" dirty="0" smtClean="0"/>
           </a:p>
           <a:p>
             <a:r>
@@ -7666,8 +7726,13 @@
             </a:r>
             <a:r>
               <a:rPr lang="de-DE" dirty="0" smtClean="0"/>
-              <a:t>]}</a:t>
-            </a:r>
+              <a:t>]}, </a:t>
+            </a:r>
+            <a:r>
+              <a:rPr lang="de-DE" dirty="0" err="1" smtClean="0"/>
+              <a:t>Acknowledged</a:t>
+            </a:r>
+            <a:endParaRPr lang="de-DE" dirty="0" smtClean="0"/>
           </a:p>
           <a:p>
             <a:r>
@@ -7676,7 +7741,15 @@
             </a:r>
             <a:r>
               <a:rPr lang="de-DE" dirty="0" smtClean="0"/>
-              <a:t>: {</a:t>
+              <a:t>: </a:t>
+            </a:r>
+            <a:r>
+              <a:rPr lang="de-DE" dirty="0" err="1" smtClean="0"/>
+              <a:t>testrun.raws.push</a:t>
+            </a:r>
+            <a:r>
+              <a:rPr lang="de-DE" dirty="0" smtClean="0"/>
+              <a:t>({</a:t>
             </a:r>
             <a:r>
               <a:rPr lang="de-DE" dirty="0" err="1" smtClean="0"/>
@@ -7684,9 +7757,28 @@
             </a:r>
             <a:r>
               <a:rPr lang="de-DE" dirty="0" smtClean="0"/>
-              <a:t>, end} </a:t>
-            </a:r>
-            <a:endParaRPr lang="de-DE" dirty="0"/>
+              <a:t>, </a:t>
+            </a:r>
+            <a:r>
+              <a:rPr lang="de-DE" dirty="0" smtClean="0"/>
+              <a:t>end, </a:t>
+            </a:r>
+            <a:r>
+              <a:rPr lang="de-DE" dirty="0" err="1" smtClean="0"/>
+              <a:t>iter</a:t>
+            </a:r>
+            <a:r>
+              <a:rPr lang="de-DE" dirty="0" smtClean="0"/>
+              <a:t>}), </a:t>
+            </a:r>
+            <a:r>
+              <a:rPr lang="de-DE" dirty="0" err="1" smtClean="0"/>
+              <a:t>Unacknowledged</a:t>
+            </a:r>
+            <a:r>
+              <a:rPr lang="de-DE" dirty="0" smtClean="0"/>
+              <a:t> </a:t>
+            </a:r>
           </a:p>
         </p:txBody>
       </p:sp>
@@ -7831,8 +7923,59 @@
         </p:nvSpPr>
         <p:spPr/>
         <p:txBody>
-          <a:bodyPr/>
+          <a:bodyPr>
+            <a:normAutofit lnSpcReduction="10000"/>
+          </a:bodyPr>
           <a:lstStyle/>
+          <a:p>
+            <a:r>
+              <a:rPr lang="de-DE" dirty="0" smtClean="0"/>
+              <a:t>Allgemein</a:t>
+            </a:r>
+          </a:p>
+          <a:p>
+            <a:pPr lvl="1"/>
+            <a:r>
+              <a:rPr lang="de-DE" dirty="0" err="1" smtClean="0"/>
+              <a:t>Seperate</a:t>
+            </a:r>
+            <a:r>
+              <a:rPr lang="de-DE" dirty="0" smtClean="0"/>
+              <a:t> Test-DB</a:t>
+            </a:r>
+          </a:p>
+          <a:p>
+            <a:pPr lvl="1"/>
+            <a:r>
+              <a:rPr lang="de-DE" dirty="0" smtClean="0"/>
+              <a:t>Ursprünglich </a:t>
+            </a:r>
+            <a:r>
+              <a:rPr lang="de-DE" dirty="0" err="1" smtClean="0"/>
+              <a:t>Activator</a:t>
+            </a:r>
+            <a:r>
+              <a:rPr lang="de-DE" dirty="0" smtClean="0"/>
+              <a:t> </a:t>
+            </a:r>
+            <a:r>
+              <a:rPr lang="de-DE" dirty="0" err="1" smtClean="0"/>
+              <a:t>JUnitklassen</a:t>
+            </a:r>
+            <a:r>
+              <a:rPr lang="de-DE" dirty="0" smtClean="0"/>
+              <a:t>,  ersetzt durch </a:t>
+            </a:r>
+            <a:r>
+              <a:rPr lang="de-DE" dirty="0" err="1" smtClean="0"/>
+              <a:t>seperaten</a:t>
+            </a:r>
+            <a:r>
+              <a:rPr lang="de-DE" dirty="0" smtClean="0"/>
+              <a:t> Testsocket</a:t>
+            </a:r>
+            <a:endParaRPr lang="de-DE" dirty="0" smtClean="0"/>
+          </a:p>
           <a:p>
             <a:r>
               <a:rPr lang="de-DE" dirty="0" err="1" smtClean="0"/>

--- a/Dokumentation/Präsentation.pptx
+++ b/Dokumentation/Präsentation.pptx
@@ -11,10 +11,14 @@
     <p:sldId id="260" r:id="rId5"/>
     <p:sldId id="258" r:id="rId6"/>
     <p:sldId id="259" r:id="rId7"/>
-    <p:sldId id="262" r:id="rId8"/>
-    <p:sldId id="263" r:id="rId9"/>
-    <p:sldId id="264" r:id="rId10"/>
-    <p:sldId id="265" r:id="rId11"/>
+    <p:sldId id="266" r:id="rId8"/>
+    <p:sldId id="267" r:id="rId9"/>
+    <p:sldId id="268" r:id="rId10"/>
+    <p:sldId id="269" r:id="rId11"/>
+    <p:sldId id="262" r:id="rId12"/>
+    <p:sldId id="263" r:id="rId13"/>
+    <p:sldId id="264" r:id="rId14"/>
+    <p:sldId id="265" r:id="rId15"/>
   </p:sldIdLst>
   <p:sldSz cx="12192000" cy="6858000"/>
   <p:notesSz cx="6858000" cy="9144000"/>
@@ -637,7 +641,7 @@
             <a:fld id="{B61BEF0D-F0BB-DE4B-95CE-6DB70DBA9567}" type="datetimeFigureOut">
               <a:rPr lang="en-US" dirty="0"/>
               <a:pPr/>
-              <a:t>6/21/2015</a:t>
+              <a:t>6/22/2015</a:t>
             </a:fld>
             <a:endParaRPr lang="en-US" dirty="0"/>
           </a:p>
@@ -685,7 +689,7 @@
             <a:fld id="{D57F1E4F-1CFF-5643-939E-217C01CDF565}" type="slidenum">
               <a:rPr lang="en-US" dirty="0"/>
               <a:pPr/>
-              <a:t>‹#›</a:t>
+              <a:t>‹Nr.›</a:t>
             </a:fld>
             <a:endParaRPr lang="en-US" dirty="0"/>
           </a:p>
@@ -967,7 +971,7 @@
             <a:fld id="{B61BEF0D-F0BB-DE4B-95CE-6DB70DBA9567}" type="datetimeFigureOut">
               <a:rPr lang="en-US" dirty="0"/>
               <a:pPr/>
-              <a:t>6/21/2015</a:t>
+              <a:t>6/22/2015</a:t>
             </a:fld>
             <a:endParaRPr lang="en-US" dirty="0"/>
           </a:p>
@@ -1010,7 +1014,7 @@
             <a:fld id="{D57F1E4F-1CFF-5643-939E-217C01CDF565}" type="slidenum">
               <a:rPr lang="en-US" dirty="0"/>
               <a:pPr/>
-              <a:t>‹#›</a:t>
+              <a:t>‹Nr.›</a:t>
             </a:fld>
             <a:endParaRPr lang="en-US" dirty="0"/>
           </a:p>
@@ -1249,7 +1253,7 @@
             <a:fld id="{B61BEF0D-F0BB-DE4B-95CE-6DB70DBA9567}" type="datetimeFigureOut">
               <a:rPr lang="en-US" dirty="0"/>
               <a:pPr/>
-              <a:t>6/21/2015</a:t>
+              <a:t>6/22/2015</a:t>
             </a:fld>
             <a:endParaRPr lang="en-US" dirty="0"/>
           </a:p>
@@ -1292,7 +1296,7 @@
             <a:fld id="{D57F1E4F-1CFF-5643-939E-217C01CDF565}" type="slidenum">
               <a:rPr lang="en-US" dirty="0"/>
               <a:pPr/>
-              <a:t>‹#›</a:t>
+              <a:t>‹Nr.›</a:t>
             </a:fld>
             <a:endParaRPr lang="en-US" dirty="0"/>
           </a:p>
@@ -1823,7 +1827,7 @@
             <a:fld id="{B61BEF0D-F0BB-DE4B-95CE-6DB70DBA9567}" type="datetimeFigureOut">
               <a:rPr lang="en-US" dirty="0"/>
               <a:pPr/>
-              <a:t>6/21/2015</a:t>
+              <a:t>6/22/2015</a:t>
             </a:fld>
             <a:endParaRPr lang="en-US" dirty="0"/>
           </a:p>
@@ -1866,7 +1870,7 @@
             <a:fld id="{D57F1E4F-1CFF-5643-939E-217C01CDF565}" type="slidenum">
               <a:rPr lang="en-US" dirty="0"/>
               <a:pPr/>
-              <a:t>‹#›</a:t>
+              <a:t>‹Nr.›</a:t>
             </a:fld>
             <a:endParaRPr lang="en-US" dirty="0"/>
           </a:p>
@@ -2105,7 +2109,7 @@
             <a:fld id="{B61BEF0D-F0BB-DE4B-95CE-6DB70DBA9567}" type="datetimeFigureOut">
               <a:rPr lang="en-US" dirty="0"/>
               <a:pPr/>
-              <a:t>6/21/2015</a:t>
+              <a:t>6/22/2015</a:t>
             </a:fld>
             <a:endParaRPr lang="en-US" dirty="0"/>
           </a:p>
@@ -2148,7 +2152,7 @@
             <a:fld id="{D57F1E4F-1CFF-5643-939E-217C01CDF565}" type="slidenum">
               <a:rPr lang="en-US" dirty="0"/>
               <a:pPr/>
-              <a:t>‹#›</a:t>
+              <a:t>‹Nr.›</a:t>
             </a:fld>
             <a:endParaRPr lang="en-US" dirty="0"/>
           </a:p>
@@ -2671,7 +2675,7 @@
             <a:fld id="{B61BEF0D-F0BB-DE4B-95CE-6DB70DBA9567}" type="datetimeFigureOut">
               <a:rPr lang="en-US" dirty="0"/>
               <a:pPr/>
-              <a:t>6/21/2015</a:t>
+              <a:t>6/22/2015</a:t>
             </a:fld>
             <a:endParaRPr lang="en-US" dirty="0"/>
           </a:p>
@@ -2714,7 +2718,7 @@
             <a:fld id="{D57F1E4F-1CFF-5643-939E-217C01CDF565}" type="slidenum">
               <a:rPr lang="en-US" dirty="0"/>
               <a:pPr/>
-              <a:t>‹#›</a:t>
+              <a:t>‹Nr.›</a:t>
             </a:fld>
             <a:endParaRPr lang="en-US" dirty="0"/>
           </a:p>
@@ -3002,7 +3006,7 @@
             <a:fld id="{B61BEF0D-F0BB-DE4B-95CE-6DB70DBA9567}" type="datetimeFigureOut">
               <a:rPr lang="en-US" dirty="0"/>
               <a:pPr/>
-              <a:t>6/21/2015</a:t>
+              <a:t>6/22/2015</a:t>
             </a:fld>
             <a:endParaRPr lang="en-US" dirty="0"/>
           </a:p>
@@ -3045,7 +3049,7 @@
             <a:fld id="{D57F1E4F-1CFF-5643-939E-217C01CDF565}" type="slidenum">
               <a:rPr lang="en-US" dirty="0"/>
               <a:pPr/>
-              <a:t>‹#›</a:t>
+              <a:t>‹Nr.›</a:t>
             </a:fld>
             <a:endParaRPr lang="en-US" dirty="0"/>
           </a:p>
@@ -3210,7 +3214,7 @@
             <a:fld id="{B61BEF0D-F0BB-DE4B-95CE-6DB70DBA9567}" type="datetimeFigureOut">
               <a:rPr lang="en-US" dirty="0"/>
               <a:pPr/>
-              <a:t>6/21/2015</a:t>
+              <a:t>6/22/2015</a:t>
             </a:fld>
             <a:endParaRPr lang="en-US" dirty="0"/>
           </a:p>
@@ -3253,7 +3257,7 @@
             <a:fld id="{D57F1E4F-1CFF-5643-939E-217C01CDF565}" type="slidenum">
               <a:rPr lang="en-US" dirty="0"/>
               <a:pPr/>
-              <a:t>‹#›</a:t>
+              <a:t>‹Nr.›</a:t>
             </a:fld>
             <a:endParaRPr lang="en-US" dirty="0"/>
           </a:p>
@@ -3424,7 +3428,7 @@
             <a:fld id="{B61BEF0D-F0BB-DE4B-95CE-6DB70DBA9567}" type="datetimeFigureOut">
               <a:rPr lang="en-US" dirty="0"/>
               <a:pPr/>
-              <a:t>6/21/2015</a:t>
+              <a:t>6/22/2015</a:t>
             </a:fld>
             <a:endParaRPr lang="en-US" dirty="0"/>
           </a:p>
@@ -3467,7 +3471,7 @@
             <a:fld id="{D57F1E4F-1CFF-5643-939E-217C01CDF565}" type="slidenum">
               <a:rPr lang="en-US" dirty="0"/>
               <a:pPr/>
-              <a:t>‹#›</a:t>
+              <a:t>‹Nr.›</a:t>
             </a:fld>
             <a:endParaRPr lang="en-US" dirty="0"/>
           </a:p>
@@ -3665,7 +3669,7 @@
             <a:fld id="{B61BEF0D-F0BB-DE4B-95CE-6DB70DBA9567}" type="datetimeFigureOut">
               <a:rPr lang="en-US" dirty="0"/>
               <a:pPr/>
-              <a:t>6/21/2015</a:t>
+              <a:t>6/22/2015</a:t>
             </a:fld>
             <a:endParaRPr lang="en-US" dirty="0"/>
           </a:p>
@@ -3713,7 +3717,7 @@
             <a:fld id="{D57F1E4F-1CFF-5643-939E-217C01CDF565}" type="slidenum">
               <a:rPr lang="en-US" dirty="0"/>
               <a:pPr/>
-              <a:t>‹#›</a:t>
+              <a:t>‹Nr.›</a:t>
             </a:fld>
             <a:endParaRPr lang="en-US" dirty="0"/>
           </a:p>
@@ -3952,7 +3956,7 @@
             <a:fld id="{B61BEF0D-F0BB-DE4B-95CE-6DB70DBA9567}" type="datetimeFigureOut">
               <a:rPr lang="en-US" dirty="0"/>
               <a:pPr/>
-              <a:t>6/21/2015</a:t>
+              <a:t>6/22/2015</a:t>
             </a:fld>
             <a:endParaRPr lang="en-US" dirty="0"/>
           </a:p>
@@ -3995,7 +3999,7 @@
             <a:fld id="{D57F1E4F-1CFF-5643-939E-217C01CDF565}" type="slidenum">
               <a:rPr lang="en-US" dirty="0"/>
               <a:pPr/>
-              <a:t>‹#›</a:t>
+              <a:t>‹Nr.›</a:t>
             </a:fld>
             <a:endParaRPr lang="en-US" dirty="0"/>
           </a:p>
@@ -4289,7 +4293,7 @@
             <a:fld id="{B61BEF0D-F0BB-DE4B-95CE-6DB70DBA9567}" type="datetimeFigureOut">
               <a:rPr lang="en-US" dirty="0"/>
               <a:pPr/>
-              <a:t>6/21/2015</a:t>
+              <a:t>6/22/2015</a:t>
             </a:fld>
             <a:endParaRPr lang="en-US" dirty="0"/>
           </a:p>
@@ -4332,7 +4336,7 @@
             <a:fld id="{D57F1E4F-1CFF-5643-939E-217C01CDF565}" type="slidenum">
               <a:rPr lang="en-US" dirty="0"/>
               <a:pPr/>
-              <a:t>‹#›</a:t>
+              <a:t>‹Nr.›</a:t>
             </a:fld>
             <a:endParaRPr lang="en-US" dirty="0"/>
           </a:p>
@@ -4767,7 +4771,7 @@
             <a:fld id="{B61BEF0D-F0BB-DE4B-95CE-6DB70DBA9567}" type="datetimeFigureOut">
               <a:rPr lang="en-US" dirty="0"/>
               <a:pPr/>
-              <a:t>6/21/2015</a:t>
+              <a:t>6/22/2015</a:t>
             </a:fld>
             <a:endParaRPr lang="en-US" dirty="0"/>
           </a:p>
@@ -4810,7 +4814,7 @@
             <a:fld id="{D57F1E4F-1CFF-5643-939E-217C01CDF565}" type="slidenum">
               <a:rPr lang="en-US" dirty="0"/>
               <a:pPr/>
-              <a:t>‹#›</a:t>
+              <a:t>‹Nr.›</a:t>
             </a:fld>
             <a:endParaRPr lang="en-US" dirty="0"/>
           </a:p>
@@ -4919,7 +4923,7 @@
             <a:fld id="{B61BEF0D-F0BB-DE4B-95CE-6DB70DBA9567}" type="datetimeFigureOut">
               <a:rPr lang="en-US" dirty="0"/>
               <a:pPr/>
-              <a:t>6/21/2015</a:t>
+              <a:t>6/22/2015</a:t>
             </a:fld>
             <a:endParaRPr lang="en-US" dirty="0"/>
           </a:p>
@@ -4962,7 +4966,7 @@
             <a:fld id="{D57F1E4F-1CFF-5643-939E-217C01CDF565}" type="slidenum">
               <a:rPr lang="en-US" dirty="0"/>
               <a:pPr/>
-              <a:t>‹#›</a:t>
+              <a:t>‹Nr.›</a:t>
             </a:fld>
             <a:endParaRPr lang="en-US" dirty="0"/>
           </a:p>
@@ -5048,7 +5052,7 @@
             <a:fld id="{B61BEF0D-F0BB-DE4B-95CE-6DB70DBA9567}" type="datetimeFigureOut">
               <a:rPr lang="en-US" dirty="0"/>
               <a:pPr/>
-              <a:t>6/21/2015</a:t>
+              <a:t>6/22/2015</a:t>
             </a:fld>
             <a:endParaRPr lang="en-US" dirty="0"/>
           </a:p>
@@ -5091,7 +5095,7 @@
             <a:fld id="{D57F1E4F-1CFF-5643-939E-217C01CDF565}" type="slidenum">
               <a:rPr lang="en-US" dirty="0"/>
               <a:pPr/>
-              <a:t>‹#›</a:t>
+              <a:t>‹Nr.›</a:t>
             </a:fld>
             <a:endParaRPr lang="en-US" dirty="0"/>
           </a:p>
@@ -5365,7 +5369,7 @@
             <a:fld id="{B61BEF0D-F0BB-DE4B-95CE-6DB70DBA9567}" type="datetimeFigureOut">
               <a:rPr lang="en-US" dirty="0"/>
               <a:pPr/>
-              <a:t>6/21/2015</a:t>
+              <a:t>6/22/2015</a:t>
             </a:fld>
             <a:endParaRPr lang="en-US" dirty="0"/>
           </a:p>
@@ -5408,7 +5412,7 @@
             <a:fld id="{D57F1E4F-1CFF-5643-939E-217C01CDF565}" type="slidenum">
               <a:rPr lang="en-US" dirty="0"/>
               <a:pPr/>
-              <a:t>‹#›</a:t>
+              <a:t>‹Nr.›</a:t>
             </a:fld>
             <a:endParaRPr lang="en-US" dirty="0"/>
           </a:p>
@@ -5690,7 +5694,7 @@
             <a:fld id="{B61BEF0D-F0BB-DE4B-95CE-6DB70DBA9567}" type="datetimeFigureOut">
               <a:rPr lang="en-US" dirty="0"/>
               <a:pPr/>
-              <a:t>6/21/2015</a:t>
+              <a:t>6/22/2015</a:t>
             </a:fld>
             <a:endParaRPr lang="en-US" dirty="0"/>
           </a:p>
@@ -5733,7 +5737,7 @@
             <a:fld id="{D57F1E4F-1CFF-5643-939E-217C01CDF565}" type="slidenum">
               <a:rPr lang="en-US" dirty="0"/>
               <a:pPr/>
-              <a:t>‹#›</a:t>
+              <a:t>‹Nr.›</a:t>
             </a:fld>
             <a:endParaRPr lang="en-US" dirty="0"/>
           </a:p>
@@ -6254,7 +6258,7 @@
             <a:fld id="{B61BEF0D-F0BB-DE4B-95CE-6DB70DBA9567}" type="datetimeFigureOut">
               <a:rPr lang="en-US" dirty="0"/>
               <a:pPr/>
-              <a:t>6/21/2015</a:t>
+              <a:t>6/22/2015</a:t>
             </a:fld>
             <a:endParaRPr lang="en-US" dirty="0"/>
           </a:p>
@@ -6333,7 +6337,7 @@
             <a:fld id="{D57F1E4F-1CFF-5643-939E-217C01CDF565}" type="slidenum">
               <a:rPr lang="en-US" dirty="0"/>
               <a:pPr/>
-              <a:t>‹#›</a:t>
+              <a:t>‹Nr.›</a:t>
             </a:fld>
             <a:endParaRPr lang="en-US" dirty="0"/>
           </a:p>
@@ -6930,6 +6934,562 @@
       </p:grpSpPr>
       <p:sp>
         <p:nvSpPr>
+          <p:cNvPr id="2" name="Titel 1"/>
+          <p:cNvSpPr>
+            <a:spLocks noGrp="1"/>
+          </p:cNvSpPr>
+          <p:nvPr>
+            <p:ph type="title"/>
+          </p:nvPr>
+        </p:nvSpPr>
+        <p:spPr/>
+        <p:txBody>
+          <a:bodyPr/>
+          <a:lstStyle/>
+          <a:p>
+            <a:r>
+              <a:rPr lang="de-DE" dirty="0" smtClean="0"/>
+              <a:t>Client: Konzept Reaktivität</a:t>
+            </a:r>
+            <a:endParaRPr lang="de-DE" dirty="0"/>
+          </a:p>
+        </p:txBody>
+      </p:sp>
+      <p:pic>
+        <p:nvPicPr>
+          <p:cNvPr id="4" name="Grafik 3"/>
+          <p:cNvPicPr>
+            <a:picLocks noChangeAspect="1"/>
+          </p:cNvPicPr>
+          <p:nvPr/>
+        </p:nvPicPr>
+        <p:blipFill>
+          <a:blip r:embed="rId2">
+            <a:extLst>
+              <a:ext uri="{28A0092B-C50C-407E-A947-70E740481C1C}">
+                <a14:useLocalDpi xmlns:a14="http://schemas.microsoft.com/office/drawing/2010/main" val="0"/>
+              </a:ext>
+            </a:extLst>
+          </a:blip>
+          <a:stretch>
+            <a:fillRect/>
+          </a:stretch>
+        </p:blipFill>
+        <p:spPr>
+          <a:xfrm>
+            <a:off x="3696472" y="2628128"/>
+            <a:ext cx="4667250" cy="2952750"/>
+          </a:xfrm>
+          <a:prstGeom prst="rect">
+            <a:avLst/>
+          </a:prstGeom>
+        </p:spPr>
+      </p:pic>
+    </p:spTree>
+    <p:extLst>
+      <p:ext uri="{BB962C8B-B14F-4D97-AF65-F5344CB8AC3E}">
+        <p14:creationId xmlns:p14="http://schemas.microsoft.com/office/powerpoint/2010/main" val="1908598437"/>
+      </p:ext>
+    </p:extLst>
+  </p:cSld>
+  <p:clrMapOvr>
+    <a:masterClrMapping/>
+  </p:clrMapOvr>
+</p:sld>
+</file>
+
+<file path=ppt/slides/slide11.xml><?xml version="1.0" encoding="utf-8"?>
+<p:sld xmlns:a="http://schemas.openxmlformats.org/drawingml/2006/main" xmlns:r="http://schemas.openxmlformats.org/officeDocument/2006/relationships" xmlns:p="http://schemas.openxmlformats.org/presentationml/2006/main">
+  <p:cSld>
+    <p:spTree>
+      <p:nvGrpSpPr>
+        <p:cNvPr id="1" name=""/>
+        <p:cNvGrpSpPr/>
+        <p:nvPr/>
+      </p:nvGrpSpPr>
+      <p:grpSpPr>
+        <a:xfrm>
+          <a:off x="0" y="0"/>
+          <a:ext cx="0" cy="0"/>
+          <a:chOff x="0" y="0"/>
+          <a:chExt cx="0" cy="0"/>
+        </a:xfrm>
+      </p:grpSpPr>
+      <p:sp>
+        <p:nvSpPr>
+          <p:cNvPr id="2" name="Title 1"/>
+          <p:cNvSpPr>
+            <a:spLocks noGrp="1"/>
+          </p:cNvSpPr>
+          <p:nvPr>
+            <p:ph type="title"/>
+          </p:nvPr>
+        </p:nvSpPr>
+        <p:spPr/>
+        <p:txBody>
+          <a:bodyPr/>
+          <a:lstStyle/>
+          <a:p>
+            <a:r>
+              <a:rPr lang="de-DE" dirty="0" smtClean="0"/>
+              <a:t>Tests</a:t>
+            </a:r>
+            <a:endParaRPr lang="de-DE" dirty="0"/>
+          </a:p>
+        </p:txBody>
+      </p:sp>
+      <p:sp>
+        <p:nvSpPr>
+          <p:cNvPr id="3" name="Content Placeholder 2"/>
+          <p:cNvSpPr>
+            <a:spLocks noGrp="1"/>
+          </p:cNvSpPr>
+          <p:nvPr>
+            <p:ph idx="1"/>
+          </p:nvPr>
+        </p:nvSpPr>
+        <p:spPr/>
+        <p:txBody>
+          <a:bodyPr>
+            <a:normAutofit lnSpcReduction="10000"/>
+          </a:bodyPr>
+          <a:lstStyle/>
+          <a:p>
+            <a:r>
+              <a:rPr lang="de-DE" dirty="0" smtClean="0"/>
+              <a:t>Allgemein</a:t>
+            </a:r>
+          </a:p>
+          <a:p>
+            <a:pPr lvl="1"/>
+            <a:r>
+              <a:rPr lang="de-DE" dirty="0" err="1" smtClean="0"/>
+              <a:t>Seperate</a:t>
+            </a:r>
+            <a:r>
+              <a:rPr lang="de-DE" dirty="0" smtClean="0"/>
+              <a:t> Test-DB</a:t>
+            </a:r>
+          </a:p>
+          <a:p>
+            <a:pPr lvl="1"/>
+            <a:r>
+              <a:rPr lang="de-DE" dirty="0" smtClean="0"/>
+              <a:t>Ursprünglich </a:t>
+            </a:r>
+            <a:r>
+              <a:rPr lang="de-DE" dirty="0" err="1" smtClean="0"/>
+              <a:t>Activator</a:t>
+            </a:r>
+            <a:r>
+              <a:rPr lang="de-DE" dirty="0" smtClean="0"/>
+              <a:t> </a:t>
+            </a:r>
+            <a:r>
+              <a:rPr lang="de-DE" dirty="0" err="1" smtClean="0"/>
+              <a:t>JUnitklassen</a:t>
+            </a:r>
+            <a:r>
+              <a:rPr lang="de-DE" dirty="0" smtClean="0"/>
+              <a:t>,  ersetzt durch </a:t>
+            </a:r>
+            <a:r>
+              <a:rPr lang="de-DE" dirty="0" err="1" smtClean="0"/>
+              <a:t>seperaten</a:t>
+            </a:r>
+            <a:r>
+              <a:rPr lang="de-DE" dirty="0" smtClean="0"/>
+              <a:t> Testsocket</a:t>
+            </a:r>
+          </a:p>
+          <a:p>
+            <a:r>
+              <a:rPr lang="de-DE" dirty="0" err="1" smtClean="0"/>
+              <a:t>LoadWorker</a:t>
+            </a:r>
+            <a:r>
+              <a:rPr lang="de-DE" dirty="0" smtClean="0"/>
+              <a:t>: kurzer Test</a:t>
+            </a:r>
+          </a:p>
+          <a:p>
+            <a:r>
+              <a:rPr lang="de-DE" dirty="0" smtClean="0"/>
+              <a:t>DB: Simulation des </a:t>
+            </a:r>
+            <a:r>
+              <a:rPr lang="de-DE" dirty="0" err="1" smtClean="0"/>
+              <a:t>Aktorsystems</a:t>
+            </a:r>
+            <a:r>
+              <a:rPr lang="de-DE" dirty="0" smtClean="0"/>
+              <a:t> und Überprüfung der Antworten &amp; </a:t>
+            </a:r>
+            <a:r>
+              <a:rPr lang="de-DE" dirty="0" err="1" smtClean="0"/>
+              <a:t>Queries</a:t>
+            </a:r>
+            <a:endParaRPr lang="de-DE" dirty="0" smtClean="0"/>
+          </a:p>
+          <a:p>
+            <a:r>
+              <a:rPr lang="de-DE" dirty="0" err="1" smtClean="0"/>
+              <a:t>UIInstance</a:t>
+            </a:r>
+            <a:r>
+              <a:rPr lang="de-DE" dirty="0" smtClean="0"/>
+              <a:t> &amp; </a:t>
+            </a:r>
+            <a:r>
+              <a:rPr lang="de-DE" dirty="0" err="1" smtClean="0"/>
+              <a:t>Aktorsystem</a:t>
+            </a:r>
+            <a:r>
+              <a:rPr lang="de-DE" dirty="0" smtClean="0"/>
+              <a:t>: Simulation der Interaktion durch den </a:t>
+            </a:r>
+            <a:r>
+              <a:rPr lang="de-DE" dirty="0" err="1" smtClean="0"/>
+              <a:t>WebSocket</a:t>
+            </a:r>
+            <a:endParaRPr lang="de-DE" dirty="0" smtClean="0"/>
+          </a:p>
+          <a:p>
+            <a:r>
+              <a:rPr lang="de-DE" dirty="0" smtClean="0"/>
+              <a:t>Graph: Generierung von Daten in JS, statt aus </a:t>
+            </a:r>
+            <a:r>
+              <a:rPr lang="de-DE" dirty="0" err="1" smtClean="0"/>
+              <a:t>Aktorsystem</a:t>
+            </a:r>
+            <a:endParaRPr lang="de-DE" dirty="0"/>
+          </a:p>
+        </p:txBody>
+      </p:sp>
+    </p:spTree>
+    <p:extLst>
+      <p:ext uri="{BB962C8B-B14F-4D97-AF65-F5344CB8AC3E}">
+        <p14:creationId xmlns:p14="http://schemas.microsoft.com/office/powerpoint/2010/main" val="4133694229"/>
+      </p:ext>
+    </p:extLst>
+  </p:cSld>
+  <p:clrMapOvr>
+    <a:masterClrMapping/>
+  </p:clrMapOvr>
+</p:sld>
+</file>
+
+<file path=ppt/slides/slide12.xml><?xml version="1.0" encoding="utf-8"?>
+<p:sld xmlns:a="http://schemas.openxmlformats.org/drawingml/2006/main" xmlns:r="http://schemas.openxmlformats.org/officeDocument/2006/relationships" xmlns:p="http://schemas.openxmlformats.org/presentationml/2006/main">
+  <p:cSld>
+    <p:spTree>
+      <p:nvGrpSpPr>
+        <p:cNvPr id="1" name=""/>
+        <p:cNvGrpSpPr/>
+        <p:nvPr/>
+      </p:nvGrpSpPr>
+      <p:grpSpPr>
+        <a:xfrm>
+          <a:off x="0" y="0"/>
+          <a:ext cx="0" cy="0"/>
+          <a:chOff x="0" y="0"/>
+          <a:chExt cx="0" cy="0"/>
+        </a:xfrm>
+      </p:grpSpPr>
+      <p:sp>
+        <p:nvSpPr>
+          <p:cNvPr id="2" name="Title 1"/>
+          <p:cNvSpPr>
+            <a:spLocks noGrp="1"/>
+          </p:cNvSpPr>
+          <p:nvPr>
+            <p:ph type="title"/>
+          </p:nvPr>
+        </p:nvSpPr>
+        <p:spPr/>
+        <p:txBody>
+          <a:bodyPr/>
+          <a:lstStyle/>
+          <a:p>
+            <a:r>
+              <a:rPr lang="de-DE" dirty="0" smtClean="0"/>
+              <a:t>Reflexion - Designentscheidungen</a:t>
+            </a:r>
+            <a:endParaRPr lang="de-DE" dirty="0"/>
+          </a:p>
+        </p:txBody>
+      </p:sp>
+      <p:sp>
+        <p:nvSpPr>
+          <p:cNvPr id="3" name="Content Placeholder 2"/>
+          <p:cNvSpPr>
+            <a:spLocks noGrp="1"/>
+          </p:cNvSpPr>
+          <p:nvPr>
+            <p:ph idx="1"/>
+          </p:nvPr>
+        </p:nvSpPr>
+        <p:spPr/>
+        <p:txBody>
+          <a:bodyPr>
+            <a:normAutofit lnSpcReduction="10000"/>
+          </a:bodyPr>
+          <a:lstStyle/>
+          <a:p>
+            <a:r>
+              <a:rPr lang="de-DE" dirty="0" smtClean="0"/>
+              <a:t>Vollständiger Trace</a:t>
+            </a:r>
+          </a:p>
+          <a:p>
+            <a:pPr lvl="1"/>
+            <a:r>
+              <a:rPr lang="de-DE" dirty="0" smtClean="0"/>
+              <a:t>Sehr aufwendig</a:t>
+            </a:r>
+          </a:p>
+          <a:p>
+            <a:pPr lvl="1"/>
+            <a:r>
+              <a:rPr lang="de-DE" dirty="0" smtClean="0"/>
+              <a:t>Testlauf lässt sich später exakt laden &amp; abspielen</a:t>
+            </a:r>
+          </a:p>
+          <a:p>
+            <a:pPr lvl="1"/>
+            <a:r>
+              <a:rPr lang="de-DE" dirty="0" smtClean="0"/>
+              <a:t>Alternativen: Stichproben, teilweise aggregierte Daten</a:t>
+            </a:r>
+          </a:p>
+          <a:p>
+            <a:r>
+              <a:rPr lang="de-DE" dirty="0" smtClean="0"/>
+              <a:t>Data </a:t>
+            </a:r>
+            <a:r>
+              <a:rPr lang="de-DE" dirty="0" err="1" smtClean="0"/>
+              <a:t>Driven</a:t>
+            </a:r>
+            <a:r>
+              <a:rPr lang="de-DE" dirty="0" smtClean="0"/>
+              <a:t> </a:t>
+            </a:r>
+            <a:r>
+              <a:rPr lang="de-DE" dirty="0" err="1" smtClean="0"/>
+              <a:t>Documents</a:t>
+            </a:r>
+            <a:r>
+              <a:rPr lang="de-DE" dirty="0" smtClean="0"/>
+              <a:t> – Dynamisch aktualisierender Graph</a:t>
+            </a:r>
+          </a:p>
+          <a:p>
+            <a:pPr lvl="1"/>
+            <a:r>
+              <a:rPr lang="de-DE" dirty="0" smtClean="0"/>
+              <a:t>Zusammen mit vollständigem Trace sehr aufwendig</a:t>
+            </a:r>
+          </a:p>
+          <a:p>
+            <a:r>
+              <a:rPr lang="de-DE" dirty="0" smtClean="0"/>
+              <a:t>Tests durch Simulation</a:t>
+            </a:r>
+          </a:p>
+          <a:p>
+            <a:pPr lvl="1"/>
+            <a:r>
+              <a:rPr lang="de-DE" dirty="0" smtClean="0"/>
+              <a:t>Tests selbst sehr fehleranfällig</a:t>
+            </a:r>
+          </a:p>
+          <a:p>
+            <a:pPr lvl="1"/>
+            <a:r>
+              <a:rPr lang="de-DE" dirty="0" err="1" smtClean="0"/>
+              <a:t>Activator</a:t>
+            </a:r>
+            <a:r>
+              <a:rPr lang="de-DE" dirty="0" smtClean="0"/>
+              <a:t>-</a:t>
+            </a:r>
+            <a:r>
+              <a:rPr lang="de-DE" dirty="0" err="1" smtClean="0"/>
+              <a:t>JUnit</a:t>
+            </a:r>
+            <a:r>
+              <a:rPr lang="de-DE" dirty="0" smtClean="0"/>
+              <a:t>-Tests instabil</a:t>
+            </a:r>
+          </a:p>
+        </p:txBody>
+      </p:sp>
+    </p:spTree>
+    <p:extLst>
+      <p:ext uri="{BB962C8B-B14F-4D97-AF65-F5344CB8AC3E}">
+        <p14:creationId xmlns:p14="http://schemas.microsoft.com/office/powerpoint/2010/main" val="3403748733"/>
+      </p:ext>
+    </p:extLst>
+  </p:cSld>
+  <p:clrMapOvr>
+    <a:masterClrMapping/>
+  </p:clrMapOvr>
+</p:sld>
+</file>
+
+<file path=ppt/slides/slide13.xml><?xml version="1.0" encoding="utf-8"?>
+<p:sld xmlns:a="http://schemas.openxmlformats.org/drawingml/2006/main" xmlns:r="http://schemas.openxmlformats.org/officeDocument/2006/relationships" xmlns:p="http://schemas.openxmlformats.org/presentationml/2006/main">
+  <p:cSld>
+    <p:spTree>
+      <p:nvGrpSpPr>
+        <p:cNvPr id="1" name=""/>
+        <p:cNvGrpSpPr/>
+        <p:nvPr/>
+      </p:nvGrpSpPr>
+      <p:grpSpPr>
+        <a:xfrm>
+          <a:off x="0" y="0"/>
+          <a:ext cx="0" cy="0"/>
+          <a:chOff x="0" y="0"/>
+          <a:chExt cx="0" cy="0"/>
+        </a:xfrm>
+      </p:grpSpPr>
+      <p:sp>
+        <p:nvSpPr>
+          <p:cNvPr id="2" name="Title 1"/>
+          <p:cNvSpPr>
+            <a:spLocks noGrp="1"/>
+          </p:cNvSpPr>
+          <p:nvPr>
+            <p:ph type="title"/>
+          </p:nvPr>
+        </p:nvSpPr>
+        <p:spPr/>
+        <p:txBody>
+          <a:bodyPr/>
+          <a:lstStyle/>
+          <a:p>
+            <a:r>
+              <a:rPr lang="de-DE" dirty="0" smtClean="0"/>
+              <a:t>Reflexion - Frameworks</a:t>
+            </a:r>
+            <a:endParaRPr lang="de-DE" dirty="0"/>
+          </a:p>
+        </p:txBody>
+      </p:sp>
+      <p:sp>
+        <p:nvSpPr>
+          <p:cNvPr id="3" name="Content Placeholder 2"/>
+          <p:cNvSpPr>
+            <a:spLocks noGrp="1"/>
+          </p:cNvSpPr>
+          <p:nvPr>
+            <p:ph idx="1"/>
+          </p:nvPr>
+        </p:nvSpPr>
+        <p:spPr/>
+        <p:txBody>
+          <a:bodyPr>
+            <a:normAutofit/>
+          </a:bodyPr>
+          <a:lstStyle/>
+          <a:p>
+            <a:r>
+              <a:rPr lang="de-DE" dirty="0" smtClean="0"/>
+              <a:t>D3JS</a:t>
+            </a:r>
+          </a:p>
+          <a:p>
+            <a:pPr lvl="1"/>
+            <a:r>
+              <a:rPr lang="de-DE" dirty="0" smtClean="0"/>
+              <a:t>Sehr interessant &amp; flexibel</a:t>
+            </a:r>
+          </a:p>
+          <a:p>
+            <a:pPr lvl="1"/>
+            <a:r>
+              <a:rPr lang="de-DE" dirty="0" smtClean="0"/>
+              <a:t>Performancehungrig</a:t>
+            </a:r>
+          </a:p>
+          <a:p>
+            <a:r>
+              <a:rPr lang="de-DE" dirty="0" smtClean="0"/>
+              <a:t>Play (insbesondere JSON)</a:t>
+            </a:r>
+          </a:p>
+          <a:p>
+            <a:pPr lvl="1"/>
+            <a:r>
+              <a:rPr lang="de-DE" dirty="0" smtClean="0"/>
+              <a:t>Prinzipiell gut, aber teilweise nur mit Scala gut benutzbar</a:t>
+            </a:r>
+          </a:p>
+          <a:p>
+            <a:r>
+              <a:rPr lang="de-DE" dirty="0" smtClean="0"/>
+              <a:t>Scala</a:t>
+            </a:r>
+          </a:p>
+          <a:p>
+            <a:pPr lvl="1"/>
+            <a:r>
+              <a:rPr lang="de-DE" dirty="0" smtClean="0"/>
+              <a:t>Hätten wir von Anfang an nutzen sollen</a:t>
+            </a:r>
+          </a:p>
+          <a:p>
+            <a:pPr lvl="1"/>
+            <a:r>
+              <a:rPr lang="de-DE" dirty="0" smtClean="0"/>
+              <a:t>Futures/</a:t>
+            </a:r>
+            <a:r>
+              <a:rPr lang="de-DE" dirty="0" err="1" smtClean="0"/>
+              <a:t>Promises</a:t>
+            </a:r>
+            <a:r>
+              <a:rPr lang="de-DE" dirty="0" smtClean="0"/>
+              <a:t>: Sehr intuitiv &amp; nützlich</a:t>
+            </a:r>
+          </a:p>
+        </p:txBody>
+      </p:sp>
+    </p:spTree>
+    <p:extLst>
+      <p:ext uri="{BB962C8B-B14F-4D97-AF65-F5344CB8AC3E}">
+        <p14:creationId xmlns:p14="http://schemas.microsoft.com/office/powerpoint/2010/main" val="3254996429"/>
+      </p:ext>
+    </p:extLst>
+  </p:cSld>
+  <p:clrMapOvr>
+    <a:masterClrMapping/>
+  </p:clrMapOvr>
+</p:sld>
+</file>
+
+<file path=ppt/slides/slide14.xml><?xml version="1.0" encoding="utf-8"?>
+<p:sld xmlns:a="http://schemas.openxmlformats.org/drawingml/2006/main" xmlns:r="http://schemas.openxmlformats.org/officeDocument/2006/relationships" xmlns:p="http://schemas.openxmlformats.org/presentationml/2006/main">
+  <p:cSld>
+    <p:spTree>
+      <p:nvGrpSpPr>
+        <p:cNvPr id="1" name=""/>
+        <p:cNvGrpSpPr/>
+        <p:nvPr/>
+      </p:nvGrpSpPr>
+      <p:grpSpPr>
+        <a:xfrm>
+          <a:off x="0" y="0"/>
+          <a:ext cx="0" cy="0"/>
+          <a:chOff x="0" y="0"/>
+          <a:chExt cx="0" cy="0"/>
+        </a:xfrm>
+      </p:grpSpPr>
+      <p:sp>
+        <p:nvSpPr>
           <p:cNvPr id="2" name="Title 1"/>
           <p:cNvSpPr>
             <a:spLocks noGrp="1"/>
@@ -7587,16 +8147,11 @@
               <a:rPr lang="de-DE" dirty="0" smtClean="0"/>
               <a:t>)</a:t>
             </a:r>
-            <a:endParaRPr lang="de-DE" dirty="0" smtClean="0"/>
-          </a:p>
-          <a:p>
-            <a:r>
-              <a:rPr lang="de-DE" dirty="0" smtClean="0"/>
-              <a:t>User</a:t>
-            </a:r>
-            <a:r>
-              <a:rPr lang="de-DE" dirty="0" smtClean="0"/>
-              <a:t>: {_</a:t>
+          </a:p>
+          <a:p>
+            <a:r>
+              <a:rPr lang="de-DE" dirty="0" smtClean="0"/>
+              <a:t>User: {_</a:t>
             </a:r>
             <a:r>
               <a:rPr lang="de-DE" dirty="0" err="1" smtClean="0"/>
@@ -7757,11 +8312,7 @@
             </a:r>
             <a:r>
               <a:rPr lang="de-DE" dirty="0" smtClean="0"/>
-              <a:t>, </a:t>
-            </a:r>
-            <a:r>
-              <a:rPr lang="de-DE" dirty="0" smtClean="0"/>
-              <a:t>end, </a:t>
+              <a:t>, end, </a:t>
             </a:r>
             <a:r>
               <a:rPr lang="de-DE" dirty="0" err="1" smtClean="0"/>
@@ -7890,7 +8441,7 @@
       </p:grpSpPr>
       <p:sp>
         <p:nvSpPr>
-          <p:cNvPr id="2" name="Title 1"/>
+          <p:cNvPr id="2" name="Titel 1"/>
           <p:cNvSpPr>
             <a:spLocks noGrp="1"/>
           </p:cNvSpPr>
@@ -7905,7 +8456,7 @@
           <a:p>
             <a:r>
               <a:rPr lang="de-DE" dirty="0" smtClean="0"/>
-              <a:t>Tests</a:t>
+              <a:t>User Interface</a:t>
             </a:r>
             <a:endParaRPr lang="de-DE" dirty="0"/>
           </a:p>
@@ -7913,7 +8464,7 @@
       </p:sp>
       <p:sp>
         <p:nvSpPr>
-          <p:cNvPr id="3" name="Content Placeholder 2"/>
+          <p:cNvPr id="3" name="Inhaltsplatzhalter 2"/>
           <p:cNvSpPr>
             <a:spLocks noGrp="1"/>
           </p:cNvSpPr>
@@ -7921,121 +8472,57 @@
             <p:ph idx="1"/>
           </p:nvPr>
         </p:nvSpPr>
-        <p:spPr/>
-        <p:txBody>
-          <a:bodyPr>
-            <a:normAutofit lnSpcReduction="10000"/>
-          </a:bodyPr>
+        <p:spPr>
+          <a:xfrm>
+            <a:off x="2269672" y="2172729"/>
+            <a:ext cx="9233352" cy="4027715"/>
+          </a:xfrm>
+        </p:spPr>
+        <p:txBody>
+          <a:bodyPr/>
           <a:lstStyle/>
           <a:p>
             <a:r>
-              <a:rPr lang="de-DE" dirty="0" smtClean="0"/>
-              <a:t>Allgemein</a:t>
-            </a:r>
-          </a:p>
-          <a:p>
-            <a:pPr lvl="1"/>
-            <a:r>
               <a:rPr lang="de-DE" dirty="0" err="1" smtClean="0"/>
-              <a:t>Seperate</a:t>
-            </a:r>
-            <a:r>
-              <a:rPr lang="de-DE" dirty="0" smtClean="0"/>
-              <a:t> Test-DB</a:t>
-            </a:r>
-          </a:p>
-          <a:p>
-            <a:pPr lvl="1"/>
-            <a:r>
-              <a:rPr lang="de-DE" dirty="0" smtClean="0"/>
-              <a:t>Ursprünglich </a:t>
+              <a:t>One</a:t>
+            </a:r>
+            <a:r>
+              <a:rPr lang="de-DE" dirty="0" smtClean="0"/>
+              <a:t>-Pager</a:t>
+            </a:r>
+          </a:p>
+          <a:p>
+            <a:r>
+              <a:rPr lang="de-DE" dirty="0" smtClean="0"/>
+              <a:t>Websocket Verbindung zum Aktor „UI-Instance“ über eingebettetes JavaScript</a:t>
+            </a:r>
+          </a:p>
+          <a:p>
+            <a:r>
+              <a:rPr lang="de-DE" dirty="0" smtClean="0"/>
+              <a:t>Aktualisiert Inhalte „sofort“ auf Server-push über den Websocket ohne Request-Response (Formular Daten, Testplan speichern, </a:t>
             </a:r>
             <a:r>
               <a:rPr lang="de-DE" dirty="0" err="1" smtClean="0"/>
-              <a:t>Activator</a:t>
+              <a:t>Testrun</a:t>
             </a:r>
             <a:r>
               <a:rPr lang="de-DE" dirty="0" smtClean="0"/>
               <a:t> </a:t>
             </a:r>
             <a:r>
-              <a:rPr lang="de-DE" dirty="0" err="1" smtClean="0"/>
-              <a:t>JUnitklassen</a:t>
-            </a:r>
-            <a:r>
-              <a:rPr lang="de-DE" dirty="0" smtClean="0"/>
-              <a:t>,  ersetzt durch </a:t>
-            </a:r>
-            <a:r>
-              <a:rPr lang="de-DE" dirty="0" err="1" smtClean="0"/>
-              <a:t>seperaten</a:t>
-            </a:r>
-            <a:r>
-              <a:rPr lang="de-DE" dirty="0" smtClean="0"/>
-              <a:t> Testsocket</a:t>
-            </a:r>
-            <a:endParaRPr lang="de-DE" dirty="0" smtClean="0"/>
-          </a:p>
-          <a:p>
-            <a:r>
-              <a:rPr lang="de-DE" dirty="0" err="1" smtClean="0"/>
-              <a:t>LoadWorker</a:t>
-            </a:r>
-            <a:r>
-              <a:rPr lang="de-DE" dirty="0" smtClean="0"/>
-              <a:t>: kurzer Test</a:t>
-            </a:r>
-          </a:p>
-          <a:p>
-            <a:r>
-              <a:rPr lang="de-DE" dirty="0" smtClean="0"/>
-              <a:t>DB: Simulation des </a:t>
-            </a:r>
-            <a:r>
-              <a:rPr lang="de-DE" dirty="0" err="1" smtClean="0"/>
-              <a:t>Aktorsystems</a:t>
-            </a:r>
-            <a:r>
-              <a:rPr lang="de-DE" dirty="0" smtClean="0"/>
-              <a:t> und Überprüfung der Antworten &amp; </a:t>
-            </a:r>
-            <a:r>
-              <a:rPr lang="de-DE" dirty="0" err="1" smtClean="0"/>
-              <a:t>Queries</a:t>
-            </a:r>
-            <a:endParaRPr lang="de-DE" dirty="0" smtClean="0"/>
-          </a:p>
-          <a:p>
-            <a:r>
-              <a:rPr lang="de-DE" dirty="0" err="1" smtClean="0"/>
-              <a:t>UIInstance</a:t>
-            </a:r>
-            <a:r>
-              <a:rPr lang="de-DE" dirty="0" smtClean="0"/>
-              <a:t> &amp; </a:t>
-            </a:r>
-            <a:r>
-              <a:rPr lang="de-DE" dirty="0" err="1" smtClean="0"/>
-              <a:t>Aktorsystem</a:t>
-            </a:r>
-            <a:r>
-              <a:rPr lang="de-DE" dirty="0" smtClean="0"/>
-              <a:t>: Simulation der Interaktion durch den </a:t>
-            </a:r>
-            <a:r>
-              <a:rPr lang="de-DE" dirty="0" err="1" smtClean="0"/>
-              <a:t>WebSocket</a:t>
-            </a:r>
-            <a:endParaRPr lang="de-DE" dirty="0" smtClean="0"/>
-          </a:p>
-          <a:p>
-            <a:r>
-              <a:rPr lang="de-DE" dirty="0" smtClean="0"/>
-              <a:t>Graph: Generierung von Daten in JS, statt aus </a:t>
-            </a:r>
-            <a:r>
-              <a:rPr lang="de-DE" dirty="0" err="1" smtClean="0"/>
-              <a:t>Aktorsystem</a:t>
+              <a:rPr lang="de-DE" dirty="0" smtClean="0">
+                <a:sym typeface="Wingdings" panose="05000000000000000000" pitchFamily="2" charset="2"/>
+              </a:rPr>
+              <a:t> Graph)</a:t>
+            </a:r>
+          </a:p>
+          <a:p>
+            <a:r>
+              <a:rPr lang="de-DE" dirty="0" smtClean="0">
+                <a:sym typeface="Wingdings" panose="05000000000000000000" pitchFamily="2" charset="2"/>
+              </a:rPr>
+              <a:t>D3Js Graph – fügt sofort neue Testergebnisse vom Server als neues DOM-Element in den Graphen ein und passt dynamisch Skalar und Größe der Datenpunkte an</a:t>
             </a:r>
             <a:endParaRPr lang="de-DE" dirty="0"/>
           </a:p>
@@ -8044,7 +8531,7 @@
     </p:spTree>
     <p:extLst>
       <p:ext uri="{BB962C8B-B14F-4D97-AF65-F5344CB8AC3E}">
-        <p14:creationId xmlns:p14="http://schemas.microsoft.com/office/powerpoint/2010/main" val="4133694229"/>
+        <p14:creationId xmlns:p14="http://schemas.microsoft.com/office/powerpoint/2010/main" val="2536661829"/>
       </p:ext>
     </p:extLst>
   </p:cSld>
@@ -8073,7 +8560,7 @@
       </p:grpSpPr>
       <p:sp>
         <p:nvSpPr>
-          <p:cNvPr id="2" name="Title 1"/>
+          <p:cNvPr id="2" name="Titel 1"/>
           <p:cNvSpPr>
             <a:spLocks noGrp="1"/>
           </p:cNvSpPr>
@@ -8088,122 +8575,46 @@
           <a:p>
             <a:r>
               <a:rPr lang="de-DE" dirty="0" smtClean="0"/>
-              <a:t>Reflexion - Designentscheidungen</a:t>
+              <a:t>Client: Prozess Testplan anlegen</a:t>
             </a:r>
             <a:endParaRPr lang="de-DE" dirty="0"/>
           </a:p>
         </p:txBody>
       </p:sp>
-      <p:sp>
-        <p:nvSpPr>
-          <p:cNvPr id="3" name="Content Placeholder 2"/>
-          <p:cNvSpPr>
-            <a:spLocks noGrp="1"/>
-          </p:cNvSpPr>
-          <p:nvPr>
-            <p:ph idx="1"/>
-          </p:nvPr>
-        </p:nvSpPr>
-        <p:spPr/>
-        <p:txBody>
-          <a:bodyPr>
-            <a:normAutofit lnSpcReduction="10000"/>
-          </a:bodyPr>
-          <a:lstStyle/>
-          <a:p>
-            <a:r>
-              <a:rPr lang="de-DE" dirty="0" smtClean="0"/>
-              <a:t>Vollständiger Trace</a:t>
-            </a:r>
-          </a:p>
-          <a:p>
-            <a:pPr lvl="1"/>
-            <a:r>
-              <a:rPr lang="de-DE" dirty="0" smtClean="0"/>
-              <a:t>Sehr aufwendig</a:t>
-            </a:r>
-          </a:p>
-          <a:p>
-            <a:pPr lvl="1"/>
-            <a:r>
-              <a:rPr lang="de-DE" dirty="0" smtClean="0"/>
-              <a:t>Testlauf lässt sich später exakt laden &amp; abspielen</a:t>
-            </a:r>
-          </a:p>
-          <a:p>
-            <a:pPr lvl="1"/>
-            <a:r>
-              <a:rPr lang="de-DE" dirty="0" smtClean="0"/>
-              <a:t>Alternativen: Stichproben, teilweise aggregierte Daten</a:t>
-            </a:r>
-          </a:p>
-          <a:p>
-            <a:r>
-              <a:rPr lang="de-DE" dirty="0" smtClean="0"/>
-              <a:t>Data </a:t>
-            </a:r>
-            <a:r>
-              <a:rPr lang="de-DE" dirty="0" err="1" smtClean="0"/>
-              <a:t>Driven</a:t>
-            </a:r>
-            <a:r>
-              <a:rPr lang="de-DE" dirty="0" smtClean="0"/>
-              <a:t> </a:t>
-            </a:r>
-            <a:r>
-              <a:rPr lang="de-DE" dirty="0" err="1" smtClean="0"/>
-              <a:t>Documents</a:t>
-            </a:r>
-            <a:r>
-              <a:rPr lang="de-DE" dirty="0" smtClean="0"/>
-              <a:t> – Dynamisch aktualisierender Graph</a:t>
-            </a:r>
-          </a:p>
-          <a:p>
-            <a:pPr lvl="1"/>
-            <a:r>
-              <a:rPr lang="de-DE" dirty="0" smtClean="0"/>
-              <a:t>Zusammen mit vollständigem Trace sehr aufwendig</a:t>
-            </a:r>
-          </a:p>
-          <a:p>
-            <a:r>
-              <a:rPr lang="de-DE" dirty="0" smtClean="0"/>
-              <a:t>Tests durch Simulation</a:t>
-            </a:r>
-          </a:p>
-          <a:p>
-            <a:pPr lvl="1"/>
-            <a:r>
-              <a:rPr lang="de-DE" dirty="0" smtClean="0"/>
-              <a:t>Tests selbst sehr fehleranfällig</a:t>
-            </a:r>
-          </a:p>
-          <a:p>
-            <a:pPr lvl="1"/>
-            <a:r>
-              <a:rPr lang="de-DE" dirty="0" err="1" smtClean="0"/>
-              <a:t>Activator</a:t>
-            </a:r>
-            <a:r>
-              <a:rPr lang="de-DE" dirty="0" smtClean="0"/>
-              <a:t>-</a:t>
-            </a:r>
-            <a:r>
-              <a:rPr lang="de-DE" dirty="0" err="1" smtClean="0"/>
-              <a:t>JUnit</a:t>
-            </a:r>
-            <a:r>
-              <a:rPr lang="de-DE" dirty="0" smtClean="0"/>
-              <a:t>-Tests instabil</a:t>
-            </a:r>
-          </a:p>
-        </p:txBody>
-      </p:sp>
+      <p:pic>
+        <p:nvPicPr>
+          <p:cNvPr id="4" name="Grafik 3"/>
+          <p:cNvPicPr>
+            <a:picLocks noChangeAspect="1"/>
+          </p:cNvPicPr>
+          <p:nvPr/>
+        </p:nvPicPr>
+        <p:blipFill>
+          <a:blip r:embed="rId2">
+            <a:extLst>
+              <a:ext uri="{28A0092B-C50C-407E-A947-70E740481C1C}">
+                <a14:useLocalDpi xmlns:a14="http://schemas.microsoft.com/office/drawing/2010/main" val="0"/>
+              </a:ext>
+            </a:extLst>
+          </a:blip>
+          <a:stretch>
+            <a:fillRect/>
+          </a:stretch>
+        </p:blipFill>
+        <p:spPr>
+          <a:xfrm>
+            <a:off x="476250" y="2695832"/>
+            <a:ext cx="11239500" cy="3048000"/>
+          </a:xfrm>
+          <a:prstGeom prst="rect">
+            <a:avLst/>
+          </a:prstGeom>
+        </p:spPr>
+      </p:pic>
     </p:spTree>
     <p:extLst>
       <p:ext uri="{BB962C8B-B14F-4D97-AF65-F5344CB8AC3E}">
-        <p14:creationId xmlns:p14="http://schemas.microsoft.com/office/powerpoint/2010/main" val="3403748733"/>
+        <p14:creationId xmlns:p14="http://schemas.microsoft.com/office/powerpoint/2010/main" val="290849107"/>
       </p:ext>
     </p:extLst>
   </p:cSld>
@@ -8232,7 +8643,7 @@
       </p:grpSpPr>
       <p:sp>
         <p:nvSpPr>
-          <p:cNvPr id="2" name="Title 1"/>
+          <p:cNvPr id="4" name="Titel 1"/>
           <p:cNvSpPr>
             <a:spLocks noGrp="1"/>
           </p:cNvSpPr>
@@ -8240,102 +8651,58 @@
             <p:ph type="title"/>
           </p:nvPr>
         </p:nvSpPr>
-        <p:spPr/>
+        <p:spPr>
+          <a:xfrm>
+            <a:off x="1484311" y="685800"/>
+            <a:ext cx="10018713" cy="1752599"/>
+          </a:xfrm>
+        </p:spPr>
         <p:txBody>
           <a:bodyPr/>
           <a:lstStyle/>
           <a:p>
             <a:r>
               <a:rPr lang="de-DE" dirty="0" smtClean="0"/>
-              <a:t>Reflexion - Frameworks</a:t>
+              <a:t>Client: Prozess Testplan ausführen</a:t>
             </a:r>
             <a:endParaRPr lang="de-DE" dirty="0"/>
           </a:p>
         </p:txBody>
       </p:sp>
-      <p:sp>
-        <p:nvSpPr>
-          <p:cNvPr id="3" name="Content Placeholder 2"/>
-          <p:cNvSpPr>
-            <a:spLocks noGrp="1"/>
-          </p:cNvSpPr>
-          <p:nvPr>
-            <p:ph idx="1"/>
-          </p:nvPr>
-        </p:nvSpPr>
-        <p:spPr/>
-        <p:txBody>
-          <a:bodyPr>
-            <a:normAutofit/>
-          </a:bodyPr>
-          <a:lstStyle/>
-          <a:p>
-            <a:r>
-              <a:rPr lang="de-DE" dirty="0" smtClean="0"/>
-              <a:t>D3JS</a:t>
-            </a:r>
-          </a:p>
-          <a:p>
-            <a:pPr lvl="1"/>
-            <a:r>
-              <a:rPr lang="de-DE" dirty="0" smtClean="0"/>
-              <a:t>Sehr interessant &amp; flexibel</a:t>
-            </a:r>
-          </a:p>
-          <a:p>
-            <a:pPr lvl="1"/>
-            <a:r>
-              <a:rPr lang="de-DE" dirty="0" smtClean="0"/>
-              <a:t>Performancehungrig</a:t>
-            </a:r>
-          </a:p>
-          <a:p>
-            <a:r>
-              <a:rPr lang="de-DE" dirty="0" smtClean="0"/>
-              <a:t>Play (insbesondere JSON)</a:t>
-            </a:r>
-          </a:p>
-          <a:p>
-            <a:pPr lvl="1"/>
-            <a:r>
-              <a:rPr lang="de-DE" dirty="0" smtClean="0"/>
-              <a:t>Prinzipiell gut, aber teilweise nur mit Scala gut benutzbar</a:t>
-            </a:r>
-          </a:p>
-          <a:p>
-            <a:r>
-              <a:rPr lang="de-DE" dirty="0" smtClean="0"/>
-              <a:t>Scala</a:t>
-            </a:r>
-          </a:p>
-          <a:p>
-            <a:pPr lvl="1"/>
-            <a:r>
-              <a:rPr lang="de-DE" dirty="0" smtClean="0"/>
-              <a:t>Hätten wir von Anfang an nutzen sollen</a:t>
-            </a:r>
-          </a:p>
-          <a:p>
-            <a:pPr lvl="1"/>
-            <a:r>
-              <a:rPr lang="de-DE" dirty="0" smtClean="0"/>
-              <a:t>Futures/</a:t>
-            </a:r>
-            <a:r>
-              <a:rPr lang="de-DE" dirty="0" err="1" smtClean="0"/>
-              <a:t>Promises</a:t>
-            </a:r>
-            <a:r>
-              <a:rPr lang="de-DE" dirty="0" smtClean="0"/>
-              <a:t>: Sehr intuitiv &amp; nützlich</a:t>
-            </a:r>
-          </a:p>
-        </p:txBody>
-      </p:sp>
+      <p:pic>
+        <p:nvPicPr>
+          <p:cNvPr id="5" name="Grafik 4"/>
+          <p:cNvPicPr>
+            <a:picLocks noChangeAspect="1"/>
+          </p:cNvPicPr>
+          <p:nvPr/>
+        </p:nvPicPr>
+        <p:blipFill>
+          <a:blip r:embed="rId2">
+            <a:extLst>
+              <a:ext uri="{28A0092B-C50C-407E-A947-70E740481C1C}">
+                <a14:useLocalDpi xmlns:a14="http://schemas.microsoft.com/office/drawing/2010/main" val="0"/>
+              </a:ext>
+            </a:extLst>
+          </a:blip>
+          <a:stretch>
+            <a:fillRect/>
+          </a:stretch>
+        </p:blipFill>
+        <p:spPr>
+          <a:xfrm>
+            <a:off x="1484311" y="2679357"/>
+            <a:ext cx="9239250" cy="3048000"/>
+          </a:xfrm>
+          <a:prstGeom prst="rect">
+            <a:avLst/>
+          </a:prstGeom>
+        </p:spPr>
+      </p:pic>
     </p:spTree>
     <p:extLst>
       <p:ext uri="{BB962C8B-B14F-4D97-AF65-F5344CB8AC3E}">
-        <p14:creationId xmlns:p14="http://schemas.microsoft.com/office/powerpoint/2010/main" val="3254996429"/>
+        <p14:creationId xmlns:p14="http://schemas.microsoft.com/office/powerpoint/2010/main" val="779776639"/>
       </p:ext>
     </p:extLst>
   </p:cSld>

--- a/Dokumentation/Präsentation.pptx
+++ b/Dokumentation/Präsentation.pptx
@@ -8,17 +8,19 @@
     <p:sldId id="256" r:id="rId2"/>
     <p:sldId id="257" r:id="rId3"/>
     <p:sldId id="261" r:id="rId4"/>
-    <p:sldId id="260" r:id="rId5"/>
-    <p:sldId id="258" r:id="rId6"/>
-    <p:sldId id="259" r:id="rId7"/>
-    <p:sldId id="266" r:id="rId8"/>
-    <p:sldId id="267" r:id="rId9"/>
-    <p:sldId id="268" r:id="rId10"/>
-    <p:sldId id="269" r:id="rId11"/>
-    <p:sldId id="262" r:id="rId12"/>
-    <p:sldId id="263" r:id="rId13"/>
-    <p:sldId id="264" r:id="rId14"/>
-    <p:sldId id="265" r:id="rId15"/>
+    <p:sldId id="270" r:id="rId5"/>
+    <p:sldId id="260" r:id="rId6"/>
+    <p:sldId id="258" r:id="rId7"/>
+    <p:sldId id="259" r:id="rId8"/>
+    <p:sldId id="266" r:id="rId9"/>
+    <p:sldId id="267" r:id="rId10"/>
+    <p:sldId id="268" r:id="rId11"/>
+    <p:sldId id="269" r:id="rId12"/>
+    <p:sldId id="271" r:id="rId13"/>
+    <p:sldId id="262" r:id="rId14"/>
+    <p:sldId id="263" r:id="rId15"/>
+    <p:sldId id="264" r:id="rId16"/>
+    <p:sldId id="265" r:id="rId17"/>
   </p:sldIdLst>
   <p:sldSz cx="12192000" cy="6858000"/>
   <p:notesSz cx="6858000" cy="9144000"/>
@@ -689,7 +691,7 @@
             <a:fld id="{D57F1E4F-1CFF-5643-939E-217C01CDF565}" type="slidenum">
               <a:rPr lang="en-US" dirty="0"/>
               <a:pPr/>
-              <a:t>‹Nr.›</a:t>
+              <a:t>‹#›</a:t>
             </a:fld>
             <a:endParaRPr lang="en-US" dirty="0"/>
           </a:p>
@@ -1014,7 +1016,7 @@
             <a:fld id="{D57F1E4F-1CFF-5643-939E-217C01CDF565}" type="slidenum">
               <a:rPr lang="en-US" dirty="0"/>
               <a:pPr/>
-              <a:t>‹Nr.›</a:t>
+              <a:t>‹#›</a:t>
             </a:fld>
             <a:endParaRPr lang="en-US" dirty="0"/>
           </a:p>
@@ -1296,7 +1298,7 @@
             <a:fld id="{D57F1E4F-1CFF-5643-939E-217C01CDF565}" type="slidenum">
               <a:rPr lang="en-US" dirty="0"/>
               <a:pPr/>
-              <a:t>‹Nr.›</a:t>
+              <a:t>‹#›</a:t>
             </a:fld>
             <a:endParaRPr lang="en-US" dirty="0"/>
           </a:p>
@@ -1870,7 +1872,7 @@
             <a:fld id="{D57F1E4F-1CFF-5643-939E-217C01CDF565}" type="slidenum">
               <a:rPr lang="en-US" dirty="0"/>
               <a:pPr/>
-              <a:t>‹Nr.›</a:t>
+              <a:t>‹#›</a:t>
             </a:fld>
             <a:endParaRPr lang="en-US" dirty="0"/>
           </a:p>
@@ -2152,7 +2154,7 @@
             <a:fld id="{D57F1E4F-1CFF-5643-939E-217C01CDF565}" type="slidenum">
               <a:rPr lang="en-US" dirty="0"/>
               <a:pPr/>
-              <a:t>‹Nr.›</a:t>
+              <a:t>‹#›</a:t>
             </a:fld>
             <a:endParaRPr lang="en-US" dirty="0"/>
           </a:p>
@@ -2718,7 +2720,7 @@
             <a:fld id="{D57F1E4F-1CFF-5643-939E-217C01CDF565}" type="slidenum">
               <a:rPr lang="en-US" dirty="0"/>
               <a:pPr/>
-              <a:t>‹Nr.›</a:t>
+              <a:t>‹#›</a:t>
             </a:fld>
             <a:endParaRPr lang="en-US" dirty="0"/>
           </a:p>
@@ -3049,7 +3051,7 @@
             <a:fld id="{D57F1E4F-1CFF-5643-939E-217C01CDF565}" type="slidenum">
               <a:rPr lang="en-US" dirty="0"/>
               <a:pPr/>
-              <a:t>‹Nr.›</a:t>
+              <a:t>‹#›</a:t>
             </a:fld>
             <a:endParaRPr lang="en-US" dirty="0"/>
           </a:p>
@@ -3257,7 +3259,7 @@
             <a:fld id="{D57F1E4F-1CFF-5643-939E-217C01CDF565}" type="slidenum">
               <a:rPr lang="en-US" dirty="0"/>
               <a:pPr/>
-              <a:t>‹Nr.›</a:t>
+              <a:t>‹#›</a:t>
             </a:fld>
             <a:endParaRPr lang="en-US" dirty="0"/>
           </a:p>
@@ -3471,7 +3473,7 @@
             <a:fld id="{D57F1E4F-1CFF-5643-939E-217C01CDF565}" type="slidenum">
               <a:rPr lang="en-US" dirty="0"/>
               <a:pPr/>
-              <a:t>‹Nr.›</a:t>
+              <a:t>‹#›</a:t>
             </a:fld>
             <a:endParaRPr lang="en-US" dirty="0"/>
           </a:p>
@@ -3717,7 +3719,7 @@
             <a:fld id="{D57F1E4F-1CFF-5643-939E-217C01CDF565}" type="slidenum">
               <a:rPr lang="en-US" dirty="0"/>
               <a:pPr/>
-              <a:t>‹Nr.›</a:t>
+              <a:t>‹#›</a:t>
             </a:fld>
             <a:endParaRPr lang="en-US" dirty="0"/>
           </a:p>
@@ -3999,7 +4001,7 @@
             <a:fld id="{D57F1E4F-1CFF-5643-939E-217C01CDF565}" type="slidenum">
               <a:rPr lang="en-US" dirty="0"/>
               <a:pPr/>
-              <a:t>‹Nr.›</a:t>
+              <a:t>‹#›</a:t>
             </a:fld>
             <a:endParaRPr lang="en-US" dirty="0"/>
           </a:p>
@@ -4336,7 +4338,7 @@
             <a:fld id="{D57F1E4F-1CFF-5643-939E-217C01CDF565}" type="slidenum">
               <a:rPr lang="en-US" dirty="0"/>
               <a:pPr/>
-              <a:t>‹Nr.›</a:t>
+              <a:t>‹#›</a:t>
             </a:fld>
             <a:endParaRPr lang="en-US" dirty="0"/>
           </a:p>
@@ -4814,7 +4816,7 @@
             <a:fld id="{D57F1E4F-1CFF-5643-939E-217C01CDF565}" type="slidenum">
               <a:rPr lang="en-US" dirty="0"/>
               <a:pPr/>
-              <a:t>‹Nr.›</a:t>
+              <a:t>‹#›</a:t>
             </a:fld>
             <a:endParaRPr lang="en-US" dirty="0"/>
           </a:p>
@@ -4966,7 +4968,7 @@
             <a:fld id="{D57F1E4F-1CFF-5643-939E-217C01CDF565}" type="slidenum">
               <a:rPr lang="en-US" dirty="0"/>
               <a:pPr/>
-              <a:t>‹Nr.›</a:t>
+              <a:t>‹#›</a:t>
             </a:fld>
             <a:endParaRPr lang="en-US" dirty="0"/>
           </a:p>
@@ -5095,7 +5097,7 @@
             <a:fld id="{D57F1E4F-1CFF-5643-939E-217C01CDF565}" type="slidenum">
               <a:rPr lang="en-US" dirty="0"/>
               <a:pPr/>
-              <a:t>‹Nr.›</a:t>
+              <a:t>‹#›</a:t>
             </a:fld>
             <a:endParaRPr lang="en-US" dirty="0"/>
           </a:p>
@@ -5412,7 +5414,7 @@
             <a:fld id="{D57F1E4F-1CFF-5643-939E-217C01CDF565}" type="slidenum">
               <a:rPr lang="en-US" dirty="0"/>
               <a:pPr/>
-              <a:t>‹Nr.›</a:t>
+              <a:t>‹#›</a:t>
             </a:fld>
             <a:endParaRPr lang="en-US" dirty="0"/>
           </a:p>
@@ -5737,7 +5739,7 @@
             <a:fld id="{D57F1E4F-1CFF-5643-939E-217C01CDF565}" type="slidenum">
               <a:rPr lang="en-US" dirty="0"/>
               <a:pPr/>
-              <a:t>‹Nr.›</a:t>
+              <a:t>‹#›</a:t>
             </a:fld>
             <a:endParaRPr lang="en-US" dirty="0"/>
           </a:p>
@@ -6337,7 +6339,7 @@
             <a:fld id="{D57F1E4F-1CFF-5643-939E-217C01CDF565}" type="slidenum">
               <a:rPr lang="en-US" dirty="0"/>
               <a:pPr/>
-              <a:t>‹Nr.›</a:t>
+              <a:t>‹#›</a:t>
             </a:fld>
             <a:endParaRPr lang="en-US" dirty="0"/>
           </a:p>
@@ -6934,7 +6936,7 @@
       </p:grpSpPr>
       <p:sp>
         <p:nvSpPr>
-          <p:cNvPr id="2" name="Titel 1"/>
+          <p:cNvPr id="4" name="Titel 1"/>
           <p:cNvSpPr>
             <a:spLocks noGrp="1"/>
           </p:cNvSpPr>
@@ -6942,14 +6944,19 @@
             <p:ph type="title"/>
           </p:nvPr>
         </p:nvSpPr>
-        <p:spPr/>
+        <p:spPr>
+          <a:xfrm>
+            <a:off x="1484311" y="685800"/>
+            <a:ext cx="10018713" cy="1752599"/>
+          </a:xfrm>
+        </p:spPr>
         <p:txBody>
           <a:bodyPr/>
           <a:lstStyle/>
           <a:p>
             <a:r>
               <a:rPr lang="de-DE" dirty="0" smtClean="0"/>
-              <a:t>Client: Konzept Reaktivität</a:t>
+              <a:t>Client: Prozess Testplan ausführen</a:t>
             </a:r>
             <a:endParaRPr lang="de-DE" dirty="0"/>
           </a:p>
@@ -6957,7 +6964,7 @@
       </p:sp>
       <p:pic>
         <p:nvPicPr>
-          <p:cNvPr id="4" name="Grafik 3"/>
+          <p:cNvPr id="5" name="Grafik 4"/>
           <p:cNvPicPr>
             <a:picLocks noChangeAspect="1"/>
           </p:cNvPicPr>
@@ -6965,6 +6972,16 @@
         </p:nvPicPr>
         <p:blipFill>
           <a:blip r:embed="rId2">
+            <a:clrChange>
+              <a:clrFrom>
+                <a:srgbClr val="FFFFFF"/>
+              </a:clrFrom>
+              <a:clrTo>
+                <a:srgbClr val="FFFFFF">
+                  <a:alpha val="0"/>
+                </a:srgbClr>
+              </a:clrTo>
+            </a:clrChange>
             <a:extLst>
               <a:ext uri="{28A0092B-C50C-407E-A947-70E740481C1C}">
                 <a14:useLocalDpi xmlns:a14="http://schemas.microsoft.com/office/drawing/2010/main" val="0"/>
@@ -6977,8 +6994,8 @@
         </p:blipFill>
         <p:spPr>
           <a:xfrm>
-            <a:off x="3696472" y="2628128"/>
-            <a:ext cx="4667250" cy="2952750"/>
+            <a:off x="980303" y="2679356"/>
+            <a:ext cx="11230685" cy="3704968"/>
           </a:xfrm>
           <a:prstGeom prst="rect">
             <a:avLst/>
@@ -6988,7 +7005,7 @@
     </p:spTree>
     <p:extLst>
       <p:ext uri="{BB962C8B-B14F-4D97-AF65-F5344CB8AC3E}">
-        <p14:creationId xmlns:p14="http://schemas.microsoft.com/office/powerpoint/2010/main" val="1908598437"/>
+        <p14:creationId xmlns:p14="http://schemas.microsoft.com/office/powerpoint/2010/main" val="779776639"/>
       </p:ext>
     </p:extLst>
   </p:cSld>
@@ -7017,7 +7034,7 @@
       </p:grpSpPr>
       <p:sp>
         <p:nvSpPr>
-          <p:cNvPr id="2" name="Title 1"/>
+          <p:cNvPr id="2" name="Titel 1"/>
           <p:cNvSpPr>
             <a:spLocks noGrp="1"/>
           </p:cNvSpPr>
@@ -7032,145 +7049,56 @@
           <a:p>
             <a:r>
               <a:rPr lang="de-DE" dirty="0" smtClean="0"/>
-              <a:t>Tests</a:t>
+              <a:t>Client: Konzept Reaktivität</a:t>
             </a:r>
             <a:endParaRPr lang="de-DE" dirty="0"/>
           </a:p>
         </p:txBody>
       </p:sp>
-      <p:sp>
-        <p:nvSpPr>
-          <p:cNvPr id="3" name="Content Placeholder 2"/>
-          <p:cNvSpPr>
-            <a:spLocks noGrp="1"/>
-          </p:cNvSpPr>
-          <p:nvPr>
-            <p:ph idx="1"/>
-          </p:nvPr>
-        </p:nvSpPr>
-        <p:spPr/>
-        <p:txBody>
-          <a:bodyPr>
-            <a:normAutofit lnSpcReduction="10000"/>
-          </a:bodyPr>
-          <a:lstStyle/>
-          <a:p>
-            <a:r>
-              <a:rPr lang="de-DE" dirty="0" smtClean="0"/>
-              <a:t>Allgemein</a:t>
-            </a:r>
-          </a:p>
-          <a:p>
-            <a:pPr lvl="1"/>
-            <a:r>
-              <a:rPr lang="de-DE" dirty="0" err="1" smtClean="0"/>
-              <a:t>Seperate</a:t>
-            </a:r>
-            <a:r>
-              <a:rPr lang="de-DE" dirty="0" smtClean="0"/>
-              <a:t> Test-DB</a:t>
-            </a:r>
-          </a:p>
-          <a:p>
-            <a:pPr lvl="1"/>
-            <a:r>
-              <a:rPr lang="de-DE" dirty="0" smtClean="0"/>
-              <a:t>Ursprünglich </a:t>
-            </a:r>
-            <a:r>
-              <a:rPr lang="de-DE" dirty="0" err="1" smtClean="0"/>
-              <a:t>Activator</a:t>
-            </a:r>
-            <a:r>
-              <a:rPr lang="de-DE" dirty="0" smtClean="0"/>
-              <a:t> </a:t>
-            </a:r>
-            <a:r>
-              <a:rPr lang="de-DE" dirty="0" err="1" smtClean="0"/>
-              <a:t>JUnitklassen</a:t>
-            </a:r>
-            <a:r>
-              <a:rPr lang="de-DE" dirty="0" smtClean="0"/>
-              <a:t>,  ersetzt durch </a:t>
-            </a:r>
-            <a:r>
-              <a:rPr lang="de-DE" dirty="0" err="1" smtClean="0"/>
-              <a:t>seperaten</a:t>
-            </a:r>
-            <a:r>
-              <a:rPr lang="de-DE" dirty="0" smtClean="0"/>
-              <a:t> Testsocket</a:t>
-            </a:r>
-          </a:p>
-          <a:p>
-            <a:r>
-              <a:rPr lang="de-DE" dirty="0" err="1" smtClean="0"/>
-              <a:t>LoadWorker</a:t>
-            </a:r>
-            <a:r>
-              <a:rPr lang="de-DE" dirty="0" smtClean="0"/>
-              <a:t>: kurzer Test</a:t>
-            </a:r>
-          </a:p>
-          <a:p>
-            <a:r>
-              <a:rPr lang="de-DE" dirty="0" smtClean="0"/>
-              <a:t>DB: Simulation des </a:t>
-            </a:r>
-            <a:r>
-              <a:rPr lang="de-DE" dirty="0" err="1" smtClean="0"/>
-              <a:t>Aktorsystems</a:t>
-            </a:r>
-            <a:r>
-              <a:rPr lang="de-DE" dirty="0" smtClean="0"/>
-              <a:t> und Überprüfung der Antworten &amp; </a:t>
-            </a:r>
-            <a:r>
-              <a:rPr lang="de-DE" dirty="0" err="1" smtClean="0"/>
-              <a:t>Queries</a:t>
-            </a:r>
-            <a:endParaRPr lang="de-DE" dirty="0" smtClean="0"/>
-          </a:p>
-          <a:p>
-            <a:r>
-              <a:rPr lang="de-DE" dirty="0" err="1" smtClean="0"/>
-              <a:t>UIInstance</a:t>
-            </a:r>
-            <a:r>
-              <a:rPr lang="de-DE" dirty="0" smtClean="0"/>
-              <a:t> &amp; </a:t>
-            </a:r>
-            <a:r>
-              <a:rPr lang="de-DE" dirty="0" err="1" smtClean="0"/>
-              <a:t>Aktorsystem</a:t>
-            </a:r>
-            <a:r>
-              <a:rPr lang="de-DE" dirty="0" smtClean="0"/>
-              <a:t>: Simulation der Interaktion durch den </a:t>
-            </a:r>
-            <a:r>
-              <a:rPr lang="de-DE" dirty="0" err="1" smtClean="0"/>
-              <a:t>WebSocket</a:t>
-            </a:r>
-            <a:endParaRPr lang="de-DE" dirty="0" smtClean="0"/>
-          </a:p>
-          <a:p>
-            <a:r>
-              <a:rPr lang="de-DE" dirty="0" smtClean="0"/>
-              <a:t>Graph: Generierung von Daten in JS, statt aus </a:t>
-            </a:r>
-            <a:r>
-              <a:rPr lang="de-DE" dirty="0" err="1" smtClean="0"/>
-              <a:t>Aktorsystem</a:t>
-            </a:r>
-            <a:endParaRPr lang="de-DE" dirty="0"/>
-          </a:p>
-        </p:txBody>
-      </p:sp>
+      <p:pic>
+        <p:nvPicPr>
+          <p:cNvPr id="4" name="Grafik 3"/>
+          <p:cNvPicPr>
+            <a:picLocks noChangeAspect="1"/>
+          </p:cNvPicPr>
+          <p:nvPr/>
+        </p:nvPicPr>
+        <p:blipFill>
+          <a:blip r:embed="rId2">
+            <a:clrChange>
+              <a:clrFrom>
+                <a:srgbClr val="FFFFFF"/>
+              </a:clrFrom>
+              <a:clrTo>
+                <a:srgbClr val="FFFFFF">
+                  <a:alpha val="0"/>
+                </a:srgbClr>
+              </a:clrTo>
+            </a:clrChange>
+            <a:extLst>
+              <a:ext uri="{28A0092B-C50C-407E-A947-70E740481C1C}">
+                <a14:useLocalDpi xmlns:a14="http://schemas.microsoft.com/office/drawing/2010/main" val="0"/>
+              </a:ext>
+            </a:extLst>
+          </a:blip>
+          <a:stretch>
+            <a:fillRect/>
+          </a:stretch>
+        </p:blipFill>
+        <p:spPr>
+          <a:xfrm>
+            <a:off x="3000756" y="2438399"/>
+            <a:ext cx="6985822" cy="4419601"/>
+          </a:xfrm>
+          <a:prstGeom prst="rect">
+            <a:avLst/>
+          </a:prstGeom>
+        </p:spPr>
+      </p:pic>
     </p:spTree>
     <p:extLst>
       <p:ext uri="{BB962C8B-B14F-4D97-AF65-F5344CB8AC3E}">
-        <p14:creationId xmlns:p14="http://schemas.microsoft.com/office/powerpoint/2010/main" val="4133694229"/>
+        <p14:creationId xmlns:p14="http://schemas.microsoft.com/office/powerpoint/2010/main" val="1908598437"/>
       </p:ext>
     </p:extLst>
   </p:cSld>
@@ -7214,59 +7142,7 @@
           <a:p>
             <a:r>
               <a:rPr lang="de-DE" dirty="0" smtClean="0"/>
-              <a:t>Reflexion - Designentscheidungen</a:t>
-            </a:r>
-            <a:endParaRPr lang="de-DE" dirty="0"/>
-          </a:p>
-        </p:txBody>
-      </p:sp>
-      <p:sp>
-        <p:nvSpPr>
-          <p:cNvPr id="3" name="Content Placeholder 2"/>
-          <p:cNvSpPr>
-            <a:spLocks noGrp="1"/>
-          </p:cNvSpPr>
-          <p:nvPr>
-            <p:ph idx="1"/>
-          </p:nvPr>
-        </p:nvSpPr>
-        <p:spPr/>
-        <p:txBody>
-          <a:bodyPr>
-            <a:normAutofit lnSpcReduction="10000"/>
-          </a:bodyPr>
-          <a:lstStyle/>
-          <a:p>
-            <a:r>
-              <a:rPr lang="de-DE" dirty="0" smtClean="0"/>
-              <a:t>Vollständiger Trace</a:t>
-            </a:r>
-          </a:p>
-          <a:p>
-            <a:pPr lvl="1"/>
-            <a:r>
-              <a:rPr lang="de-DE" dirty="0" smtClean="0"/>
-              <a:t>Sehr aufwendig</a:t>
-            </a:r>
-          </a:p>
-          <a:p>
-            <a:pPr lvl="1"/>
-            <a:r>
-              <a:rPr lang="de-DE" dirty="0" smtClean="0"/>
-              <a:t>Testlauf lässt sich später exakt laden &amp; abspielen</a:t>
-            </a:r>
-          </a:p>
-          <a:p>
-            <a:pPr lvl="1"/>
-            <a:r>
-              <a:rPr lang="de-DE" dirty="0" smtClean="0"/>
-              <a:t>Alternativen: Stichproben, teilweise aggregierte Daten</a:t>
-            </a:r>
-          </a:p>
-          <a:p>
-            <a:r>
-              <a:rPr lang="de-DE" dirty="0" smtClean="0"/>
-              <a:t>Data </a:t>
+              <a:t>Graph – Data </a:t>
             </a:r>
             <a:r>
               <a:rPr lang="de-DE" dirty="0" err="1" smtClean="0"/>
@@ -7280,56 +7156,37 @@
               <a:rPr lang="de-DE" dirty="0" err="1" smtClean="0"/>
               <a:t>Documents</a:t>
             </a:r>
-            <a:r>
-              <a:rPr lang="de-DE" dirty="0" smtClean="0"/>
-              <a:t> – Dynamisch aktualisierender Graph</a:t>
-            </a:r>
-          </a:p>
-          <a:p>
-            <a:pPr lvl="1"/>
-            <a:r>
-              <a:rPr lang="de-DE" dirty="0" smtClean="0"/>
-              <a:t>Zusammen mit vollständigem Trace sehr aufwendig</a:t>
-            </a:r>
-          </a:p>
-          <a:p>
-            <a:r>
-              <a:rPr lang="de-DE" dirty="0" smtClean="0"/>
-              <a:t>Tests durch Simulation</a:t>
-            </a:r>
-          </a:p>
-          <a:p>
-            <a:pPr lvl="1"/>
-            <a:r>
-              <a:rPr lang="de-DE" dirty="0" smtClean="0"/>
-              <a:t>Tests selbst sehr fehleranfällig</a:t>
-            </a:r>
-          </a:p>
-          <a:p>
-            <a:pPr lvl="1"/>
-            <a:r>
-              <a:rPr lang="de-DE" dirty="0" err="1" smtClean="0"/>
-              <a:t>Activator</a:t>
-            </a:r>
-            <a:r>
-              <a:rPr lang="de-DE" dirty="0" smtClean="0"/>
-              <a:t>-</a:t>
-            </a:r>
-            <a:r>
-              <a:rPr lang="de-DE" dirty="0" err="1" smtClean="0"/>
-              <a:t>JUnit</a:t>
-            </a:r>
-            <a:r>
-              <a:rPr lang="de-DE" dirty="0" smtClean="0"/>
-              <a:t>-Tests instabil</a:t>
-            </a:r>
+            <a:endParaRPr lang="de-DE" dirty="0"/>
+          </a:p>
+        </p:txBody>
+      </p:sp>
+      <p:sp>
+        <p:nvSpPr>
+          <p:cNvPr id="3" name="Content Placeholder 2"/>
+          <p:cNvSpPr>
+            <a:spLocks noGrp="1"/>
+          </p:cNvSpPr>
+          <p:nvPr>
+            <p:ph idx="1"/>
+          </p:nvPr>
+        </p:nvSpPr>
+        <p:spPr/>
+        <p:txBody>
+          <a:bodyPr/>
+          <a:lstStyle/>
+          <a:p>
+            <a:r>
+              <a:rPr lang="de-DE" dirty="0" smtClean="0"/>
+              <a:t>TODO</a:t>
+            </a:r>
+            <a:endParaRPr lang="de-DE" dirty="0"/>
           </a:p>
         </p:txBody>
       </p:sp>
     </p:spTree>
     <p:extLst>
       <p:ext uri="{BB962C8B-B14F-4D97-AF65-F5344CB8AC3E}">
-        <p14:creationId xmlns:p14="http://schemas.microsoft.com/office/powerpoint/2010/main" val="3403748733"/>
+        <p14:creationId xmlns:p14="http://schemas.microsoft.com/office/powerpoint/2010/main" val="1998093059"/>
       </p:ext>
     </p:extLst>
   </p:cSld>
@@ -7373,6 +7230,347 @@
           <a:p>
             <a:r>
               <a:rPr lang="de-DE" dirty="0" smtClean="0"/>
+              <a:t>Tests</a:t>
+            </a:r>
+            <a:endParaRPr lang="de-DE" dirty="0"/>
+          </a:p>
+        </p:txBody>
+      </p:sp>
+      <p:sp>
+        <p:nvSpPr>
+          <p:cNvPr id="3" name="Content Placeholder 2"/>
+          <p:cNvSpPr>
+            <a:spLocks noGrp="1"/>
+          </p:cNvSpPr>
+          <p:nvPr>
+            <p:ph idx="1"/>
+          </p:nvPr>
+        </p:nvSpPr>
+        <p:spPr/>
+        <p:txBody>
+          <a:bodyPr>
+            <a:normAutofit lnSpcReduction="10000"/>
+          </a:bodyPr>
+          <a:lstStyle/>
+          <a:p>
+            <a:r>
+              <a:rPr lang="de-DE" dirty="0" smtClean="0"/>
+              <a:t>Allgemein</a:t>
+            </a:r>
+          </a:p>
+          <a:p>
+            <a:pPr lvl="1"/>
+            <a:r>
+              <a:rPr lang="de-DE" dirty="0" err="1" smtClean="0"/>
+              <a:t>Seperate</a:t>
+            </a:r>
+            <a:r>
+              <a:rPr lang="de-DE" dirty="0" smtClean="0"/>
+              <a:t> Test-DB</a:t>
+            </a:r>
+          </a:p>
+          <a:p>
+            <a:pPr lvl="1"/>
+            <a:r>
+              <a:rPr lang="de-DE" dirty="0" smtClean="0"/>
+              <a:t>Ursprünglich </a:t>
+            </a:r>
+            <a:r>
+              <a:rPr lang="de-DE" dirty="0" err="1" smtClean="0"/>
+              <a:t>Activator</a:t>
+            </a:r>
+            <a:r>
+              <a:rPr lang="de-DE" dirty="0" smtClean="0"/>
+              <a:t> </a:t>
+            </a:r>
+            <a:r>
+              <a:rPr lang="de-DE" dirty="0" err="1" smtClean="0"/>
+              <a:t>JUnitklassen</a:t>
+            </a:r>
+            <a:r>
+              <a:rPr lang="de-DE" dirty="0" smtClean="0"/>
+              <a:t>,  ersetzt durch </a:t>
+            </a:r>
+            <a:r>
+              <a:rPr lang="de-DE" dirty="0" err="1" smtClean="0"/>
+              <a:t>seperaten</a:t>
+            </a:r>
+            <a:r>
+              <a:rPr lang="de-DE" dirty="0" smtClean="0"/>
+              <a:t> Testsocket</a:t>
+            </a:r>
+          </a:p>
+          <a:p>
+            <a:r>
+              <a:rPr lang="de-DE" dirty="0" err="1" smtClean="0"/>
+              <a:t>LoadWorker</a:t>
+            </a:r>
+            <a:r>
+              <a:rPr lang="de-DE" dirty="0" smtClean="0"/>
+              <a:t>: kurzer Test</a:t>
+            </a:r>
+          </a:p>
+          <a:p>
+            <a:r>
+              <a:rPr lang="de-DE" dirty="0" smtClean="0"/>
+              <a:t>DB: Simulation des </a:t>
+            </a:r>
+            <a:r>
+              <a:rPr lang="de-DE" dirty="0" err="1" smtClean="0"/>
+              <a:t>Aktorsystems</a:t>
+            </a:r>
+            <a:r>
+              <a:rPr lang="de-DE" dirty="0" smtClean="0"/>
+              <a:t> und Überprüfung der Antworten &amp; </a:t>
+            </a:r>
+            <a:r>
+              <a:rPr lang="de-DE" dirty="0" err="1" smtClean="0"/>
+              <a:t>Queries</a:t>
+            </a:r>
+            <a:endParaRPr lang="de-DE" dirty="0" smtClean="0"/>
+          </a:p>
+          <a:p>
+            <a:r>
+              <a:rPr lang="de-DE" dirty="0" err="1" smtClean="0"/>
+              <a:t>UIInstance</a:t>
+            </a:r>
+            <a:r>
+              <a:rPr lang="de-DE" dirty="0" smtClean="0"/>
+              <a:t> &amp; </a:t>
+            </a:r>
+            <a:r>
+              <a:rPr lang="de-DE" dirty="0" err="1" smtClean="0"/>
+              <a:t>Aktorsystem</a:t>
+            </a:r>
+            <a:r>
+              <a:rPr lang="de-DE" dirty="0" smtClean="0"/>
+              <a:t>: Simulation der Interaktion durch den </a:t>
+            </a:r>
+            <a:r>
+              <a:rPr lang="de-DE" dirty="0" err="1" smtClean="0"/>
+              <a:t>WebSocket</a:t>
+            </a:r>
+            <a:endParaRPr lang="de-DE" dirty="0" smtClean="0"/>
+          </a:p>
+          <a:p>
+            <a:r>
+              <a:rPr lang="de-DE" dirty="0" smtClean="0"/>
+              <a:t>Graph: Generierung von Daten in JS, statt aus </a:t>
+            </a:r>
+            <a:r>
+              <a:rPr lang="de-DE" dirty="0" err="1" smtClean="0"/>
+              <a:t>Aktorsystem</a:t>
+            </a:r>
+            <a:endParaRPr lang="de-DE" dirty="0"/>
+          </a:p>
+        </p:txBody>
+      </p:sp>
+    </p:spTree>
+    <p:extLst>
+      <p:ext uri="{BB962C8B-B14F-4D97-AF65-F5344CB8AC3E}">
+        <p14:creationId xmlns:p14="http://schemas.microsoft.com/office/powerpoint/2010/main" val="4133694229"/>
+      </p:ext>
+    </p:extLst>
+  </p:cSld>
+  <p:clrMapOvr>
+    <a:masterClrMapping/>
+  </p:clrMapOvr>
+</p:sld>
+</file>
+
+<file path=ppt/slides/slide14.xml><?xml version="1.0" encoding="utf-8"?>
+<p:sld xmlns:a="http://schemas.openxmlformats.org/drawingml/2006/main" xmlns:r="http://schemas.openxmlformats.org/officeDocument/2006/relationships" xmlns:p="http://schemas.openxmlformats.org/presentationml/2006/main">
+  <p:cSld>
+    <p:spTree>
+      <p:nvGrpSpPr>
+        <p:cNvPr id="1" name=""/>
+        <p:cNvGrpSpPr/>
+        <p:nvPr/>
+      </p:nvGrpSpPr>
+      <p:grpSpPr>
+        <a:xfrm>
+          <a:off x="0" y="0"/>
+          <a:ext cx="0" cy="0"/>
+          <a:chOff x="0" y="0"/>
+          <a:chExt cx="0" cy="0"/>
+        </a:xfrm>
+      </p:grpSpPr>
+      <p:sp>
+        <p:nvSpPr>
+          <p:cNvPr id="2" name="Title 1"/>
+          <p:cNvSpPr>
+            <a:spLocks noGrp="1"/>
+          </p:cNvSpPr>
+          <p:nvPr>
+            <p:ph type="title"/>
+          </p:nvPr>
+        </p:nvSpPr>
+        <p:spPr/>
+        <p:txBody>
+          <a:bodyPr/>
+          <a:lstStyle/>
+          <a:p>
+            <a:r>
+              <a:rPr lang="de-DE" dirty="0" smtClean="0"/>
+              <a:t>Reflexion - Designentscheidungen</a:t>
+            </a:r>
+            <a:endParaRPr lang="de-DE" dirty="0"/>
+          </a:p>
+        </p:txBody>
+      </p:sp>
+      <p:sp>
+        <p:nvSpPr>
+          <p:cNvPr id="3" name="Content Placeholder 2"/>
+          <p:cNvSpPr>
+            <a:spLocks noGrp="1"/>
+          </p:cNvSpPr>
+          <p:nvPr>
+            <p:ph idx="1"/>
+          </p:nvPr>
+        </p:nvSpPr>
+        <p:spPr/>
+        <p:txBody>
+          <a:bodyPr>
+            <a:normAutofit lnSpcReduction="10000"/>
+          </a:bodyPr>
+          <a:lstStyle/>
+          <a:p>
+            <a:r>
+              <a:rPr lang="de-DE" dirty="0" smtClean="0"/>
+              <a:t>Vollständiger Trace</a:t>
+            </a:r>
+          </a:p>
+          <a:p>
+            <a:pPr lvl="1"/>
+            <a:r>
+              <a:rPr lang="de-DE" dirty="0" smtClean="0"/>
+              <a:t>Sehr aufwendig</a:t>
+            </a:r>
+          </a:p>
+          <a:p>
+            <a:pPr lvl="1"/>
+            <a:r>
+              <a:rPr lang="de-DE" dirty="0" smtClean="0"/>
+              <a:t>Testlauf lässt sich später exakt laden &amp; abspielen</a:t>
+            </a:r>
+          </a:p>
+          <a:p>
+            <a:pPr lvl="1"/>
+            <a:r>
+              <a:rPr lang="de-DE" dirty="0" smtClean="0"/>
+              <a:t>Alternativen: Stichproben, teilweise aggregierte Daten</a:t>
+            </a:r>
+          </a:p>
+          <a:p>
+            <a:r>
+              <a:rPr lang="de-DE" dirty="0" smtClean="0"/>
+              <a:t>Data </a:t>
+            </a:r>
+            <a:r>
+              <a:rPr lang="de-DE" dirty="0" err="1" smtClean="0"/>
+              <a:t>Driven</a:t>
+            </a:r>
+            <a:r>
+              <a:rPr lang="de-DE" dirty="0" smtClean="0"/>
+              <a:t> </a:t>
+            </a:r>
+            <a:r>
+              <a:rPr lang="de-DE" dirty="0" err="1" smtClean="0"/>
+              <a:t>Documents</a:t>
+            </a:r>
+            <a:r>
+              <a:rPr lang="de-DE" dirty="0" smtClean="0"/>
+              <a:t> – Dynamisch aktualisierender Graph</a:t>
+            </a:r>
+          </a:p>
+          <a:p>
+            <a:pPr lvl="1"/>
+            <a:r>
+              <a:rPr lang="de-DE" dirty="0" smtClean="0"/>
+              <a:t>Zusammen mit vollständigem Trace sehr aufwendig</a:t>
+            </a:r>
+          </a:p>
+          <a:p>
+            <a:r>
+              <a:rPr lang="de-DE" dirty="0" smtClean="0"/>
+              <a:t>Tests durch Simulation</a:t>
+            </a:r>
+          </a:p>
+          <a:p>
+            <a:pPr lvl="1"/>
+            <a:r>
+              <a:rPr lang="de-DE" dirty="0" smtClean="0"/>
+              <a:t>Tests selbst sehr fehleranfällig</a:t>
+            </a:r>
+          </a:p>
+          <a:p>
+            <a:pPr lvl="1"/>
+            <a:r>
+              <a:rPr lang="de-DE" dirty="0" err="1" smtClean="0"/>
+              <a:t>Activator</a:t>
+            </a:r>
+            <a:r>
+              <a:rPr lang="de-DE" dirty="0" smtClean="0"/>
+              <a:t>-</a:t>
+            </a:r>
+            <a:r>
+              <a:rPr lang="de-DE" dirty="0" err="1" smtClean="0"/>
+              <a:t>JUnit</a:t>
+            </a:r>
+            <a:r>
+              <a:rPr lang="de-DE" dirty="0" smtClean="0"/>
+              <a:t>-Tests instabil</a:t>
+            </a:r>
+          </a:p>
+        </p:txBody>
+      </p:sp>
+    </p:spTree>
+    <p:extLst>
+      <p:ext uri="{BB962C8B-B14F-4D97-AF65-F5344CB8AC3E}">
+        <p14:creationId xmlns:p14="http://schemas.microsoft.com/office/powerpoint/2010/main" val="3403748733"/>
+      </p:ext>
+    </p:extLst>
+  </p:cSld>
+  <p:clrMapOvr>
+    <a:masterClrMapping/>
+  </p:clrMapOvr>
+</p:sld>
+</file>
+
+<file path=ppt/slides/slide15.xml><?xml version="1.0" encoding="utf-8"?>
+<p:sld xmlns:a="http://schemas.openxmlformats.org/drawingml/2006/main" xmlns:r="http://schemas.openxmlformats.org/officeDocument/2006/relationships" xmlns:p="http://schemas.openxmlformats.org/presentationml/2006/main">
+  <p:cSld>
+    <p:spTree>
+      <p:nvGrpSpPr>
+        <p:cNvPr id="1" name=""/>
+        <p:cNvGrpSpPr/>
+        <p:nvPr/>
+      </p:nvGrpSpPr>
+      <p:grpSpPr>
+        <a:xfrm>
+          <a:off x="0" y="0"/>
+          <a:ext cx="0" cy="0"/>
+          <a:chOff x="0" y="0"/>
+          <a:chExt cx="0" cy="0"/>
+        </a:xfrm>
+      </p:grpSpPr>
+      <p:sp>
+        <p:nvSpPr>
+          <p:cNvPr id="2" name="Title 1"/>
+          <p:cNvSpPr>
+            <a:spLocks noGrp="1"/>
+          </p:cNvSpPr>
+          <p:nvPr>
+            <p:ph type="title"/>
+          </p:nvPr>
+        </p:nvSpPr>
+        <p:spPr/>
+        <p:txBody>
+          <a:bodyPr/>
+          <a:lstStyle/>
+          <a:p>
+            <a:r>
+              <a:rPr lang="de-DE" dirty="0" smtClean="0"/>
               <a:t>Reflexion - Frameworks</a:t>
             </a:r>
             <a:endParaRPr lang="de-DE" dirty="0"/>
@@ -7471,7 +7669,7 @@
 </p:sld>
 </file>
 
-<file path=ppt/slides/slide14.xml><?xml version="1.0" encoding="utf-8"?>
+<file path=ppt/slides/slide16.xml><?xml version="1.0" encoding="utf-8"?>
 <p:sld xmlns:a="http://schemas.openxmlformats.org/drawingml/2006/main" xmlns:r="http://schemas.openxmlformats.org/officeDocument/2006/relationships" xmlns:p="http://schemas.openxmlformats.org/presentationml/2006/main">
   <p:cSld>
     <p:spTree>
@@ -7639,7 +7837,7 @@
           <a:p>
             <a:r>
               <a:rPr lang="de-DE" dirty="0" smtClean="0"/>
-              <a:t>Inhaltsverzeichnis</a:t>
+              <a:t>Inhaltsverzeichnis – TODO Umformulieren</a:t>
             </a:r>
             <a:endParaRPr lang="en-GB" dirty="0"/>
           </a:p>
@@ -7663,7 +7861,7 @@
         </p:spPr>
         <p:txBody>
           <a:bodyPr>
-            <a:normAutofit lnSpcReduction="10000"/>
+            <a:normAutofit fontScale="92500" lnSpcReduction="20000"/>
           </a:bodyPr>
           <a:lstStyle/>
           <a:p>
@@ -7759,7 +7957,42 @@
               <a:rPr lang="en-GB" dirty="0" err="1" smtClean="0"/>
               <a:t>Bewertung</a:t>
             </a:r>
-            <a:endParaRPr lang="en-GB" dirty="0" smtClean="0"/>
+            <a:r>
+              <a:rPr lang="en-GB" dirty="0" smtClean="0"/>
+              <a:t> - @Alex: </a:t>
+            </a:r>
+            <a:r>
+              <a:rPr lang="en-GB" dirty="0" err="1" smtClean="0"/>
+              <a:t>Willst</a:t>
+            </a:r>
+            <a:r>
+              <a:rPr lang="en-GB" dirty="0" smtClean="0"/>
+              <a:t> du was </a:t>
+            </a:r>
+            <a:r>
+              <a:rPr lang="en-GB" dirty="0" err="1" smtClean="0"/>
+              <a:t>hinzuzufügen</a:t>
+            </a:r>
+            <a:r>
+              <a:rPr lang="en-GB" dirty="0" smtClean="0"/>
+              <a:t>/</a:t>
+            </a:r>
+            <a:r>
+              <a:rPr lang="en-GB" dirty="0" err="1" smtClean="0"/>
+              <a:t>widersprechen</a:t>
+            </a:r>
+            <a:r>
+              <a:rPr lang="en-GB" dirty="0" smtClean="0"/>
+              <a:t>/</a:t>
+            </a:r>
+            <a:r>
+              <a:rPr lang="en-GB" dirty="0" err="1" smtClean="0"/>
+              <a:t>ändern</a:t>
+            </a:r>
+            <a:r>
+              <a:rPr lang="en-GB" dirty="0" smtClean="0"/>
+              <a:t>?</a:t>
+            </a:r>
           </a:p>
         </p:txBody>
       </p:sp>
@@ -7957,6 +8190,82 @@
 </file>
 
 <file path=ppt/slides/slide4.xml><?xml version="1.0" encoding="utf-8"?>
+<p:sld xmlns:a="http://schemas.openxmlformats.org/drawingml/2006/main" xmlns:r="http://schemas.openxmlformats.org/officeDocument/2006/relationships" xmlns:p="http://schemas.openxmlformats.org/presentationml/2006/main">
+  <p:cSld>
+    <p:spTree>
+      <p:nvGrpSpPr>
+        <p:cNvPr id="1" name=""/>
+        <p:cNvGrpSpPr/>
+        <p:nvPr/>
+      </p:nvGrpSpPr>
+      <p:grpSpPr>
+        <a:xfrm>
+          <a:off x="0" y="0"/>
+          <a:ext cx="0" cy="0"/>
+          <a:chOff x="0" y="0"/>
+          <a:chExt cx="0" cy="0"/>
+        </a:xfrm>
+      </p:grpSpPr>
+      <p:sp>
+        <p:nvSpPr>
+          <p:cNvPr id="2" name="Title 1"/>
+          <p:cNvSpPr>
+            <a:spLocks noGrp="1"/>
+          </p:cNvSpPr>
+          <p:nvPr>
+            <p:ph type="title"/>
+          </p:nvPr>
+        </p:nvSpPr>
+        <p:spPr/>
+        <p:txBody>
+          <a:bodyPr/>
+          <a:lstStyle/>
+          <a:p>
+            <a:r>
+              <a:rPr lang="de-DE" dirty="0" smtClean="0"/>
+              <a:t>Architektur - Überblick</a:t>
+            </a:r>
+            <a:endParaRPr lang="de-DE" dirty="0"/>
+          </a:p>
+        </p:txBody>
+      </p:sp>
+      <p:sp>
+        <p:nvSpPr>
+          <p:cNvPr id="3" name="Content Placeholder 2"/>
+          <p:cNvSpPr>
+            <a:spLocks noGrp="1"/>
+          </p:cNvSpPr>
+          <p:nvPr>
+            <p:ph idx="1"/>
+          </p:nvPr>
+        </p:nvSpPr>
+        <p:spPr/>
+        <p:txBody>
+          <a:bodyPr/>
+          <a:lstStyle/>
+          <a:p>
+            <a:r>
+              <a:rPr lang="de-DE" dirty="0" smtClean="0"/>
+              <a:t>TODO Alex</a:t>
+            </a:r>
+            <a:endParaRPr lang="de-DE" dirty="0"/>
+          </a:p>
+        </p:txBody>
+      </p:sp>
+    </p:spTree>
+    <p:extLst>
+      <p:ext uri="{BB962C8B-B14F-4D97-AF65-F5344CB8AC3E}">
+        <p14:creationId xmlns:p14="http://schemas.microsoft.com/office/powerpoint/2010/main" val="1000747920"/>
+      </p:ext>
+    </p:extLst>
+  </p:cSld>
+  <p:clrMapOvr>
+    <a:masterClrMapping/>
+  </p:clrMapOvr>
+</p:sld>
+</file>
+
+<file path=ppt/slides/slide5.xml><?xml version="1.0" encoding="utf-8"?>
 <p:sld xmlns:a="http://schemas.openxmlformats.org/drawingml/2006/main" xmlns:r="http://schemas.openxmlformats.org/officeDocument/2006/relationships" xmlns:p="http://schemas.openxmlformats.org/presentationml/2006/main">
   <p:cSld>
     <p:spTree>
@@ -8048,304 +8357,6 @@
 </p:sld>
 </file>
 
-<file path=ppt/slides/slide5.xml><?xml version="1.0" encoding="utf-8"?>
-<p:sld xmlns:a="http://schemas.openxmlformats.org/drawingml/2006/main" xmlns:r="http://schemas.openxmlformats.org/officeDocument/2006/relationships" xmlns:p="http://schemas.openxmlformats.org/presentationml/2006/main">
-  <p:cSld>
-    <p:spTree>
-      <p:nvGrpSpPr>
-        <p:cNvPr id="1" name=""/>
-        <p:cNvGrpSpPr/>
-        <p:nvPr/>
-      </p:nvGrpSpPr>
-      <p:grpSpPr>
-        <a:xfrm>
-          <a:off x="0" y="0"/>
-          <a:ext cx="0" cy="0"/>
-          <a:chOff x="0" y="0"/>
-          <a:chExt cx="0" cy="0"/>
-        </a:xfrm>
-      </p:grpSpPr>
-      <p:sp>
-        <p:nvSpPr>
-          <p:cNvPr id="2" name="Title 1"/>
-          <p:cNvSpPr>
-            <a:spLocks noGrp="1"/>
-          </p:cNvSpPr>
-          <p:nvPr>
-            <p:ph type="title"/>
-          </p:nvPr>
-        </p:nvSpPr>
-        <p:spPr/>
-        <p:txBody>
-          <a:bodyPr/>
-          <a:lstStyle/>
-          <a:p>
-            <a:r>
-              <a:rPr lang="de-DE" dirty="0" smtClean="0"/>
-              <a:t>DB</a:t>
-            </a:r>
-            <a:endParaRPr lang="de-DE" dirty="0"/>
-          </a:p>
-        </p:txBody>
-      </p:sp>
-      <p:sp>
-        <p:nvSpPr>
-          <p:cNvPr id="3" name="Content Placeholder 2"/>
-          <p:cNvSpPr>
-            <a:spLocks noGrp="1"/>
-          </p:cNvSpPr>
-          <p:nvPr>
-            <p:ph idx="1"/>
-          </p:nvPr>
-        </p:nvSpPr>
-        <p:spPr/>
-        <p:txBody>
-          <a:bodyPr>
-            <a:normAutofit lnSpcReduction="10000"/>
-          </a:bodyPr>
-          <a:lstStyle/>
-          <a:p>
-            <a:r>
-              <a:rPr lang="de-DE" dirty="0" err="1"/>
-              <a:t>WriteConcern</a:t>
-            </a:r>
-            <a:endParaRPr lang="de-DE" dirty="0"/>
-          </a:p>
-          <a:p>
-            <a:pPr lvl="1"/>
-            <a:r>
-              <a:rPr lang="de-DE" dirty="0" err="1"/>
-              <a:t>Unacknowledged</a:t>
-            </a:r>
-            <a:r>
-              <a:rPr lang="de-DE" dirty="0"/>
-              <a:t>: DB hat Request empfangen</a:t>
-            </a:r>
-          </a:p>
-          <a:p>
-            <a:pPr lvl="1"/>
-            <a:r>
-              <a:rPr lang="de-DE" dirty="0" err="1"/>
-              <a:t>Acknowledged</a:t>
-            </a:r>
-            <a:r>
-              <a:rPr lang="de-DE" dirty="0"/>
-              <a:t>(Default): DB konnte Request anwenden (im Arbeitsspeicher)</a:t>
-            </a:r>
-          </a:p>
-          <a:p>
-            <a:pPr lvl="1"/>
-            <a:r>
-              <a:rPr lang="de-DE" dirty="0" err="1"/>
-              <a:t>Journaled</a:t>
-            </a:r>
-            <a:r>
-              <a:rPr lang="de-DE" dirty="0"/>
-              <a:t>: Änderungen sind im Journal (nach Ausfall wiederherstellbar</a:t>
-            </a:r>
-            <a:r>
-              <a:rPr lang="de-DE" dirty="0" smtClean="0"/>
-              <a:t>)</a:t>
-            </a:r>
-          </a:p>
-          <a:p>
-            <a:r>
-              <a:rPr lang="de-DE" dirty="0" smtClean="0"/>
-              <a:t>User: {_</a:t>
-            </a:r>
-            <a:r>
-              <a:rPr lang="de-DE" dirty="0" err="1" smtClean="0"/>
-              <a:t>id</a:t>
-            </a:r>
-            <a:r>
-              <a:rPr lang="de-DE" dirty="0" smtClean="0"/>
-              <a:t>, </a:t>
-            </a:r>
-            <a:r>
-              <a:rPr lang="de-DE" dirty="0" err="1" smtClean="0"/>
-              <a:t>name</a:t>
-            </a:r>
-            <a:r>
-              <a:rPr lang="de-DE" dirty="0" smtClean="0"/>
-              <a:t>, </a:t>
-            </a:r>
-            <a:r>
-              <a:rPr lang="de-DE" dirty="0" err="1" smtClean="0"/>
-              <a:t>password</a:t>
-            </a:r>
-            <a:r>
-              <a:rPr lang="de-DE" dirty="0" smtClean="0"/>
-              <a:t>}, </a:t>
-            </a:r>
-            <a:r>
-              <a:rPr lang="de-DE" dirty="0" err="1" smtClean="0"/>
-              <a:t>Journaled</a:t>
-            </a:r>
-            <a:endParaRPr lang="de-DE" dirty="0" smtClean="0"/>
-          </a:p>
-          <a:p>
-            <a:r>
-              <a:rPr lang="de-DE" dirty="0" smtClean="0"/>
-              <a:t>Testplan: {_</a:t>
-            </a:r>
-            <a:r>
-              <a:rPr lang="de-DE" dirty="0" err="1" smtClean="0"/>
-              <a:t>id</a:t>
-            </a:r>
-            <a:r>
-              <a:rPr lang="de-DE" dirty="0" smtClean="0"/>
-              <a:t>, </a:t>
-            </a:r>
-            <a:r>
-              <a:rPr lang="de-DE" dirty="0" err="1" smtClean="0"/>
-              <a:t>user</a:t>
-            </a:r>
-            <a:r>
-              <a:rPr lang="de-DE" dirty="0" smtClean="0"/>
-              <a:t>, </a:t>
-            </a:r>
-            <a:r>
-              <a:rPr lang="de-DE" dirty="0" err="1" smtClean="0"/>
-              <a:t>path</a:t>
-            </a:r>
-            <a:r>
-              <a:rPr lang="de-DE" dirty="0" smtClean="0"/>
-              <a:t>, </a:t>
-            </a:r>
-            <a:r>
-              <a:rPr lang="de-DE" dirty="0" err="1" smtClean="0"/>
-              <a:t>connectionType</a:t>
-            </a:r>
-            <a:r>
-              <a:rPr lang="de-DE" dirty="0" smtClean="0"/>
-              <a:t>, </a:t>
-            </a:r>
-            <a:r>
-              <a:rPr lang="de-DE" dirty="0" err="1" smtClean="0"/>
-              <a:t>wait</a:t>
-            </a:r>
-            <a:r>
-              <a:rPr lang="de-DE" dirty="0" smtClean="0"/>
-              <a:t>, </a:t>
-            </a:r>
-            <a:r>
-              <a:rPr lang="de-DE" dirty="0" err="1" smtClean="0"/>
-              <a:t>parallelity</a:t>
-            </a:r>
-            <a:r>
-              <a:rPr lang="de-DE" dirty="0" smtClean="0"/>
-              <a:t>, </a:t>
-            </a:r>
-            <a:r>
-              <a:rPr lang="de-DE" dirty="0" err="1" smtClean="0"/>
-              <a:t>numRuns</a:t>
-            </a:r>
-            <a:r>
-              <a:rPr lang="de-DE" dirty="0" smtClean="0"/>
-              <a:t>}, </a:t>
-            </a:r>
-            <a:r>
-              <a:rPr lang="de-DE" dirty="0" err="1" smtClean="0"/>
-              <a:t>Journaled</a:t>
-            </a:r>
-            <a:endParaRPr lang="de-DE" dirty="0" smtClean="0"/>
-          </a:p>
-          <a:p>
-            <a:r>
-              <a:rPr lang="de-DE" dirty="0" err="1" smtClean="0"/>
-              <a:t>Testrun</a:t>
-            </a:r>
-            <a:r>
-              <a:rPr lang="de-DE" dirty="0" smtClean="0"/>
-              <a:t>: {_</a:t>
-            </a:r>
-            <a:r>
-              <a:rPr lang="de-DE" dirty="0" err="1" smtClean="0"/>
-              <a:t>id</a:t>
-            </a:r>
-            <a:r>
-              <a:rPr lang="de-DE" dirty="0" smtClean="0"/>
-              <a:t>, </a:t>
-            </a:r>
-            <a:r>
-              <a:rPr lang="de-DE" dirty="0" err="1" smtClean="0"/>
-              <a:t>testplan</a:t>
-            </a:r>
-            <a:r>
-              <a:rPr lang="de-DE" dirty="0" smtClean="0"/>
-              <a:t>, [</a:t>
-            </a:r>
-            <a:r>
-              <a:rPr lang="de-DE" dirty="0" err="1" smtClean="0"/>
-              <a:t>raws</a:t>
-            </a:r>
-            <a:r>
-              <a:rPr lang="de-DE" dirty="0" smtClean="0"/>
-              <a:t>]}, </a:t>
-            </a:r>
-            <a:r>
-              <a:rPr lang="de-DE" dirty="0" err="1" smtClean="0"/>
-              <a:t>Acknowledged</a:t>
-            </a:r>
-            <a:endParaRPr lang="de-DE" dirty="0" smtClean="0"/>
-          </a:p>
-          <a:p>
-            <a:r>
-              <a:rPr lang="de-DE" dirty="0" err="1" smtClean="0"/>
-              <a:t>raw</a:t>
-            </a:r>
-            <a:r>
-              <a:rPr lang="de-DE" dirty="0" smtClean="0"/>
-              <a:t>: </a:t>
-            </a:r>
-            <a:r>
-              <a:rPr lang="de-DE" dirty="0" err="1" smtClean="0"/>
-              <a:t>testrun.raws.push</a:t>
-            </a:r>
-            <a:r>
-              <a:rPr lang="de-DE" dirty="0" smtClean="0"/>
-              <a:t>({</a:t>
-            </a:r>
-            <a:r>
-              <a:rPr lang="de-DE" dirty="0" err="1" smtClean="0"/>
-              <a:t>start</a:t>
-            </a:r>
-            <a:r>
-              <a:rPr lang="de-DE" dirty="0" smtClean="0"/>
-              <a:t>, end, </a:t>
-            </a:r>
-            <a:r>
-              <a:rPr lang="de-DE" dirty="0" err="1" smtClean="0"/>
-              <a:t>iter</a:t>
-            </a:r>
-            <a:r>
-              <a:rPr lang="de-DE" dirty="0" smtClean="0"/>
-              <a:t>}), </a:t>
-            </a:r>
-            <a:r>
-              <a:rPr lang="de-DE" dirty="0" err="1" smtClean="0"/>
-              <a:t>Unacknowledged</a:t>
-            </a:r>
-            <a:r>
-              <a:rPr lang="de-DE" dirty="0" smtClean="0"/>
-              <a:t> </a:t>
-            </a:r>
-          </a:p>
-        </p:txBody>
-      </p:sp>
-    </p:spTree>
-    <p:extLst>
-      <p:ext uri="{BB962C8B-B14F-4D97-AF65-F5344CB8AC3E}">
-        <p14:creationId xmlns:p14="http://schemas.microsoft.com/office/powerpoint/2010/main" val="1904809551"/>
-      </p:ext>
-    </p:extLst>
-  </p:cSld>
-  <p:clrMapOvr>
-    <a:masterClrMapping/>
-  </p:clrMapOvr>
-</p:sld>
-</file>
-
 <file path=ppt/slides/slide6.xml><?xml version="1.0" encoding="utf-8"?>
 <p:sld xmlns:a="http://schemas.openxmlformats.org/drawingml/2006/main" xmlns:r="http://schemas.openxmlformats.org/officeDocument/2006/relationships" xmlns:p="http://schemas.openxmlformats.org/presentationml/2006/main">
   <p:cSld>
@@ -8380,39 +8391,261 @@
           <a:p>
             <a:r>
               <a:rPr lang="de-DE" dirty="0" smtClean="0"/>
-              <a:t>Futures &amp; </a:t>
+              <a:t>DB</a:t>
+            </a:r>
+            <a:endParaRPr lang="de-DE" dirty="0"/>
+          </a:p>
+        </p:txBody>
+      </p:sp>
+      <p:sp>
+        <p:nvSpPr>
+          <p:cNvPr id="3" name="Content Placeholder 2"/>
+          <p:cNvSpPr>
+            <a:spLocks noGrp="1"/>
+          </p:cNvSpPr>
+          <p:nvPr>
+            <p:ph idx="1"/>
+          </p:nvPr>
+        </p:nvSpPr>
+        <p:spPr/>
+        <p:txBody>
+          <a:bodyPr>
+            <a:normAutofit lnSpcReduction="10000"/>
+          </a:bodyPr>
+          <a:lstStyle/>
+          <a:p>
+            <a:r>
+              <a:rPr lang="de-DE" dirty="0" err="1"/>
+              <a:t>WriteConcern</a:t>
+            </a:r>
+            <a:endParaRPr lang="de-DE" dirty="0"/>
+          </a:p>
+          <a:p>
+            <a:pPr lvl="1"/>
+            <a:r>
+              <a:rPr lang="de-DE" dirty="0" err="1"/>
+              <a:t>Unacknowledged</a:t>
+            </a:r>
+            <a:r>
+              <a:rPr lang="de-DE" dirty="0"/>
+              <a:t>: DB hat Request empfangen</a:t>
+            </a:r>
+          </a:p>
+          <a:p>
+            <a:pPr lvl="1"/>
+            <a:r>
+              <a:rPr lang="de-DE" dirty="0" err="1"/>
+              <a:t>Acknowledged</a:t>
+            </a:r>
+            <a:r>
+              <a:rPr lang="de-DE" dirty="0"/>
+              <a:t>(Default): DB konnte Request anwenden (im Arbeitsspeicher)</a:t>
+            </a:r>
+          </a:p>
+          <a:p>
+            <a:pPr lvl="1"/>
+            <a:r>
+              <a:rPr lang="de-DE" dirty="0" err="1"/>
+              <a:t>Journaled</a:t>
+            </a:r>
+            <a:r>
+              <a:rPr lang="de-DE" dirty="0"/>
+              <a:t>: Änderungen sind im Journal (nach Ausfall wiederherstellbar</a:t>
+            </a:r>
+            <a:r>
+              <a:rPr lang="de-DE" dirty="0" smtClean="0"/>
+              <a:t>)</a:t>
+            </a:r>
+          </a:p>
+          <a:p>
+            <a:r>
+              <a:rPr lang="de-DE" dirty="0" smtClean="0"/>
+              <a:t>User: {_</a:t>
             </a:r>
             <a:r>
               <a:rPr lang="de-DE" dirty="0" err="1" smtClean="0"/>
-              <a:t>Promises</a:t>
-            </a:r>
-            <a:endParaRPr lang="de-DE" dirty="0"/>
-          </a:p>
-        </p:txBody>
-      </p:sp>
-      <p:sp>
-        <p:nvSpPr>
-          <p:cNvPr id="3" name="Content Placeholder 2"/>
-          <p:cNvSpPr>
-            <a:spLocks noGrp="1"/>
-          </p:cNvSpPr>
-          <p:nvPr>
-            <p:ph idx="1"/>
-          </p:nvPr>
-        </p:nvSpPr>
-        <p:spPr/>
-        <p:txBody>
-          <a:bodyPr/>
-          <a:lstStyle/>
-          <a:p>
-            <a:endParaRPr lang="de-DE" dirty="0"/>
+              <a:t>id</a:t>
+            </a:r>
+            <a:r>
+              <a:rPr lang="de-DE" dirty="0" smtClean="0"/>
+              <a:t>, </a:t>
+            </a:r>
+            <a:r>
+              <a:rPr lang="de-DE" dirty="0" err="1" smtClean="0"/>
+              <a:t>name</a:t>
+            </a:r>
+            <a:r>
+              <a:rPr lang="de-DE" dirty="0" smtClean="0"/>
+              <a:t>, </a:t>
+            </a:r>
+            <a:r>
+              <a:rPr lang="de-DE" dirty="0" err="1" smtClean="0"/>
+              <a:t>password</a:t>
+            </a:r>
+            <a:r>
+              <a:rPr lang="de-DE" dirty="0" smtClean="0"/>
+              <a:t>}, </a:t>
+            </a:r>
+            <a:r>
+              <a:rPr lang="de-DE" dirty="0" err="1" smtClean="0"/>
+              <a:t>Journaled</a:t>
+            </a:r>
+            <a:endParaRPr lang="de-DE" dirty="0" smtClean="0"/>
+          </a:p>
+          <a:p>
+            <a:r>
+              <a:rPr lang="de-DE" dirty="0" smtClean="0"/>
+              <a:t>Testplan: {_</a:t>
+            </a:r>
+            <a:r>
+              <a:rPr lang="de-DE" dirty="0" err="1" smtClean="0"/>
+              <a:t>id</a:t>
+            </a:r>
+            <a:r>
+              <a:rPr lang="de-DE" dirty="0" smtClean="0"/>
+              <a:t>, </a:t>
+            </a:r>
+            <a:r>
+              <a:rPr lang="de-DE" dirty="0" err="1" smtClean="0"/>
+              <a:t>user</a:t>
+            </a:r>
+            <a:r>
+              <a:rPr lang="de-DE" dirty="0" smtClean="0"/>
+              <a:t>, </a:t>
+            </a:r>
+            <a:r>
+              <a:rPr lang="de-DE" dirty="0" err="1" smtClean="0"/>
+              <a:t>path</a:t>
+            </a:r>
+            <a:r>
+              <a:rPr lang="de-DE" dirty="0" smtClean="0"/>
+              <a:t>, </a:t>
+            </a:r>
+            <a:r>
+              <a:rPr lang="de-DE" dirty="0" err="1" smtClean="0"/>
+              <a:t>connectionType</a:t>
+            </a:r>
+            <a:r>
+              <a:rPr lang="de-DE" dirty="0" smtClean="0"/>
+              <a:t>, </a:t>
+            </a:r>
+            <a:r>
+              <a:rPr lang="de-DE" dirty="0" err="1" smtClean="0"/>
+              <a:t>wait</a:t>
+            </a:r>
+            <a:r>
+              <a:rPr lang="de-DE" dirty="0" smtClean="0"/>
+              <a:t>, </a:t>
+            </a:r>
+            <a:r>
+              <a:rPr lang="de-DE" dirty="0" err="1" smtClean="0"/>
+              <a:t>parallelity</a:t>
+            </a:r>
+            <a:r>
+              <a:rPr lang="de-DE" dirty="0" smtClean="0"/>
+              <a:t>, </a:t>
+            </a:r>
+            <a:r>
+              <a:rPr lang="de-DE" dirty="0" err="1" smtClean="0"/>
+              <a:t>numRuns</a:t>
+            </a:r>
+            <a:r>
+              <a:rPr lang="de-DE" dirty="0" smtClean="0"/>
+              <a:t>}, </a:t>
+            </a:r>
+            <a:r>
+              <a:rPr lang="de-DE" dirty="0" err="1" smtClean="0"/>
+              <a:t>Journaled</a:t>
+            </a:r>
+            <a:endParaRPr lang="de-DE" dirty="0" smtClean="0"/>
+          </a:p>
+          <a:p>
+            <a:r>
+              <a:rPr lang="de-DE" dirty="0" err="1" smtClean="0"/>
+              <a:t>Testrun</a:t>
+            </a:r>
+            <a:r>
+              <a:rPr lang="de-DE" dirty="0" smtClean="0"/>
+              <a:t>: {_</a:t>
+            </a:r>
+            <a:r>
+              <a:rPr lang="de-DE" dirty="0" err="1" smtClean="0"/>
+              <a:t>id</a:t>
+            </a:r>
+            <a:r>
+              <a:rPr lang="de-DE" dirty="0" smtClean="0"/>
+              <a:t>, </a:t>
+            </a:r>
+            <a:r>
+              <a:rPr lang="de-DE" dirty="0" err="1" smtClean="0"/>
+              <a:t>testplan</a:t>
+            </a:r>
+            <a:r>
+              <a:rPr lang="de-DE" dirty="0" smtClean="0"/>
+              <a:t>, [</a:t>
+            </a:r>
+            <a:r>
+              <a:rPr lang="de-DE" dirty="0" err="1" smtClean="0"/>
+              <a:t>raws</a:t>
+            </a:r>
+            <a:r>
+              <a:rPr lang="de-DE" dirty="0" smtClean="0"/>
+              <a:t>]}, </a:t>
+            </a:r>
+            <a:r>
+              <a:rPr lang="de-DE" dirty="0" err="1" smtClean="0"/>
+              <a:t>Acknowledged</a:t>
+            </a:r>
+            <a:endParaRPr lang="de-DE" dirty="0" smtClean="0"/>
+          </a:p>
+          <a:p>
+            <a:r>
+              <a:rPr lang="de-DE" dirty="0" err="1" smtClean="0"/>
+              <a:t>raw</a:t>
+            </a:r>
+            <a:r>
+              <a:rPr lang="de-DE" dirty="0" smtClean="0"/>
+              <a:t>: </a:t>
+            </a:r>
+            <a:r>
+              <a:rPr lang="de-DE" dirty="0" err="1" smtClean="0"/>
+              <a:t>testrun.raws.push</a:t>
+            </a:r>
+            <a:r>
+              <a:rPr lang="de-DE" dirty="0" smtClean="0"/>
+              <a:t>({</a:t>
+            </a:r>
+            <a:r>
+              <a:rPr lang="de-DE" dirty="0" err="1" smtClean="0"/>
+              <a:t>start</a:t>
+            </a:r>
+            <a:r>
+              <a:rPr lang="de-DE" dirty="0" smtClean="0"/>
+              <a:t>, end, </a:t>
+            </a:r>
+            <a:r>
+              <a:rPr lang="de-DE" dirty="0" err="1" smtClean="0"/>
+              <a:t>iter</a:t>
+            </a:r>
+            <a:r>
+              <a:rPr lang="de-DE" dirty="0" smtClean="0"/>
+              <a:t>}), </a:t>
+            </a:r>
+            <a:r>
+              <a:rPr lang="de-DE" dirty="0" err="1" smtClean="0"/>
+              <a:t>Unacknowledged</a:t>
+            </a:r>
+            <a:r>
+              <a:rPr lang="de-DE" dirty="0" smtClean="0"/>
+              <a:t> </a:t>
+            </a:r>
           </a:p>
         </p:txBody>
       </p:sp>
     </p:spTree>
     <p:extLst>
       <p:ext uri="{BB962C8B-B14F-4D97-AF65-F5344CB8AC3E}">
-        <p14:creationId xmlns:p14="http://schemas.microsoft.com/office/powerpoint/2010/main" val="2101965836"/>
+        <p14:creationId xmlns:p14="http://schemas.microsoft.com/office/powerpoint/2010/main" val="1904809551"/>
       </p:ext>
     </p:extLst>
   </p:cSld>
@@ -8441,7 +8674,7 @@
       </p:grpSpPr>
       <p:sp>
         <p:nvSpPr>
-          <p:cNvPr id="2" name="Titel 1"/>
+          <p:cNvPr id="2" name="Title 1"/>
           <p:cNvSpPr>
             <a:spLocks noGrp="1"/>
           </p:cNvSpPr>
@@ -8456,7 +8689,11 @@
           <a:p>
             <a:r>
               <a:rPr lang="de-DE" dirty="0" smtClean="0"/>
-              <a:t>User Interface</a:t>
+              <a:t>Futures &amp; </a:t>
+            </a:r>
+            <a:r>
+              <a:rPr lang="de-DE" dirty="0" err="1" smtClean="0"/>
+              <a:t>Promises</a:t>
             </a:r>
             <a:endParaRPr lang="de-DE" dirty="0"/>
           </a:p>
@@ -8464,7 +8701,7 @@
       </p:sp>
       <p:sp>
         <p:nvSpPr>
-          <p:cNvPr id="3" name="Inhaltsplatzhalter 2"/>
+          <p:cNvPr id="3" name="Content Placeholder 2"/>
           <p:cNvSpPr>
             <a:spLocks noGrp="1"/>
           </p:cNvSpPr>
@@ -8472,57 +8709,14 @@
             <p:ph idx="1"/>
           </p:nvPr>
         </p:nvSpPr>
-        <p:spPr>
-          <a:xfrm>
-            <a:off x="2269672" y="2172729"/>
-            <a:ext cx="9233352" cy="4027715"/>
-          </a:xfrm>
-        </p:spPr>
+        <p:spPr/>
         <p:txBody>
           <a:bodyPr/>
           <a:lstStyle/>
           <a:p>
             <a:r>
-              <a:rPr lang="de-DE" dirty="0" err="1" smtClean="0"/>
-              <a:t>One</a:t>
-            </a:r>
-            <a:r>
-              <a:rPr lang="de-DE" dirty="0" smtClean="0"/>
-              <a:t>-Pager</a:t>
-            </a:r>
-          </a:p>
-          <a:p>
-            <a:r>
-              <a:rPr lang="de-DE" dirty="0" smtClean="0"/>
-              <a:t>Websocket Verbindung zum Aktor „UI-Instance“ über eingebettetes JavaScript</a:t>
-            </a:r>
-          </a:p>
-          <a:p>
-            <a:r>
-              <a:rPr lang="de-DE" dirty="0" smtClean="0"/>
-              <a:t>Aktualisiert Inhalte „sofort“ auf Server-push über den Websocket ohne Request-Response (Formular Daten, Testplan speichern, </a:t>
-            </a:r>
-            <a:r>
-              <a:rPr lang="de-DE" dirty="0" err="1" smtClean="0"/>
-              <a:t>Testrun</a:t>
-            </a:r>
-            <a:r>
-              <a:rPr lang="de-DE" dirty="0" smtClean="0"/>
-              <a:t> </a:t>
-            </a:r>
-            <a:r>
-              <a:rPr lang="de-DE" dirty="0" smtClean="0">
-                <a:sym typeface="Wingdings" panose="05000000000000000000" pitchFamily="2" charset="2"/>
-              </a:rPr>
-              <a:t> Graph)</a:t>
-            </a:r>
-          </a:p>
-          <a:p>
-            <a:r>
-              <a:rPr lang="de-DE" dirty="0" smtClean="0">
-                <a:sym typeface="Wingdings" panose="05000000000000000000" pitchFamily="2" charset="2"/>
-              </a:rPr>
-              <a:t>D3Js Graph – fügt sofort neue Testergebnisse vom Server als neues DOM-Element in den Graphen ein und passt dynamisch Skalar und Größe der Datenpunkte an</a:t>
+              <a:rPr lang="de-DE" dirty="0" smtClean="0"/>
+              <a:t>TODO Patrick</a:t>
             </a:r>
             <a:endParaRPr lang="de-DE" dirty="0"/>
           </a:p>
@@ -8531,7 +8725,7 @@
     </p:spTree>
     <p:extLst>
       <p:ext uri="{BB962C8B-B14F-4D97-AF65-F5344CB8AC3E}">
-        <p14:creationId xmlns:p14="http://schemas.microsoft.com/office/powerpoint/2010/main" val="2536661829"/>
+        <p14:creationId xmlns:p14="http://schemas.microsoft.com/office/powerpoint/2010/main" val="2101965836"/>
       </p:ext>
     </p:extLst>
   </p:cSld>
@@ -8575,46 +8769,82 @@
           <a:p>
             <a:r>
               <a:rPr lang="de-DE" dirty="0" smtClean="0"/>
-              <a:t>Client: Prozess Testplan anlegen</a:t>
+              <a:t>User Interface</a:t>
             </a:r>
             <a:endParaRPr lang="de-DE" dirty="0"/>
           </a:p>
         </p:txBody>
       </p:sp>
-      <p:pic>
-        <p:nvPicPr>
-          <p:cNvPr id="4" name="Grafik 3"/>
-          <p:cNvPicPr>
-            <a:picLocks noChangeAspect="1"/>
-          </p:cNvPicPr>
-          <p:nvPr/>
-        </p:nvPicPr>
-        <p:blipFill>
-          <a:blip r:embed="rId2">
-            <a:extLst>
-              <a:ext uri="{28A0092B-C50C-407E-A947-70E740481C1C}">
-                <a14:useLocalDpi xmlns:a14="http://schemas.microsoft.com/office/drawing/2010/main" val="0"/>
-              </a:ext>
-            </a:extLst>
-          </a:blip>
-          <a:stretch>
-            <a:fillRect/>
-          </a:stretch>
-        </p:blipFill>
+      <p:sp>
+        <p:nvSpPr>
+          <p:cNvPr id="3" name="Inhaltsplatzhalter 2"/>
+          <p:cNvSpPr>
+            <a:spLocks noGrp="1"/>
+          </p:cNvSpPr>
+          <p:nvPr>
+            <p:ph idx="1"/>
+          </p:nvPr>
+        </p:nvSpPr>
         <p:spPr>
           <a:xfrm>
-            <a:off x="476250" y="2695832"/>
-            <a:ext cx="11239500" cy="3048000"/>
+            <a:off x="2269672" y="2172729"/>
+            <a:ext cx="9233352" cy="4027715"/>
           </a:xfrm>
-          <a:prstGeom prst="rect">
-            <a:avLst/>
-          </a:prstGeom>
         </p:spPr>
-      </p:pic>
+        <p:txBody>
+          <a:bodyPr/>
+          <a:lstStyle/>
+          <a:p>
+            <a:r>
+              <a:rPr lang="de-DE" dirty="0" err="1" smtClean="0"/>
+              <a:t>One</a:t>
+            </a:r>
+            <a:r>
+              <a:rPr lang="de-DE" dirty="0" smtClean="0"/>
+              <a:t>-Pager</a:t>
+            </a:r>
+          </a:p>
+          <a:p>
+            <a:r>
+              <a:rPr lang="de-DE" dirty="0" smtClean="0"/>
+              <a:t>Websocket Verbindung zum Aktor „UI-Instance“ über eingebettetes JavaScript</a:t>
+            </a:r>
+          </a:p>
+          <a:p>
+            <a:r>
+              <a:rPr lang="de-DE" dirty="0" smtClean="0"/>
+              <a:t>Aktualisiert Inhalte „sofort“ auf Server-push über den Websocket ohne Request-Response (Formular Daten, Testplan speichern, </a:t>
+            </a:r>
+            <a:r>
+              <a:rPr lang="de-DE" dirty="0" err="1" smtClean="0"/>
+              <a:t>Testrun</a:t>
+            </a:r>
+            <a:r>
+              <a:rPr lang="de-DE" dirty="0" smtClean="0"/>
+              <a:t> </a:t>
+            </a:r>
+            <a:r>
+              <a:rPr lang="de-DE" dirty="0" smtClean="0">
+                <a:sym typeface="Wingdings" panose="05000000000000000000" pitchFamily="2" charset="2"/>
+              </a:rPr>
+              <a:t> Graph)</a:t>
+            </a:r>
+          </a:p>
+          <a:p>
+            <a:r>
+              <a:rPr lang="de-DE" dirty="0" smtClean="0">
+                <a:sym typeface="Wingdings" panose="05000000000000000000" pitchFamily="2" charset="2"/>
+              </a:rPr>
+              <a:t>D3Js Graph – fügt sofort neue Testergebnisse vom Server als neues DOM-Element in den Graphen ein und passt dynamisch Skalar und Größe der Datenpunkte an</a:t>
+            </a:r>
+            <a:endParaRPr lang="de-DE" dirty="0"/>
+          </a:p>
+        </p:txBody>
+      </p:sp>
     </p:spTree>
     <p:extLst>
       <p:ext uri="{BB962C8B-B14F-4D97-AF65-F5344CB8AC3E}">
-        <p14:creationId xmlns:p14="http://schemas.microsoft.com/office/powerpoint/2010/main" val="290849107"/>
+        <p14:creationId xmlns:p14="http://schemas.microsoft.com/office/powerpoint/2010/main" val="2536661829"/>
       </p:ext>
     </p:extLst>
   </p:cSld>
@@ -8643,7 +8873,7 @@
       </p:grpSpPr>
       <p:sp>
         <p:nvSpPr>
-          <p:cNvPr id="4" name="Titel 1"/>
+          <p:cNvPr id="2" name="Titel 1"/>
           <p:cNvSpPr>
             <a:spLocks noGrp="1"/>
           </p:cNvSpPr>
@@ -8651,19 +8881,14 @@
             <p:ph type="title"/>
           </p:nvPr>
         </p:nvSpPr>
-        <p:spPr>
-          <a:xfrm>
-            <a:off x="1484311" y="685800"/>
-            <a:ext cx="10018713" cy="1752599"/>
-          </a:xfrm>
-        </p:spPr>
+        <p:spPr/>
         <p:txBody>
           <a:bodyPr/>
           <a:lstStyle/>
           <a:p>
             <a:r>
               <a:rPr lang="de-DE" dirty="0" smtClean="0"/>
-              <a:t>Client: Prozess Testplan ausführen</a:t>
+              <a:t>Client: Prozess Testplan anlegen</a:t>
             </a:r>
             <a:endParaRPr lang="de-DE" dirty="0"/>
           </a:p>
@@ -8671,7 +8896,7 @@
       </p:sp>
       <p:pic>
         <p:nvPicPr>
-          <p:cNvPr id="5" name="Grafik 4"/>
+          <p:cNvPr id="4" name="Grafik 3"/>
           <p:cNvPicPr>
             <a:picLocks noChangeAspect="1"/>
           </p:cNvPicPr>
@@ -8679,6 +8904,16 @@
         </p:nvPicPr>
         <p:blipFill>
           <a:blip r:embed="rId2">
+            <a:clrChange>
+              <a:clrFrom>
+                <a:srgbClr val="FFFFFF"/>
+              </a:clrFrom>
+              <a:clrTo>
+                <a:srgbClr val="FFFFFF">
+                  <a:alpha val="0"/>
+                </a:srgbClr>
+              </a:clrTo>
+            </a:clrChange>
             <a:extLst>
               <a:ext uri="{28A0092B-C50C-407E-A947-70E740481C1C}">
                 <a14:useLocalDpi xmlns:a14="http://schemas.microsoft.com/office/drawing/2010/main" val="0"/>
@@ -8691,8 +8926,8 @@
         </p:blipFill>
         <p:spPr>
           <a:xfrm>
-            <a:off x="1484311" y="2679357"/>
-            <a:ext cx="9239250" cy="3048000"/>
+            <a:off x="763799" y="2957383"/>
+            <a:ext cx="11459736" cy="3107725"/>
           </a:xfrm>
           <a:prstGeom prst="rect">
             <a:avLst/>
@@ -8702,7 +8937,7 @@
     </p:spTree>
     <p:extLst>
       <p:ext uri="{BB962C8B-B14F-4D97-AF65-F5344CB8AC3E}">
-        <p14:creationId xmlns:p14="http://schemas.microsoft.com/office/powerpoint/2010/main" val="779776639"/>
+        <p14:creationId xmlns:p14="http://schemas.microsoft.com/office/powerpoint/2010/main" val="290849107"/>
       </p:ext>
     </p:extLst>
   </p:cSld>

--- a/Dokumentation/Präsentation.pptx
+++ b/Dokumentation/Präsentation.pptx
@@ -643,7 +643,7 @@
             <a:fld id="{B61BEF0D-F0BB-DE4B-95CE-6DB70DBA9567}" type="datetimeFigureOut">
               <a:rPr lang="en-US" dirty="0"/>
               <a:pPr/>
-              <a:t>6/22/2015</a:t>
+              <a:t>6/24/2015</a:t>
             </a:fld>
             <a:endParaRPr lang="en-US" dirty="0"/>
           </a:p>
@@ -691,7 +691,7 @@
             <a:fld id="{D57F1E4F-1CFF-5643-939E-217C01CDF565}" type="slidenum">
               <a:rPr lang="en-US" dirty="0"/>
               <a:pPr/>
-              <a:t>‹#›</a:t>
+              <a:t>‹Nr.›</a:t>
             </a:fld>
             <a:endParaRPr lang="en-US" dirty="0"/>
           </a:p>
@@ -973,7 +973,7 @@
             <a:fld id="{B61BEF0D-F0BB-DE4B-95CE-6DB70DBA9567}" type="datetimeFigureOut">
               <a:rPr lang="en-US" dirty="0"/>
               <a:pPr/>
-              <a:t>6/22/2015</a:t>
+              <a:t>6/24/2015</a:t>
             </a:fld>
             <a:endParaRPr lang="en-US" dirty="0"/>
           </a:p>
@@ -1016,7 +1016,7 @@
             <a:fld id="{D57F1E4F-1CFF-5643-939E-217C01CDF565}" type="slidenum">
               <a:rPr lang="en-US" dirty="0"/>
               <a:pPr/>
-              <a:t>‹#›</a:t>
+              <a:t>‹Nr.›</a:t>
             </a:fld>
             <a:endParaRPr lang="en-US" dirty="0"/>
           </a:p>
@@ -1255,7 +1255,7 @@
             <a:fld id="{B61BEF0D-F0BB-DE4B-95CE-6DB70DBA9567}" type="datetimeFigureOut">
               <a:rPr lang="en-US" dirty="0"/>
               <a:pPr/>
-              <a:t>6/22/2015</a:t>
+              <a:t>6/24/2015</a:t>
             </a:fld>
             <a:endParaRPr lang="en-US" dirty="0"/>
           </a:p>
@@ -1298,7 +1298,7 @@
             <a:fld id="{D57F1E4F-1CFF-5643-939E-217C01CDF565}" type="slidenum">
               <a:rPr lang="en-US" dirty="0"/>
               <a:pPr/>
-              <a:t>‹#›</a:t>
+              <a:t>‹Nr.›</a:t>
             </a:fld>
             <a:endParaRPr lang="en-US" dirty="0"/>
           </a:p>
@@ -1829,7 +1829,7 @@
             <a:fld id="{B61BEF0D-F0BB-DE4B-95CE-6DB70DBA9567}" type="datetimeFigureOut">
               <a:rPr lang="en-US" dirty="0"/>
               <a:pPr/>
-              <a:t>6/22/2015</a:t>
+              <a:t>6/24/2015</a:t>
             </a:fld>
             <a:endParaRPr lang="en-US" dirty="0"/>
           </a:p>
@@ -1872,7 +1872,7 @@
             <a:fld id="{D57F1E4F-1CFF-5643-939E-217C01CDF565}" type="slidenum">
               <a:rPr lang="en-US" dirty="0"/>
               <a:pPr/>
-              <a:t>‹#›</a:t>
+              <a:t>‹Nr.›</a:t>
             </a:fld>
             <a:endParaRPr lang="en-US" dirty="0"/>
           </a:p>
@@ -2111,7 +2111,7 @@
             <a:fld id="{B61BEF0D-F0BB-DE4B-95CE-6DB70DBA9567}" type="datetimeFigureOut">
               <a:rPr lang="en-US" dirty="0"/>
               <a:pPr/>
-              <a:t>6/22/2015</a:t>
+              <a:t>6/24/2015</a:t>
             </a:fld>
             <a:endParaRPr lang="en-US" dirty="0"/>
           </a:p>
@@ -2154,7 +2154,7 @@
             <a:fld id="{D57F1E4F-1CFF-5643-939E-217C01CDF565}" type="slidenum">
               <a:rPr lang="en-US" dirty="0"/>
               <a:pPr/>
-              <a:t>‹#›</a:t>
+              <a:t>‹Nr.›</a:t>
             </a:fld>
             <a:endParaRPr lang="en-US" dirty="0"/>
           </a:p>
@@ -2677,7 +2677,7 @@
             <a:fld id="{B61BEF0D-F0BB-DE4B-95CE-6DB70DBA9567}" type="datetimeFigureOut">
               <a:rPr lang="en-US" dirty="0"/>
               <a:pPr/>
-              <a:t>6/22/2015</a:t>
+              <a:t>6/24/2015</a:t>
             </a:fld>
             <a:endParaRPr lang="en-US" dirty="0"/>
           </a:p>
@@ -2720,7 +2720,7 @@
             <a:fld id="{D57F1E4F-1CFF-5643-939E-217C01CDF565}" type="slidenum">
               <a:rPr lang="en-US" dirty="0"/>
               <a:pPr/>
-              <a:t>‹#›</a:t>
+              <a:t>‹Nr.›</a:t>
             </a:fld>
             <a:endParaRPr lang="en-US" dirty="0"/>
           </a:p>
@@ -3008,7 +3008,7 @@
             <a:fld id="{B61BEF0D-F0BB-DE4B-95CE-6DB70DBA9567}" type="datetimeFigureOut">
               <a:rPr lang="en-US" dirty="0"/>
               <a:pPr/>
-              <a:t>6/22/2015</a:t>
+              <a:t>6/24/2015</a:t>
             </a:fld>
             <a:endParaRPr lang="en-US" dirty="0"/>
           </a:p>
@@ -3051,7 +3051,7 @@
             <a:fld id="{D57F1E4F-1CFF-5643-939E-217C01CDF565}" type="slidenum">
               <a:rPr lang="en-US" dirty="0"/>
               <a:pPr/>
-              <a:t>‹#›</a:t>
+              <a:t>‹Nr.›</a:t>
             </a:fld>
             <a:endParaRPr lang="en-US" dirty="0"/>
           </a:p>
@@ -3216,7 +3216,7 @@
             <a:fld id="{B61BEF0D-F0BB-DE4B-95CE-6DB70DBA9567}" type="datetimeFigureOut">
               <a:rPr lang="en-US" dirty="0"/>
               <a:pPr/>
-              <a:t>6/22/2015</a:t>
+              <a:t>6/24/2015</a:t>
             </a:fld>
             <a:endParaRPr lang="en-US" dirty="0"/>
           </a:p>
@@ -3259,7 +3259,7 @@
             <a:fld id="{D57F1E4F-1CFF-5643-939E-217C01CDF565}" type="slidenum">
               <a:rPr lang="en-US" dirty="0"/>
               <a:pPr/>
-              <a:t>‹#›</a:t>
+              <a:t>‹Nr.›</a:t>
             </a:fld>
             <a:endParaRPr lang="en-US" dirty="0"/>
           </a:p>
@@ -3430,7 +3430,7 @@
             <a:fld id="{B61BEF0D-F0BB-DE4B-95CE-6DB70DBA9567}" type="datetimeFigureOut">
               <a:rPr lang="en-US" dirty="0"/>
               <a:pPr/>
-              <a:t>6/22/2015</a:t>
+              <a:t>6/24/2015</a:t>
             </a:fld>
             <a:endParaRPr lang="en-US" dirty="0"/>
           </a:p>
@@ -3473,7 +3473,7 @@
             <a:fld id="{D57F1E4F-1CFF-5643-939E-217C01CDF565}" type="slidenum">
               <a:rPr lang="en-US" dirty="0"/>
               <a:pPr/>
-              <a:t>‹#›</a:t>
+              <a:t>‹Nr.›</a:t>
             </a:fld>
             <a:endParaRPr lang="en-US" dirty="0"/>
           </a:p>
@@ -3671,7 +3671,7 @@
             <a:fld id="{B61BEF0D-F0BB-DE4B-95CE-6DB70DBA9567}" type="datetimeFigureOut">
               <a:rPr lang="en-US" dirty="0"/>
               <a:pPr/>
-              <a:t>6/22/2015</a:t>
+              <a:t>6/24/2015</a:t>
             </a:fld>
             <a:endParaRPr lang="en-US" dirty="0"/>
           </a:p>
@@ -3719,7 +3719,7 @@
             <a:fld id="{D57F1E4F-1CFF-5643-939E-217C01CDF565}" type="slidenum">
               <a:rPr lang="en-US" dirty="0"/>
               <a:pPr/>
-              <a:t>‹#›</a:t>
+              <a:t>‹Nr.›</a:t>
             </a:fld>
             <a:endParaRPr lang="en-US" dirty="0"/>
           </a:p>
@@ -3958,7 +3958,7 @@
             <a:fld id="{B61BEF0D-F0BB-DE4B-95CE-6DB70DBA9567}" type="datetimeFigureOut">
               <a:rPr lang="en-US" dirty="0"/>
               <a:pPr/>
-              <a:t>6/22/2015</a:t>
+              <a:t>6/24/2015</a:t>
             </a:fld>
             <a:endParaRPr lang="en-US" dirty="0"/>
           </a:p>
@@ -4001,7 +4001,7 @@
             <a:fld id="{D57F1E4F-1CFF-5643-939E-217C01CDF565}" type="slidenum">
               <a:rPr lang="en-US" dirty="0"/>
               <a:pPr/>
-              <a:t>‹#›</a:t>
+              <a:t>‹Nr.›</a:t>
             </a:fld>
             <a:endParaRPr lang="en-US" dirty="0"/>
           </a:p>
@@ -4295,7 +4295,7 @@
             <a:fld id="{B61BEF0D-F0BB-DE4B-95CE-6DB70DBA9567}" type="datetimeFigureOut">
               <a:rPr lang="en-US" dirty="0"/>
               <a:pPr/>
-              <a:t>6/22/2015</a:t>
+              <a:t>6/24/2015</a:t>
             </a:fld>
             <a:endParaRPr lang="en-US" dirty="0"/>
           </a:p>
@@ -4338,7 +4338,7 @@
             <a:fld id="{D57F1E4F-1CFF-5643-939E-217C01CDF565}" type="slidenum">
               <a:rPr lang="en-US" dirty="0"/>
               <a:pPr/>
-              <a:t>‹#›</a:t>
+              <a:t>‹Nr.›</a:t>
             </a:fld>
             <a:endParaRPr lang="en-US" dirty="0"/>
           </a:p>
@@ -4773,7 +4773,7 @@
             <a:fld id="{B61BEF0D-F0BB-DE4B-95CE-6DB70DBA9567}" type="datetimeFigureOut">
               <a:rPr lang="en-US" dirty="0"/>
               <a:pPr/>
-              <a:t>6/22/2015</a:t>
+              <a:t>6/24/2015</a:t>
             </a:fld>
             <a:endParaRPr lang="en-US" dirty="0"/>
           </a:p>
@@ -4816,7 +4816,7 @@
             <a:fld id="{D57F1E4F-1CFF-5643-939E-217C01CDF565}" type="slidenum">
               <a:rPr lang="en-US" dirty="0"/>
               <a:pPr/>
-              <a:t>‹#›</a:t>
+              <a:t>‹Nr.›</a:t>
             </a:fld>
             <a:endParaRPr lang="en-US" dirty="0"/>
           </a:p>
@@ -4925,7 +4925,7 @@
             <a:fld id="{B61BEF0D-F0BB-DE4B-95CE-6DB70DBA9567}" type="datetimeFigureOut">
               <a:rPr lang="en-US" dirty="0"/>
               <a:pPr/>
-              <a:t>6/22/2015</a:t>
+              <a:t>6/24/2015</a:t>
             </a:fld>
             <a:endParaRPr lang="en-US" dirty="0"/>
           </a:p>
@@ -4968,7 +4968,7 @@
             <a:fld id="{D57F1E4F-1CFF-5643-939E-217C01CDF565}" type="slidenum">
               <a:rPr lang="en-US" dirty="0"/>
               <a:pPr/>
-              <a:t>‹#›</a:t>
+              <a:t>‹Nr.›</a:t>
             </a:fld>
             <a:endParaRPr lang="en-US" dirty="0"/>
           </a:p>
@@ -5054,7 +5054,7 @@
             <a:fld id="{B61BEF0D-F0BB-DE4B-95CE-6DB70DBA9567}" type="datetimeFigureOut">
               <a:rPr lang="en-US" dirty="0"/>
               <a:pPr/>
-              <a:t>6/22/2015</a:t>
+              <a:t>6/24/2015</a:t>
             </a:fld>
             <a:endParaRPr lang="en-US" dirty="0"/>
           </a:p>
@@ -5097,7 +5097,7 @@
             <a:fld id="{D57F1E4F-1CFF-5643-939E-217C01CDF565}" type="slidenum">
               <a:rPr lang="en-US" dirty="0"/>
               <a:pPr/>
-              <a:t>‹#›</a:t>
+              <a:t>‹Nr.›</a:t>
             </a:fld>
             <a:endParaRPr lang="en-US" dirty="0"/>
           </a:p>
@@ -5371,7 +5371,7 @@
             <a:fld id="{B61BEF0D-F0BB-DE4B-95CE-6DB70DBA9567}" type="datetimeFigureOut">
               <a:rPr lang="en-US" dirty="0"/>
               <a:pPr/>
-              <a:t>6/22/2015</a:t>
+              <a:t>6/24/2015</a:t>
             </a:fld>
             <a:endParaRPr lang="en-US" dirty="0"/>
           </a:p>
@@ -5414,7 +5414,7 @@
             <a:fld id="{D57F1E4F-1CFF-5643-939E-217C01CDF565}" type="slidenum">
               <a:rPr lang="en-US" dirty="0"/>
               <a:pPr/>
-              <a:t>‹#›</a:t>
+              <a:t>‹Nr.›</a:t>
             </a:fld>
             <a:endParaRPr lang="en-US" dirty="0"/>
           </a:p>
@@ -5696,7 +5696,7 @@
             <a:fld id="{B61BEF0D-F0BB-DE4B-95CE-6DB70DBA9567}" type="datetimeFigureOut">
               <a:rPr lang="en-US" dirty="0"/>
               <a:pPr/>
-              <a:t>6/22/2015</a:t>
+              <a:t>6/24/2015</a:t>
             </a:fld>
             <a:endParaRPr lang="en-US" dirty="0"/>
           </a:p>
@@ -5739,7 +5739,7 @@
             <a:fld id="{D57F1E4F-1CFF-5643-939E-217C01CDF565}" type="slidenum">
               <a:rPr lang="en-US" dirty="0"/>
               <a:pPr/>
-              <a:t>‹#›</a:t>
+              <a:t>‹Nr.›</a:t>
             </a:fld>
             <a:endParaRPr lang="en-US" dirty="0"/>
           </a:p>
@@ -6260,7 +6260,7 @@
             <a:fld id="{B61BEF0D-F0BB-DE4B-95CE-6DB70DBA9567}" type="datetimeFigureOut">
               <a:rPr lang="en-US" dirty="0"/>
               <a:pPr/>
-              <a:t>6/22/2015</a:t>
+              <a:t>6/24/2015</a:t>
             </a:fld>
             <a:endParaRPr lang="en-US" dirty="0"/>
           </a:p>
@@ -6339,7 +6339,7 @@
             <a:fld id="{D57F1E4F-1CFF-5643-939E-217C01CDF565}" type="slidenum">
               <a:rPr lang="en-US" dirty="0"/>
               <a:pPr/>
-              <a:t>‹#›</a:t>
+              <a:t>‹Nr.›</a:t>
             </a:fld>
             <a:endParaRPr lang="en-US" dirty="0"/>
           </a:p>
@@ -7142,7 +7142,11 @@
           <a:p>
             <a:r>
               <a:rPr lang="de-DE" dirty="0" smtClean="0"/>
-              <a:t>Graph – Data </a:t>
+              <a:t>Graph – </a:t>
+            </a:r>
+            <a:r>
+              <a:rPr lang="de-DE" dirty="0" smtClean="0"/>
+              <a:t>D3JS: Data </a:t>
             </a:r>
             <a:r>
               <a:rPr lang="de-DE" dirty="0" err="1" smtClean="0"/>
@@ -7172,13 +7176,201 @@
         </p:nvSpPr>
         <p:spPr/>
         <p:txBody>
-          <a:bodyPr/>
+          <a:bodyPr>
+            <a:normAutofit fontScale="85000" lnSpcReduction="20000"/>
+          </a:bodyPr>
           <a:lstStyle/>
           <a:p>
             <a:r>
               <a:rPr lang="de-DE" dirty="0" smtClean="0"/>
-              <a:t>TODO</a:t>
-            </a:r>
+              <a:t>JavaScript </a:t>
+            </a:r>
+            <a:r>
+              <a:rPr lang="de-DE" dirty="0" err="1" smtClean="0"/>
+              <a:t>library</a:t>
+            </a:r>
+            <a:r>
+              <a:rPr lang="de-DE" dirty="0" smtClean="0"/>
+              <a:t>: manipuliert automatisch Dokumente aus (neuen) Daten per „Data </a:t>
+            </a:r>
+            <a:r>
+              <a:rPr lang="de-DE" dirty="0" err="1" smtClean="0"/>
+              <a:t>Join</a:t>
+            </a:r>
+            <a:r>
+              <a:rPr lang="de-DE" dirty="0" smtClean="0"/>
+              <a:t>“</a:t>
+            </a:r>
+          </a:p>
+          <a:p>
+            <a:r>
+              <a:rPr lang="de-DE" dirty="0"/>
+              <a:t>Basiert auf HTML, SVG </a:t>
+            </a:r>
+            <a:r>
+              <a:rPr lang="de-DE" dirty="0" err="1"/>
+              <a:t>and</a:t>
+            </a:r>
+            <a:r>
+              <a:rPr lang="de-DE" dirty="0"/>
+              <a:t> </a:t>
+            </a:r>
+            <a:r>
+              <a:rPr lang="de-DE" dirty="0" smtClean="0"/>
+              <a:t>CSS</a:t>
+            </a:r>
+          </a:p>
+          <a:p>
+            <a:r>
+              <a:rPr lang="de-DE" dirty="0" smtClean="0"/>
+              <a:t>Vereinfachte Form der DOM Manipulation über </a:t>
+            </a:r>
+            <a:r>
+              <a:rPr lang="de-DE" dirty="0" err="1" smtClean="0"/>
+              <a:t>Selektoren</a:t>
+            </a:r>
+            <a:r>
+              <a:rPr lang="de-DE" dirty="0" smtClean="0"/>
+              <a:t> (d3.selectAll(“p“))</a:t>
+            </a:r>
+          </a:p>
+          <a:p>
+            <a:r>
+              <a:rPr lang="de-DE" dirty="0" smtClean="0"/>
+              <a:t>„</a:t>
+            </a:r>
+            <a:r>
+              <a:rPr lang="de-DE" dirty="0" err="1" smtClean="0"/>
+              <a:t>Chaining</a:t>
+            </a:r>
+            <a:r>
+              <a:rPr lang="de-DE" dirty="0" smtClean="0"/>
+              <a:t> </a:t>
+            </a:r>
+            <a:r>
+              <a:rPr lang="de-DE" dirty="0" err="1" smtClean="0"/>
+              <a:t>Methods</a:t>
+            </a:r>
+            <a:r>
+              <a:rPr lang="de-DE" dirty="0" smtClean="0"/>
+              <a:t>“ auf Selektionen vereinfacht Code</a:t>
+            </a:r>
+          </a:p>
+          <a:p>
+            <a:r>
+              <a:rPr lang="de-DE" dirty="0" smtClean="0"/>
+              <a:t>„</a:t>
+            </a:r>
+            <a:r>
+              <a:rPr lang="de-DE" dirty="0" err="1" smtClean="0"/>
+              <a:t>Scaling</a:t>
+            </a:r>
+            <a:r>
+              <a:rPr lang="de-DE" dirty="0" smtClean="0"/>
+              <a:t> </a:t>
+            </a:r>
+            <a:r>
+              <a:rPr lang="de-DE" dirty="0" err="1" smtClean="0"/>
+              <a:t>to</a:t>
+            </a:r>
+            <a:r>
+              <a:rPr lang="de-DE" dirty="0" smtClean="0"/>
+              <a:t> Fit“ lässt Graphen automatisch abhängig von Daten skalieren</a:t>
+            </a:r>
+          </a:p>
+          <a:p>
+            <a:r>
+              <a:rPr lang="de-DE" dirty="0" smtClean="0"/>
+              <a:t>Bietet Interaktion und Glatte Übergänge v. Chart-Updates</a:t>
+            </a:r>
+            <a:endParaRPr lang="de-DE" dirty="0" smtClean="0"/>
+          </a:p>
+          <a:p>
+            <a:r>
+              <a:rPr lang="de-DE" dirty="0" smtClean="0"/>
+              <a:t>Daten-Updates</a:t>
+            </a:r>
+          </a:p>
+          <a:p>
+            <a:pPr lvl="1"/>
+            <a:r>
+              <a:rPr lang="de-DE" dirty="0" smtClean="0"/>
+              <a:t>Datenbasis: Array (z.B. </a:t>
+            </a:r>
+            <a:r>
+              <a:rPr lang="de-DE" dirty="0" err="1" smtClean="0"/>
+              <a:t>data</a:t>
+            </a:r>
+            <a:r>
+              <a:rPr lang="de-DE" dirty="0" smtClean="0"/>
+              <a:t> = [1, 5, 9];)</a:t>
+            </a:r>
+          </a:p>
+          <a:p>
+            <a:pPr lvl="1"/>
+            <a:r>
+              <a:rPr lang="de-DE" dirty="0" smtClean="0"/>
+              <a:t>Data </a:t>
+            </a:r>
+            <a:r>
+              <a:rPr lang="de-DE" dirty="0" err="1" smtClean="0"/>
+              <a:t>Join</a:t>
+            </a:r>
+            <a:r>
+              <a:rPr lang="de-DE" dirty="0" smtClean="0"/>
+              <a:t> mit Selektion: </a:t>
+            </a:r>
+            <a:r>
+              <a:rPr lang="de-DE" dirty="0" err="1" smtClean="0"/>
+              <a:t>bar.data</a:t>
+            </a:r>
+            <a:r>
+              <a:rPr lang="de-DE" dirty="0" smtClean="0"/>
+              <a:t>(</a:t>
+            </a:r>
+            <a:r>
+              <a:rPr lang="de-DE" dirty="0" err="1" smtClean="0"/>
+              <a:t>data</a:t>
+            </a:r>
+            <a:r>
+              <a:rPr lang="de-DE" dirty="0" smtClean="0"/>
+              <a:t>);</a:t>
+            </a:r>
+          </a:p>
+          <a:p>
+            <a:pPr lvl="1"/>
+            <a:r>
+              <a:rPr lang="de-DE" dirty="0" smtClean="0"/>
+              <a:t>Neue graph. Elemente: </a:t>
+            </a:r>
+            <a:r>
+              <a:rPr lang="de-DE" dirty="0" err="1" smtClean="0"/>
+              <a:t>datapoints.enter</a:t>
+            </a:r>
+            <a:r>
+              <a:rPr lang="de-DE" dirty="0"/>
+              <a:t>().</a:t>
+            </a:r>
+            <a:r>
+              <a:rPr lang="de-DE" dirty="0" err="1"/>
+              <a:t>append</a:t>
+            </a:r>
+            <a:r>
+              <a:rPr lang="de-DE" dirty="0"/>
+              <a:t>('</a:t>
+            </a:r>
+            <a:r>
+              <a:rPr lang="de-DE" dirty="0" err="1"/>
+              <a:t>circle</a:t>
+            </a:r>
+            <a:r>
+              <a:rPr lang="de-DE" dirty="0" smtClean="0"/>
+              <a:t>'); //iteriert automatisch</a:t>
+            </a:r>
+            <a:endParaRPr lang="de-DE" dirty="0" smtClean="0"/>
+          </a:p>
+          <a:p>
+            <a:pPr lvl="1"/>
             <a:endParaRPr lang="de-DE" dirty="0"/>
           </a:p>
         </p:txBody>

--- a/Dokumentation/Präsentation.pptx
+++ b/Dokumentation/Präsentation.pptx
@@ -643,7 +643,7 @@
             <a:fld id="{B61BEF0D-F0BB-DE4B-95CE-6DB70DBA9567}" type="datetimeFigureOut">
               <a:rPr lang="en-US" dirty="0"/>
               <a:pPr/>
-              <a:t>6/24/2015</a:t>
+              <a:t>6/25/2015</a:t>
             </a:fld>
             <a:endParaRPr lang="en-US" dirty="0"/>
           </a:p>
@@ -691,7 +691,7 @@
             <a:fld id="{D57F1E4F-1CFF-5643-939E-217C01CDF565}" type="slidenum">
               <a:rPr lang="en-US" dirty="0"/>
               <a:pPr/>
-              <a:t>‹Nr.›</a:t>
+              <a:t>‹#›</a:t>
             </a:fld>
             <a:endParaRPr lang="en-US" dirty="0"/>
           </a:p>
@@ -973,7 +973,7 @@
             <a:fld id="{B61BEF0D-F0BB-DE4B-95CE-6DB70DBA9567}" type="datetimeFigureOut">
               <a:rPr lang="en-US" dirty="0"/>
               <a:pPr/>
-              <a:t>6/24/2015</a:t>
+              <a:t>6/25/2015</a:t>
             </a:fld>
             <a:endParaRPr lang="en-US" dirty="0"/>
           </a:p>
@@ -1016,7 +1016,7 @@
             <a:fld id="{D57F1E4F-1CFF-5643-939E-217C01CDF565}" type="slidenum">
               <a:rPr lang="en-US" dirty="0"/>
               <a:pPr/>
-              <a:t>‹Nr.›</a:t>
+              <a:t>‹#›</a:t>
             </a:fld>
             <a:endParaRPr lang="en-US" dirty="0"/>
           </a:p>
@@ -1255,7 +1255,7 @@
             <a:fld id="{B61BEF0D-F0BB-DE4B-95CE-6DB70DBA9567}" type="datetimeFigureOut">
               <a:rPr lang="en-US" dirty="0"/>
               <a:pPr/>
-              <a:t>6/24/2015</a:t>
+              <a:t>6/25/2015</a:t>
             </a:fld>
             <a:endParaRPr lang="en-US" dirty="0"/>
           </a:p>
@@ -1298,7 +1298,7 @@
             <a:fld id="{D57F1E4F-1CFF-5643-939E-217C01CDF565}" type="slidenum">
               <a:rPr lang="en-US" dirty="0"/>
               <a:pPr/>
-              <a:t>‹Nr.›</a:t>
+              <a:t>‹#›</a:t>
             </a:fld>
             <a:endParaRPr lang="en-US" dirty="0"/>
           </a:p>
@@ -1829,7 +1829,7 @@
             <a:fld id="{B61BEF0D-F0BB-DE4B-95CE-6DB70DBA9567}" type="datetimeFigureOut">
               <a:rPr lang="en-US" dirty="0"/>
               <a:pPr/>
-              <a:t>6/24/2015</a:t>
+              <a:t>6/25/2015</a:t>
             </a:fld>
             <a:endParaRPr lang="en-US" dirty="0"/>
           </a:p>
@@ -1872,7 +1872,7 @@
             <a:fld id="{D57F1E4F-1CFF-5643-939E-217C01CDF565}" type="slidenum">
               <a:rPr lang="en-US" dirty="0"/>
               <a:pPr/>
-              <a:t>‹Nr.›</a:t>
+              <a:t>‹#›</a:t>
             </a:fld>
             <a:endParaRPr lang="en-US" dirty="0"/>
           </a:p>
@@ -2111,7 +2111,7 @@
             <a:fld id="{B61BEF0D-F0BB-DE4B-95CE-6DB70DBA9567}" type="datetimeFigureOut">
               <a:rPr lang="en-US" dirty="0"/>
               <a:pPr/>
-              <a:t>6/24/2015</a:t>
+              <a:t>6/25/2015</a:t>
             </a:fld>
             <a:endParaRPr lang="en-US" dirty="0"/>
           </a:p>
@@ -2154,7 +2154,7 @@
             <a:fld id="{D57F1E4F-1CFF-5643-939E-217C01CDF565}" type="slidenum">
               <a:rPr lang="en-US" dirty="0"/>
               <a:pPr/>
-              <a:t>‹Nr.›</a:t>
+              <a:t>‹#›</a:t>
             </a:fld>
             <a:endParaRPr lang="en-US" dirty="0"/>
           </a:p>
@@ -2677,7 +2677,7 @@
             <a:fld id="{B61BEF0D-F0BB-DE4B-95CE-6DB70DBA9567}" type="datetimeFigureOut">
               <a:rPr lang="en-US" dirty="0"/>
               <a:pPr/>
-              <a:t>6/24/2015</a:t>
+              <a:t>6/25/2015</a:t>
             </a:fld>
             <a:endParaRPr lang="en-US" dirty="0"/>
           </a:p>
@@ -2720,7 +2720,7 @@
             <a:fld id="{D57F1E4F-1CFF-5643-939E-217C01CDF565}" type="slidenum">
               <a:rPr lang="en-US" dirty="0"/>
               <a:pPr/>
-              <a:t>‹Nr.›</a:t>
+              <a:t>‹#›</a:t>
             </a:fld>
             <a:endParaRPr lang="en-US" dirty="0"/>
           </a:p>
@@ -3008,7 +3008,7 @@
             <a:fld id="{B61BEF0D-F0BB-DE4B-95CE-6DB70DBA9567}" type="datetimeFigureOut">
               <a:rPr lang="en-US" dirty="0"/>
               <a:pPr/>
-              <a:t>6/24/2015</a:t>
+              <a:t>6/25/2015</a:t>
             </a:fld>
             <a:endParaRPr lang="en-US" dirty="0"/>
           </a:p>
@@ -3051,7 +3051,7 @@
             <a:fld id="{D57F1E4F-1CFF-5643-939E-217C01CDF565}" type="slidenum">
               <a:rPr lang="en-US" dirty="0"/>
               <a:pPr/>
-              <a:t>‹Nr.›</a:t>
+              <a:t>‹#›</a:t>
             </a:fld>
             <a:endParaRPr lang="en-US" dirty="0"/>
           </a:p>
@@ -3216,7 +3216,7 @@
             <a:fld id="{B61BEF0D-F0BB-DE4B-95CE-6DB70DBA9567}" type="datetimeFigureOut">
               <a:rPr lang="en-US" dirty="0"/>
               <a:pPr/>
-              <a:t>6/24/2015</a:t>
+              <a:t>6/25/2015</a:t>
             </a:fld>
             <a:endParaRPr lang="en-US" dirty="0"/>
           </a:p>
@@ -3259,7 +3259,7 @@
             <a:fld id="{D57F1E4F-1CFF-5643-939E-217C01CDF565}" type="slidenum">
               <a:rPr lang="en-US" dirty="0"/>
               <a:pPr/>
-              <a:t>‹Nr.›</a:t>
+              <a:t>‹#›</a:t>
             </a:fld>
             <a:endParaRPr lang="en-US" dirty="0"/>
           </a:p>
@@ -3430,7 +3430,7 @@
             <a:fld id="{B61BEF0D-F0BB-DE4B-95CE-6DB70DBA9567}" type="datetimeFigureOut">
               <a:rPr lang="en-US" dirty="0"/>
               <a:pPr/>
-              <a:t>6/24/2015</a:t>
+              <a:t>6/25/2015</a:t>
             </a:fld>
             <a:endParaRPr lang="en-US" dirty="0"/>
           </a:p>
@@ -3473,7 +3473,7 @@
             <a:fld id="{D57F1E4F-1CFF-5643-939E-217C01CDF565}" type="slidenum">
               <a:rPr lang="en-US" dirty="0"/>
               <a:pPr/>
-              <a:t>‹Nr.›</a:t>
+              <a:t>‹#›</a:t>
             </a:fld>
             <a:endParaRPr lang="en-US" dirty="0"/>
           </a:p>
@@ -3671,7 +3671,7 @@
             <a:fld id="{B61BEF0D-F0BB-DE4B-95CE-6DB70DBA9567}" type="datetimeFigureOut">
               <a:rPr lang="en-US" dirty="0"/>
               <a:pPr/>
-              <a:t>6/24/2015</a:t>
+              <a:t>6/25/2015</a:t>
             </a:fld>
             <a:endParaRPr lang="en-US" dirty="0"/>
           </a:p>
@@ -3719,7 +3719,7 @@
             <a:fld id="{D57F1E4F-1CFF-5643-939E-217C01CDF565}" type="slidenum">
               <a:rPr lang="en-US" dirty="0"/>
               <a:pPr/>
-              <a:t>‹Nr.›</a:t>
+              <a:t>‹#›</a:t>
             </a:fld>
             <a:endParaRPr lang="en-US" dirty="0"/>
           </a:p>
@@ -3958,7 +3958,7 @@
             <a:fld id="{B61BEF0D-F0BB-DE4B-95CE-6DB70DBA9567}" type="datetimeFigureOut">
               <a:rPr lang="en-US" dirty="0"/>
               <a:pPr/>
-              <a:t>6/24/2015</a:t>
+              <a:t>6/25/2015</a:t>
             </a:fld>
             <a:endParaRPr lang="en-US" dirty="0"/>
           </a:p>
@@ -4001,7 +4001,7 @@
             <a:fld id="{D57F1E4F-1CFF-5643-939E-217C01CDF565}" type="slidenum">
               <a:rPr lang="en-US" dirty="0"/>
               <a:pPr/>
-              <a:t>‹Nr.›</a:t>
+              <a:t>‹#›</a:t>
             </a:fld>
             <a:endParaRPr lang="en-US" dirty="0"/>
           </a:p>
@@ -4295,7 +4295,7 @@
             <a:fld id="{B61BEF0D-F0BB-DE4B-95CE-6DB70DBA9567}" type="datetimeFigureOut">
               <a:rPr lang="en-US" dirty="0"/>
               <a:pPr/>
-              <a:t>6/24/2015</a:t>
+              <a:t>6/25/2015</a:t>
             </a:fld>
             <a:endParaRPr lang="en-US" dirty="0"/>
           </a:p>
@@ -4338,7 +4338,7 @@
             <a:fld id="{D57F1E4F-1CFF-5643-939E-217C01CDF565}" type="slidenum">
               <a:rPr lang="en-US" dirty="0"/>
               <a:pPr/>
-              <a:t>‹Nr.›</a:t>
+              <a:t>‹#›</a:t>
             </a:fld>
             <a:endParaRPr lang="en-US" dirty="0"/>
           </a:p>
@@ -4773,7 +4773,7 @@
             <a:fld id="{B61BEF0D-F0BB-DE4B-95CE-6DB70DBA9567}" type="datetimeFigureOut">
               <a:rPr lang="en-US" dirty="0"/>
               <a:pPr/>
-              <a:t>6/24/2015</a:t>
+              <a:t>6/25/2015</a:t>
             </a:fld>
             <a:endParaRPr lang="en-US" dirty="0"/>
           </a:p>
@@ -4816,7 +4816,7 @@
             <a:fld id="{D57F1E4F-1CFF-5643-939E-217C01CDF565}" type="slidenum">
               <a:rPr lang="en-US" dirty="0"/>
               <a:pPr/>
-              <a:t>‹Nr.›</a:t>
+              <a:t>‹#›</a:t>
             </a:fld>
             <a:endParaRPr lang="en-US" dirty="0"/>
           </a:p>
@@ -4925,7 +4925,7 @@
             <a:fld id="{B61BEF0D-F0BB-DE4B-95CE-6DB70DBA9567}" type="datetimeFigureOut">
               <a:rPr lang="en-US" dirty="0"/>
               <a:pPr/>
-              <a:t>6/24/2015</a:t>
+              <a:t>6/25/2015</a:t>
             </a:fld>
             <a:endParaRPr lang="en-US" dirty="0"/>
           </a:p>
@@ -4968,7 +4968,7 @@
             <a:fld id="{D57F1E4F-1CFF-5643-939E-217C01CDF565}" type="slidenum">
               <a:rPr lang="en-US" dirty="0"/>
               <a:pPr/>
-              <a:t>‹Nr.›</a:t>
+              <a:t>‹#›</a:t>
             </a:fld>
             <a:endParaRPr lang="en-US" dirty="0"/>
           </a:p>
@@ -5054,7 +5054,7 @@
             <a:fld id="{B61BEF0D-F0BB-DE4B-95CE-6DB70DBA9567}" type="datetimeFigureOut">
               <a:rPr lang="en-US" dirty="0"/>
               <a:pPr/>
-              <a:t>6/24/2015</a:t>
+              <a:t>6/25/2015</a:t>
             </a:fld>
             <a:endParaRPr lang="en-US" dirty="0"/>
           </a:p>
@@ -5097,7 +5097,7 @@
             <a:fld id="{D57F1E4F-1CFF-5643-939E-217C01CDF565}" type="slidenum">
               <a:rPr lang="en-US" dirty="0"/>
               <a:pPr/>
-              <a:t>‹Nr.›</a:t>
+              <a:t>‹#›</a:t>
             </a:fld>
             <a:endParaRPr lang="en-US" dirty="0"/>
           </a:p>
@@ -5371,7 +5371,7 @@
             <a:fld id="{B61BEF0D-F0BB-DE4B-95CE-6DB70DBA9567}" type="datetimeFigureOut">
               <a:rPr lang="en-US" dirty="0"/>
               <a:pPr/>
-              <a:t>6/24/2015</a:t>
+              <a:t>6/25/2015</a:t>
             </a:fld>
             <a:endParaRPr lang="en-US" dirty="0"/>
           </a:p>
@@ -5414,7 +5414,7 @@
             <a:fld id="{D57F1E4F-1CFF-5643-939E-217C01CDF565}" type="slidenum">
               <a:rPr lang="en-US" dirty="0"/>
               <a:pPr/>
-              <a:t>‹Nr.›</a:t>
+              <a:t>‹#›</a:t>
             </a:fld>
             <a:endParaRPr lang="en-US" dirty="0"/>
           </a:p>
@@ -5696,7 +5696,7 @@
             <a:fld id="{B61BEF0D-F0BB-DE4B-95CE-6DB70DBA9567}" type="datetimeFigureOut">
               <a:rPr lang="en-US" dirty="0"/>
               <a:pPr/>
-              <a:t>6/24/2015</a:t>
+              <a:t>6/25/2015</a:t>
             </a:fld>
             <a:endParaRPr lang="en-US" dirty="0"/>
           </a:p>
@@ -5739,7 +5739,7 @@
             <a:fld id="{D57F1E4F-1CFF-5643-939E-217C01CDF565}" type="slidenum">
               <a:rPr lang="en-US" dirty="0"/>
               <a:pPr/>
-              <a:t>‹Nr.›</a:t>
+              <a:t>‹#›</a:t>
             </a:fld>
             <a:endParaRPr lang="en-US" dirty="0"/>
           </a:p>
@@ -6260,7 +6260,7 @@
             <a:fld id="{B61BEF0D-F0BB-DE4B-95CE-6DB70DBA9567}" type="datetimeFigureOut">
               <a:rPr lang="en-US" dirty="0"/>
               <a:pPr/>
-              <a:t>6/24/2015</a:t>
+              <a:t>6/25/2015</a:t>
             </a:fld>
             <a:endParaRPr lang="en-US" dirty="0"/>
           </a:p>
@@ -6339,7 +6339,7 @@
             <a:fld id="{D57F1E4F-1CFF-5643-939E-217C01CDF565}" type="slidenum">
               <a:rPr lang="en-US" dirty="0"/>
               <a:pPr/>
-              <a:t>‹Nr.›</a:t>
+              <a:t>‹#›</a:t>
             </a:fld>
             <a:endParaRPr lang="en-US" dirty="0"/>
           </a:p>
@@ -7142,11 +7142,7 @@
           <a:p>
             <a:r>
               <a:rPr lang="de-DE" dirty="0" smtClean="0"/>
-              <a:t>Graph – </a:t>
-            </a:r>
-            <a:r>
-              <a:rPr lang="de-DE" dirty="0" smtClean="0"/>
-              <a:t>D3JS: Data </a:t>
+              <a:t>Graph – D3JS: Data </a:t>
             </a:r>
             <a:r>
               <a:rPr lang="de-DE" dirty="0" err="1" smtClean="0"/>
@@ -7283,7 +7279,6 @@
               <a:rPr lang="de-DE" dirty="0" smtClean="0"/>
               <a:t>Bietet Interaktion und Glatte Übergänge v. Chart-Updates</a:t>
             </a:r>
-            <a:endParaRPr lang="de-DE" dirty="0" smtClean="0"/>
           </a:p>
           <a:p>
             <a:r>
@@ -7367,7 +7362,6 @@
               <a:rPr lang="de-DE" dirty="0" smtClean="0"/>
               <a:t>'); //iteriert automatisch</a:t>
             </a:r>
-            <a:endParaRPr lang="de-DE" dirty="0" smtClean="0"/>
           </a:p>
           <a:p>
             <a:pPr lvl="1"/>
@@ -7453,12 +7447,12 @@
           <a:p>
             <a:pPr lvl="1"/>
             <a:r>
-              <a:rPr lang="de-DE" dirty="0" err="1" smtClean="0"/>
-              <a:t>Seperate</a:t>
-            </a:r>
-            <a:r>
-              <a:rPr lang="de-DE" dirty="0" smtClean="0"/>
-              <a:t> Test-DB</a:t>
+              <a:rPr lang="de-DE" dirty="0" smtClean="0"/>
+              <a:t>Separate </a:t>
+            </a:r>
+            <a:r>
+              <a:rPr lang="de-DE" dirty="0" smtClean="0"/>
+              <a:t>Test-DB</a:t>
             </a:r>
           </a:p>
           <a:p>
@@ -7484,12 +7478,12 @@
               <a:t>,  ersetzt durch </a:t>
             </a:r>
             <a:r>
-              <a:rPr lang="de-DE" dirty="0" err="1" smtClean="0"/>
-              <a:t>seperaten</a:t>
-            </a:r>
-            <a:r>
-              <a:rPr lang="de-DE" dirty="0" smtClean="0"/>
-              <a:t> Testsocket</a:t>
+              <a:rPr lang="de-DE" dirty="0" smtClean="0"/>
+              <a:t>separaten </a:t>
+            </a:r>
+            <a:r>
+              <a:rPr lang="de-DE" dirty="0" smtClean="0"/>
+              <a:t>Testsocket</a:t>
             </a:r>
           </a:p>
           <a:p>
@@ -8053,7 +8047,7 @@
         </p:spPr>
         <p:txBody>
           <a:bodyPr>
-            <a:normAutofit fontScale="92500" lnSpcReduction="20000"/>
+            <a:normAutofit lnSpcReduction="10000"/>
           </a:bodyPr>
           <a:lstStyle/>
           <a:p>
@@ -8077,7 +8071,7 @@
               <a:t>Überblick</a:t>
             </a:r>
             <a:r>
-              <a:rPr lang="en-GB" dirty="0"/>
+              <a:rPr lang="en-GB" dirty="0" smtClean="0"/>
               <a:t> </a:t>
             </a:r>
             <a:r>
@@ -8105,11 +8099,14 @@
             <a:pPr lvl="1"/>
             <a:r>
               <a:rPr lang="en-GB" dirty="0" smtClean="0"/>
-              <a:t>DB-Schema &amp; Java </a:t>
-            </a:r>
-            <a:r>
-              <a:rPr lang="en-GB" dirty="0" err="1" smtClean="0"/>
-              <a:t>Datenstruktur</a:t>
+              <a:t>DB</a:t>
+            </a:r>
+          </a:p>
+          <a:p>
+            <a:pPr lvl="1"/>
+            <a:r>
+              <a:rPr lang="en-GB" dirty="0" smtClean="0"/>
+              <a:t>Futures &amp; Promises</a:t>
             </a:r>
             <a:endParaRPr lang="en-GB" dirty="0" smtClean="0"/>
           </a:p>
@@ -8122,17 +8119,10 @@
           <a:p>
             <a:pPr lvl="1"/>
             <a:r>
-              <a:rPr lang="en-GB" dirty="0" err="1" smtClean="0"/>
-              <a:t>Allgemein</a:t>
-            </a:r>
-            <a:endParaRPr lang="en-GB" dirty="0" smtClean="0"/>
-          </a:p>
-          <a:p>
-            <a:pPr lvl="1"/>
-            <a:r>
               <a:rPr lang="en-GB" dirty="0" smtClean="0"/>
               <a:t>Graph</a:t>
             </a:r>
+            <a:endParaRPr lang="en-GB" dirty="0" smtClean="0"/>
           </a:p>
           <a:p>
             <a:r>
@@ -8143,48 +8133,9 @@
           <a:p>
             <a:r>
               <a:rPr lang="en-GB" dirty="0" smtClean="0"/>
-              <a:t>Reflexion/</a:t>
-            </a:r>
-            <a:r>
-              <a:rPr lang="en-GB" dirty="0" err="1" smtClean="0"/>
-              <a:t>Bewertung</a:t>
-            </a:r>
-            <a:r>
-              <a:rPr lang="en-GB" dirty="0" smtClean="0"/>
-              <a:t> - @Alex: </a:t>
-            </a:r>
-            <a:r>
-              <a:rPr lang="en-GB" dirty="0" err="1" smtClean="0"/>
-              <a:t>Willst</a:t>
-            </a:r>
-            <a:r>
-              <a:rPr lang="en-GB" dirty="0" smtClean="0"/>
-              <a:t> du was </a:t>
-            </a:r>
-            <a:r>
-              <a:rPr lang="en-GB" dirty="0" err="1" smtClean="0"/>
-              <a:t>hinzuzufügen</a:t>
-            </a:r>
-            <a:r>
-              <a:rPr lang="en-GB" dirty="0" smtClean="0"/>
-              <a:t>/</a:t>
-            </a:r>
-            <a:r>
-              <a:rPr lang="en-GB" dirty="0" err="1" smtClean="0"/>
-              <a:t>widersprechen</a:t>
-            </a:r>
-            <a:r>
-              <a:rPr lang="en-GB" dirty="0" smtClean="0"/>
-              <a:t>/</a:t>
-            </a:r>
-            <a:r>
-              <a:rPr lang="en-GB" dirty="0" err="1" smtClean="0"/>
-              <a:t>ändern</a:t>
-            </a:r>
-            <a:r>
-              <a:rPr lang="en-GB" dirty="0" smtClean="0"/>
-              <a:t>?</a:t>
-            </a:r>
+              <a:t>Reflexion</a:t>
+            </a:r>
+            <a:endParaRPr lang="en-GB" dirty="0" smtClean="0"/>
           </a:p>
         </p:txBody>
       </p:sp>
@@ -8268,6 +8219,14 @@
             <a:r>
               <a:rPr lang="de-DE" dirty="0" err="1" smtClean="0"/>
               <a:t>Github</a:t>
+            </a:r>
+            <a:r>
+              <a:rPr lang="de-DE" dirty="0" smtClean="0"/>
+              <a:t>, </a:t>
+            </a:r>
+            <a:r>
+              <a:rPr lang="de-DE" dirty="0" err="1" smtClean="0"/>
+              <a:t>Issues</a:t>
             </a:r>
             <a:endParaRPr lang="de-DE" dirty="0" smtClean="0"/>
           </a:p>
@@ -8626,33 +8585,33 @@
           <a:p>
             <a:pPr lvl="1"/>
             <a:r>
-              <a:rPr lang="de-DE" dirty="0" err="1"/>
+              <a:rPr lang="de-DE" dirty="0" err="1" smtClean="0"/>
               <a:t>Acknowledged</a:t>
             </a:r>
             <a:r>
-              <a:rPr lang="de-DE" dirty="0"/>
+              <a:rPr lang="de-DE" dirty="0" smtClean="0"/>
               <a:t>(Default): DB konnte Request anwenden (im Arbeitsspeicher)</a:t>
             </a:r>
           </a:p>
           <a:p>
             <a:pPr lvl="1"/>
             <a:r>
-              <a:rPr lang="de-DE" dirty="0" err="1"/>
+              <a:rPr lang="de-DE" dirty="0" err="1" smtClean="0"/>
               <a:t>Journaled</a:t>
             </a:r>
             <a:r>
-              <a:rPr lang="de-DE" dirty="0"/>
-              <a:t>: Änderungen sind im Journal (nach Ausfall wiederherstellbar</a:t>
-            </a:r>
-            <a:r>
-              <a:rPr lang="de-DE" dirty="0" smtClean="0"/>
-              <a:t>)</a:t>
-            </a:r>
-          </a:p>
-          <a:p>
-            <a:r>
-              <a:rPr lang="de-DE" dirty="0" smtClean="0"/>
-              <a:t>User: {_</a:t>
+              <a:rPr lang="de-DE" dirty="0" smtClean="0"/>
+              <a:t>: Änderungen sind auch im Journal (nach Ausfall wiederherstellbar)</a:t>
+            </a:r>
+          </a:p>
+          <a:p>
+            <a:r>
+              <a:rPr lang="de-DE" dirty="0" smtClean="0"/>
+              <a:t>User</a:t>
+            </a:r>
+            <a:r>
+              <a:rPr lang="de-DE" dirty="0" smtClean="0"/>
+              <a:t>: {_</a:t>
             </a:r>
             <a:r>
               <a:rPr lang="de-DE" dirty="0" err="1" smtClean="0"/>
@@ -8903,12 +8862,139 @@
         </p:nvSpPr>
         <p:spPr/>
         <p:txBody>
-          <a:bodyPr/>
+          <a:bodyPr>
+            <a:normAutofit/>
+          </a:bodyPr>
           <a:lstStyle/>
           <a:p>
             <a:r>
               <a:rPr lang="de-DE" dirty="0" smtClean="0"/>
-              <a:t>TODO Patrick</a:t>
+              <a:t>Scalas eigenes Framework für einfache asynchrone Ausführung</a:t>
+            </a:r>
+          </a:p>
+          <a:p>
+            <a:pPr lvl="1"/>
+            <a:r>
+              <a:rPr lang="de-DE" dirty="0" smtClean="0"/>
+              <a:t>Future {</a:t>
+            </a:r>
+            <a:r>
+              <a:rPr lang="de-DE" i="1" dirty="0" err="1" smtClean="0"/>
+              <a:t>code</a:t>
+            </a:r>
+            <a:r>
+              <a:rPr lang="de-DE" dirty="0" smtClean="0"/>
+              <a:t>}: </a:t>
+            </a:r>
+            <a:r>
+              <a:rPr lang="de-DE" i="1" dirty="0" err="1" smtClean="0"/>
+              <a:t>code</a:t>
+            </a:r>
+            <a:r>
+              <a:rPr lang="de-DE" dirty="0" smtClean="0"/>
+              <a:t> wird asynchron ausgeführt, Rückgabe: </a:t>
+            </a:r>
+            <a:r>
+              <a:rPr lang="de-DE" dirty="0" err="1" smtClean="0"/>
+              <a:t>Promise</a:t>
+            </a:r>
+            <a:endParaRPr lang="de-DE" dirty="0" smtClean="0"/>
+          </a:p>
+          <a:p>
+            <a:pPr lvl="1"/>
+            <a:r>
+              <a:rPr lang="de-DE" dirty="0" err="1" smtClean="0"/>
+              <a:t>Promise</a:t>
+            </a:r>
+            <a:r>
+              <a:rPr lang="de-DE" dirty="0" smtClean="0"/>
+              <a:t>: „Versprechen“, dass es zu einem späteren Zeitpunkt Daten haben wird</a:t>
+            </a:r>
+          </a:p>
+          <a:p>
+            <a:pPr lvl="1"/>
+            <a:r>
+              <a:rPr lang="de-DE" dirty="0" err="1" smtClean="0"/>
+              <a:t>Await</a:t>
+            </a:r>
+            <a:endParaRPr lang="de-DE" dirty="0"/>
+          </a:p>
+          <a:p>
+            <a:r>
+              <a:rPr lang="de-DE" dirty="0" smtClean="0"/>
+              <a:t>Nutzung:</a:t>
+            </a:r>
+          </a:p>
+          <a:p>
+            <a:pPr lvl="1"/>
+            <a:r>
+              <a:rPr lang="de-DE" dirty="0" smtClean="0"/>
+              <a:t>z.B. </a:t>
+            </a:r>
+            <a:r>
+              <a:rPr lang="de-DE" dirty="0" err="1" smtClean="0"/>
+              <a:t>Testrun</a:t>
+            </a:r>
+            <a:r>
+              <a:rPr lang="de-DE" dirty="0" smtClean="0"/>
+              <a:t>: Future {</a:t>
+            </a:r>
+            <a:r>
+              <a:rPr lang="de-DE" i="1" dirty="0" err="1" smtClean="0"/>
+              <a:t>get</a:t>
+            </a:r>
+            <a:r>
+              <a:rPr lang="de-DE" dirty="0" smtClean="0"/>
+              <a:t> </a:t>
+            </a:r>
+            <a:r>
+              <a:rPr lang="de-DE" i="1" dirty="0" smtClean="0"/>
+              <a:t>Testplan</a:t>
+            </a:r>
+            <a:r>
+              <a:rPr lang="de-DE" dirty="0" smtClean="0"/>
+              <a:t>}</a:t>
+            </a:r>
+          </a:p>
+          <a:p>
+            <a:pPr lvl="2"/>
+            <a:r>
+              <a:rPr lang="de-DE" dirty="0" smtClean="0"/>
+              <a:t>Langwieriges Laden des Testplans zu einem </a:t>
+            </a:r>
+            <a:r>
+              <a:rPr lang="de-DE" dirty="0" err="1" smtClean="0"/>
+              <a:t>Testrun</a:t>
+            </a:r>
+            <a:r>
+              <a:rPr lang="de-DE" dirty="0" smtClean="0"/>
+              <a:t> im Hintergrund</a:t>
+            </a:r>
+          </a:p>
+          <a:p>
+            <a:pPr lvl="2"/>
+            <a:r>
+              <a:rPr lang="de-DE" dirty="0" err="1" smtClean="0"/>
+              <a:t>Testrun</a:t>
+            </a:r>
+            <a:r>
+              <a:rPr lang="de-DE" dirty="0" smtClean="0"/>
+              <a:t> kann schon weiterverarbeitet und –versendet werden</a:t>
+            </a:r>
+          </a:p>
+          <a:p>
+            <a:pPr lvl="2"/>
+            <a:r>
+              <a:rPr lang="de-DE" dirty="0" smtClean="0"/>
+              <a:t>Zugriff mit </a:t>
+            </a:r>
+            <a:r>
+              <a:rPr lang="de-DE" dirty="0" err="1" smtClean="0"/>
+              <a:t>await</a:t>
+            </a:r>
+            <a:r>
+              <a:rPr lang="de-DE" dirty="0" smtClean="0"/>
+              <a:t>, erst wenn tatsächlich auf den Testplan zugegriffen werden muss </a:t>
             </a:r>
             <a:endParaRPr lang="de-DE" dirty="0"/>
           </a:p>

--- a/Dokumentation/Präsentation.pptx
+++ b/Dokumentation/Präsentation.pptx
@@ -691,7 +691,7 @@
             <a:fld id="{D57F1E4F-1CFF-5643-939E-217C01CDF565}" type="slidenum">
               <a:rPr lang="en-US" dirty="0"/>
               <a:pPr/>
-              <a:t>‹#›</a:t>
+              <a:t>‹Nr.›</a:t>
             </a:fld>
             <a:endParaRPr lang="en-US" dirty="0"/>
           </a:p>
@@ -1016,7 +1016,7 @@
             <a:fld id="{D57F1E4F-1CFF-5643-939E-217C01CDF565}" type="slidenum">
               <a:rPr lang="en-US" dirty="0"/>
               <a:pPr/>
-              <a:t>‹#›</a:t>
+              <a:t>‹Nr.›</a:t>
             </a:fld>
             <a:endParaRPr lang="en-US" dirty="0"/>
           </a:p>
@@ -1298,7 +1298,7 @@
             <a:fld id="{D57F1E4F-1CFF-5643-939E-217C01CDF565}" type="slidenum">
               <a:rPr lang="en-US" dirty="0"/>
               <a:pPr/>
-              <a:t>‹#›</a:t>
+              <a:t>‹Nr.›</a:t>
             </a:fld>
             <a:endParaRPr lang="en-US" dirty="0"/>
           </a:p>
@@ -1872,7 +1872,7 @@
             <a:fld id="{D57F1E4F-1CFF-5643-939E-217C01CDF565}" type="slidenum">
               <a:rPr lang="en-US" dirty="0"/>
               <a:pPr/>
-              <a:t>‹#›</a:t>
+              <a:t>‹Nr.›</a:t>
             </a:fld>
             <a:endParaRPr lang="en-US" dirty="0"/>
           </a:p>
@@ -2154,7 +2154,7 @@
             <a:fld id="{D57F1E4F-1CFF-5643-939E-217C01CDF565}" type="slidenum">
               <a:rPr lang="en-US" dirty="0"/>
               <a:pPr/>
-              <a:t>‹#›</a:t>
+              <a:t>‹Nr.›</a:t>
             </a:fld>
             <a:endParaRPr lang="en-US" dirty="0"/>
           </a:p>
@@ -2720,7 +2720,7 @@
             <a:fld id="{D57F1E4F-1CFF-5643-939E-217C01CDF565}" type="slidenum">
               <a:rPr lang="en-US" dirty="0"/>
               <a:pPr/>
-              <a:t>‹#›</a:t>
+              <a:t>‹Nr.›</a:t>
             </a:fld>
             <a:endParaRPr lang="en-US" dirty="0"/>
           </a:p>
@@ -3051,7 +3051,7 @@
             <a:fld id="{D57F1E4F-1CFF-5643-939E-217C01CDF565}" type="slidenum">
               <a:rPr lang="en-US" dirty="0"/>
               <a:pPr/>
-              <a:t>‹#›</a:t>
+              <a:t>‹Nr.›</a:t>
             </a:fld>
             <a:endParaRPr lang="en-US" dirty="0"/>
           </a:p>
@@ -3259,7 +3259,7 @@
             <a:fld id="{D57F1E4F-1CFF-5643-939E-217C01CDF565}" type="slidenum">
               <a:rPr lang="en-US" dirty="0"/>
               <a:pPr/>
-              <a:t>‹#›</a:t>
+              <a:t>‹Nr.›</a:t>
             </a:fld>
             <a:endParaRPr lang="en-US" dirty="0"/>
           </a:p>
@@ -3473,7 +3473,7 @@
             <a:fld id="{D57F1E4F-1CFF-5643-939E-217C01CDF565}" type="slidenum">
               <a:rPr lang="en-US" dirty="0"/>
               <a:pPr/>
-              <a:t>‹#›</a:t>
+              <a:t>‹Nr.›</a:t>
             </a:fld>
             <a:endParaRPr lang="en-US" dirty="0"/>
           </a:p>
@@ -3719,7 +3719,7 @@
             <a:fld id="{D57F1E4F-1CFF-5643-939E-217C01CDF565}" type="slidenum">
               <a:rPr lang="en-US" dirty="0"/>
               <a:pPr/>
-              <a:t>‹#›</a:t>
+              <a:t>‹Nr.›</a:t>
             </a:fld>
             <a:endParaRPr lang="en-US" dirty="0"/>
           </a:p>
@@ -4001,7 +4001,7 @@
             <a:fld id="{D57F1E4F-1CFF-5643-939E-217C01CDF565}" type="slidenum">
               <a:rPr lang="en-US" dirty="0"/>
               <a:pPr/>
-              <a:t>‹#›</a:t>
+              <a:t>‹Nr.›</a:t>
             </a:fld>
             <a:endParaRPr lang="en-US" dirty="0"/>
           </a:p>
@@ -4338,7 +4338,7 @@
             <a:fld id="{D57F1E4F-1CFF-5643-939E-217C01CDF565}" type="slidenum">
               <a:rPr lang="en-US" dirty="0"/>
               <a:pPr/>
-              <a:t>‹#›</a:t>
+              <a:t>‹Nr.›</a:t>
             </a:fld>
             <a:endParaRPr lang="en-US" dirty="0"/>
           </a:p>
@@ -4816,7 +4816,7 @@
             <a:fld id="{D57F1E4F-1CFF-5643-939E-217C01CDF565}" type="slidenum">
               <a:rPr lang="en-US" dirty="0"/>
               <a:pPr/>
-              <a:t>‹#›</a:t>
+              <a:t>‹Nr.›</a:t>
             </a:fld>
             <a:endParaRPr lang="en-US" dirty="0"/>
           </a:p>
@@ -4968,7 +4968,7 @@
             <a:fld id="{D57F1E4F-1CFF-5643-939E-217C01CDF565}" type="slidenum">
               <a:rPr lang="en-US" dirty="0"/>
               <a:pPr/>
-              <a:t>‹#›</a:t>
+              <a:t>‹Nr.›</a:t>
             </a:fld>
             <a:endParaRPr lang="en-US" dirty="0"/>
           </a:p>
@@ -5097,7 +5097,7 @@
             <a:fld id="{D57F1E4F-1CFF-5643-939E-217C01CDF565}" type="slidenum">
               <a:rPr lang="en-US" dirty="0"/>
               <a:pPr/>
-              <a:t>‹#›</a:t>
+              <a:t>‹Nr.›</a:t>
             </a:fld>
             <a:endParaRPr lang="en-US" dirty="0"/>
           </a:p>
@@ -5414,7 +5414,7 @@
             <a:fld id="{D57F1E4F-1CFF-5643-939E-217C01CDF565}" type="slidenum">
               <a:rPr lang="en-US" dirty="0"/>
               <a:pPr/>
-              <a:t>‹#›</a:t>
+              <a:t>‹Nr.›</a:t>
             </a:fld>
             <a:endParaRPr lang="en-US" dirty="0"/>
           </a:p>
@@ -5739,7 +5739,7 @@
             <a:fld id="{D57F1E4F-1CFF-5643-939E-217C01CDF565}" type="slidenum">
               <a:rPr lang="en-US" dirty="0"/>
               <a:pPr/>
-              <a:t>‹#›</a:t>
+              <a:t>‹Nr.›</a:t>
             </a:fld>
             <a:endParaRPr lang="en-US" dirty="0"/>
           </a:p>
@@ -6339,7 +6339,7 @@
             <a:fld id="{D57F1E4F-1CFF-5643-939E-217C01CDF565}" type="slidenum">
               <a:rPr lang="en-US" dirty="0"/>
               <a:pPr/>
-              <a:t>‹#›</a:t>
+              <a:t>‹Nr.›</a:t>
             </a:fld>
             <a:endParaRPr lang="en-US" dirty="0"/>
           </a:p>
@@ -7448,11 +7448,7 @@
             <a:pPr lvl="1"/>
             <a:r>
               <a:rPr lang="de-DE" dirty="0" smtClean="0"/>
-              <a:t>Separate </a:t>
-            </a:r>
-            <a:r>
-              <a:rPr lang="de-DE" dirty="0" smtClean="0"/>
-              <a:t>Test-DB</a:t>
+              <a:t>Separate Test-DB</a:t>
             </a:r>
           </a:p>
           <a:p>
@@ -7475,15 +7471,7 @@
             </a:r>
             <a:r>
               <a:rPr lang="de-DE" dirty="0" smtClean="0"/>
-              <a:t>,  ersetzt durch </a:t>
-            </a:r>
-            <a:r>
-              <a:rPr lang="de-DE" dirty="0" smtClean="0"/>
-              <a:t>separaten </a:t>
-            </a:r>
-            <a:r>
-              <a:rPr lang="de-DE" dirty="0" smtClean="0"/>
-              <a:t>Testsocket</a:t>
+              <a:t>,  ersetzt durch separaten Testsocket</a:t>
             </a:r>
           </a:p>
           <a:p>
@@ -8072,11 +8060,7 @@
             </a:r>
             <a:r>
               <a:rPr lang="en-GB" dirty="0" smtClean="0"/>
-              <a:t> </a:t>
-            </a:r>
-            <a:r>
-              <a:rPr lang="en-GB" dirty="0" smtClean="0"/>
-              <a:t>// </a:t>
+              <a:t> // </a:t>
             </a:r>
             <a:r>
               <a:rPr lang="en-GB" dirty="0" err="1" smtClean="0"/>
@@ -8108,7 +8092,6 @@
               <a:rPr lang="en-GB" dirty="0" smtClean="0"/>
               <a:t>Futures &amp; Promises</a:t>
             </a:r>
-            <a:endParaRPr lang="en-GB" dirty="0" smtClean="0"/>
           </a:p>
           <a:p>
             <a:r>
@@ -8122,7 +8105,6 @@
               <a:rPr lang="en-GB" dirty="0" smtClean="0"/>
               <a:t>Graph</a:t>
             </a:r>
-            <a:endParaRPr lang="en-GB" dirty="0" smtClean="0"/>
           </a:p>
           <a:p>
             <a:r>
@@ -8135,7 +8117,6 @@
               <a:rPr lang="en-GB" dirty="0" smtClean="0"/>
               <a:t>Reflexion</a:t>
             </a:r>
-            <a:endParaRPr lang="en-GB" dirty="0" smtClean="0"/>
           </a:p>
         </p:txBody>
       </p:sp>
@@ -8380,29 +8361,36 @@
           </a:p>
         </p:txBody>
       </p:sp>
-      <p:sp>
-        <p:nvSpPr>
-          <p:cNvPr id="3" name="Content Placeholder 2"/>
-          <p:cNvSpPr>
-            <a:spLocks noGrp="1"/>
-          </p:cNvSpPr>
-          <p:nvPr>
-            <p:ph idx="1"/>
-          </p:nvPr>
-        </p:nvSpPr>
-        <p:spPr/>
-        <p:txBody>
-          <a:bodyPr/>
-          <a:lstStyle/>
-          <a:p>
-            <a:r>
-              <a:rPr lang="de-DE" dirty="0" smtClean="0"/>
-              <a:t>TODO Alex</a:t>
-            </a:r>
-            <a:endParaRPr lang="de-DE" dirty="0"/>
-          </a:p>
-        </p:txBody>
-      </p:sp>
+      <p:pic>
+        <p:nvPicPr>
+          <p:cNvPr id="5" name="Grafik 4"/>
+          <p:cNvPicPr>
+            <a:picLocks noChangeAspect="1"/>
+          </p:cNvPicPr>
+          <p:nvPr/>
+        </p:nvPicPr>
+        <p:blipFill>
+          <a:blip r:embed="rId2">
+            <a:extLst>
+              <a:ext uri="{28A0092B-C50C-407E-A947-70E740481C1C}">
+                <a14:useLocalDpi xmlns:a14="http://schemas.microsoft.com/office/drawing/2010/main" val="0"/>
+              </a:ext>
+            </a:extLst>
+          </a:blip>
+          <a:stretch>
+            <a:fillRect/>
+          </a:stretch>
+        </p:blipFill>
+        <p:spPr>
+          <a:xfrm>
+            <a:off x="3146854" y="2438399"/>
+            <a:ext cx="6096000" cy="3714750"/>
+          </a:xfrm>
+          <a:prstGeom prst="rect">
+            <a:avLst/>
+          </a:prstGeom>
+        </p:spPr>
+      </p:pic>
     </p:spTree>
     <p:extLst>
       <p:ext uri="{BB962C8B-B14F-4D97-AF65-F5344CB8AC3E}">
@@ -8607,11 +8595,7 @@
           <a:p>
             <a:r>
               <a:rPr lang="de-DE" dirty="0" smtClean="0"/>
-              <a:t>User</a:t>
-            </a:r>
-            <a:r>
-              <a:rPr lang="de-DE" dirty="0" smtClean="0"/>
-              <a:t>: {_</a:t>
+              <a:t>User: {_</a:t>
             </a:r>
             <a:r>
               <a:rPr lang="de-DE" dirty="0" err="1" smtClean="0"/>

--- a/Dokumentation/Präsentation.pptx
+++ b/Dokumentation/Präsentation.pptx
@@ -21,6 +21,7 @@
     <p:sldId id="263" r:id="rId15"/>
     <p:sldId id="264" r:id="rId16"/>
     <p:sldId id="265" r:id="rId17"/>
+    <p:sldId id="272" r:id="rId18"/>
   </p:sldIdLst>
   <p:sldSz cx="12192000" cy="6858000"/>
   <p:notesSz cx="6858000" cy="9144000"/>
@@ -691,7 +692,7 @@
             <a:fld id="{D57F1E4F-1CFF-5643-939E-217C01CDF565}" type="slidenum">
               <a:rPr lang="en-US" dirty="0"/>
               <a:pPr/>
-              <a:t>‹Nr.›</a:t>
+              <a:t>‹#›</a:t>
             </a:fld>
             <a:endParaRPr lang="en-US" dirty="0"/>
           </a:p>
@@ -1016,7 +1017,7 @@
             <a:fld id="{D57F1E4F-1CFF-5643-939E-217C01CDF565}" type="slidenum">
               <a:rPr lang="en-US" dirty="0"/>
               <a:pPr/>
-              <a:t>‹Nr.›</a:t>
+              <a:t>‹#›</a:t>
             </a:fld>
             <a:endParaRPr lang="en-US" dirty="0"/>
           </a:p>
@@ -1298,7 +1299,7 @@
             <a:fld id="{D57F1E4F-1CFF-5643-939E-217C01CDF565}" type="slidenum">
               <a:rPr lang="en-US" dirty="0"/>
               <a:pPr/>
-              <a:t>‹Nr.›</a:t>
+              <a:t>‹#›</a:t>
             </a:fld>
             <a:endParaRPr lang="en-US" dirty="0"/>
           </a:p>
@@ -1872,7 +1873,7 @@
             <a:fld id="{D57F1E4F-1CFF-5643-939E-217C01CDF565}" type="slidenum">
               <a:rPr lang="en-US" dirty="0"/>
               <a:pPr/>
-              <a:t>‹Nr.›</a:t>
+              <a:t>‹#›</a:t>
             </a:fld>
             <a:endParaRPr lang="en-US" dirty="0"/>
           </a:p>
@@ -2154,7 +2155,7 @@
             <a:fld id="{D57F1E4F-1CFF-5643-939E-217C01CDF565}" type="slidenum">
               <a:rPr lang="en-US" dirty="0"/>
               <a:pPr/>
-              <a:t>‹Nr.›</a:t>
+              <a:t>‹#›</a:t>
             </a:fld>
             <a:endParaRPr lang="en-US" dirty="0"/>
           </a:p>
@@ -2720,7 +2721,7 @@
             <a:fld id="{D57F1E4F-1CFF-5643-939E-217C01CDF565}" type="slidenum">
               <a:rPr lang="en-US" dirty="0"/>
               <a:pPr/>
-              <a:t>‹Nr.›</a:t>
+              <a:t>‹#›</a:t>
             </a:fld>
             <a:endParaRPr lang="en-US" dirty="0"/>
           </a:p>
@@ -3051,7 +3052,7 @@
             <a:fld id="{D57F1E4F-1CFF-5643-939E-217C01CDF565}" type="slidenum">
               <a:rPr lang="en-US" dirty="0"/>
               <a:pPr/>
-              <a:t>‹Nr.›</a:t>
+              <a:t>‹#›</a:t>
             </a:fld>
             <a:endParaRPr lang="en-US" dirty="0"/>
           </a:p>
@@ -3259,7 +3260,7 @@
             <a:fld id="{D57F1E4F-1CFF-5643-939E-217C01CDF565}" type="slidenum">
               <a:rPr lang="en-US" dirty="0"/>
               <a:pPr/>
-              <a:t>‹Nr.›</a:t>
+              <a:t>‹#›</a:t>
             </a:fld>
             <a:endParaRPr lang="en-US" dirty="0"/>
           </a:p>
@@ -3473,7 +3474,7 @@
             <a:fld id="{D57F1E4F-1CFF-5643-939E-217C01CDF565}" type="slidenum">
               <a:rPr lang="en-US" dirty="0"/>
               <a:pPr/>
-              <a:t>‹Nr.›</a:t>
+              <a:t>‹#›</a:t>
             </a:fld>
             <a:endParaRPr lang="en-US" dirty="0"/>
           </a:p>
@@ -3719,7 +3720,7 @@
             <a:fld id="{D57F1E4F-1CFF-5643-939E-217C01CDF565}" type="slidenum">
               <a:rPr lang="en-US" dirty="0"/>
               <a:pPr/>
-              <a:t>‹Nr.›</a:t>
+              <a:t>‹#›</a:t>
             </a:fld>
             <a:endParaRPr lang="en-US" dirty="0"/>
           </a:p>
@@ -4001,7 +4002,7 @@
             <a:fld id="{D57F1E4F-1CFF-5643-939E-217C01CDF565}" type="slidenum">
               <a:rPr lang="en-US" dirty="0"/>
               <a:pPr/>
-              <a:t>‹Nr.›</a:t>
+              <a:t>‹#›</a:t>
             </a:fld>
             <a:endParaRPr lang="en-US" dirty="0"/>
           </a:p>
@@ -4338,7 +4339,7 @@
             <a:fld id="{D57F1E4F-1CFF-5643-939E-217C01CDF565}" type="slidenum">
               <a:rPr lang="en-US" dirty="0"/>
               <a:pPr/>
-              <a:t>‹Nr.›</a:t>
+              <a:t>‹#›</a:t>
             </a:fld>
             <a:endParaRPr lang="en-US" dirty="0"/>
           </a:p>
@@ -4816,7 +4817,7 @@
             <a:fld id="{D57F1E4F-1CFF-5643-939E-217C01CDF565}" type="slidenum">
               <a:rPr lang="en-US" dirty="0"/>
               <a:pPr/>
-              <a:t>‹Nr.›</a:t>
+              <a:t>‹#›</a:t>
             </a:fld>
             <a:endParaRPr lang="en-US" dirty="0"/>
           </a:p>
@@ -4968,7 +4969,7 @@
             <a:fld id="{D57F1E4F-1CFF-5643-939E-217C01CDF565}" type="slidenum">
               <a:rPr lang="en-US" dirty="0"/>
               <a:pPr/>
-              <a:t>‹Nr.›</a:t>
+              <a:t>‹#›</a:t>
             </a:fld>
             <a:endParaRPr lang="en-US" dirty="0"/>
           </a:p>
@@ -5097,7 +5098,7 @@
             <a:fld id="{D57F1E4F-1CFF-5643-939E-217C01CDF565}" type="slidenum">
               <a:rPr lang="en-US" dirty="0"/>
               <a:pPr/>
-              <a:t>‹Nr.›</a:t>
+              <a:t>‹#›</a:t>
             </a:fld>
             <a:endParaRPr lang="en-US" dirty="0"/>
           </a:p>
@@ -5414,7 +5415,7 @@
             <a:fld id="{D57F1E4F-1CFF-5643-939E-217C01CDF565}" type="slidenum">
               <a:rPr lang="en-US" dirty="0"/>
               <a:pPr/>
-              <a:t>‹Nr.›</a:t>
+              <a:t>‹#›</a:t>
             </a:fld>
             <a:endParaRPr lang="en-US" dirty="0"/>
           </a:p>
@@ -5739,7 +5740,7 @@
             <a:fld id="{D57F1E4F-1CFF-5643-939E-217C01CDF565}" type="slidenum">
               <a:rPr lang="en-US" dirty="0"/>
               <a:pPr/>
-              <a:t>‹Nr.›</a:t>
+              <a:t>‹#›</a:t>
             </a:fld>
             <a:endParaRPr lang="en-US" dirty="0"/>
           </a:p>
@@ -6339,7 +6340,7 @@
             <a:fld id="{D57F1E4F-1CFF-5643-939E-217C01CDF565}" type="slidenum">
               <a:rPr lang="en-US" dirty="0"/>
               <a:pPr/>
-              <a:t>‹Nr.›</a:t>
+              <a:t>‹#›</a:t>
             </a:fld>
             <a:endParaRPr lang="en-US" dirty="0"/>
           </a:p>
@@ -7012,6 +7013,13 @@
   <p:clrMapOvr>
     <a:masterClrMapping/>
   </p:clrMapOvr>
+  <p:timing>
+    <p:tnLst>
+      <p:par>
+        <p:cTn id="1" dur="indefinite" restart="never" nodeType="tmRoot"/>
+      </p:par>
+    </p:tnLst>
+  </p:timing>
 </p:sld>
 </file>
 
@@ -7105,6 +7113,13 @@
   <p:clrMapOvr>
     <a:masterClrMapping/>
   </p:clrMapOvr>
+  <p:timing>
+    <p:tnLst>
+      <p:par>
+        <p:cTn id="1" dur="indefinite" restart="never" nodeType="tmRoot"/>
+      </p:par>
+    </p:tnLst>
+  </p:timing>
 </p:sld>
 </file>
 
@@ -7379,6 +7394,13 @@
   <p:clrMapOvr>
     <a:masterClrMapping/>
   </p:clrMapOvr>
+  <p:timing>
+    <p:tnLst>
+      <p:par>
+        <p:cTn id="1" dur="indefinite" restart="never" nodeType="tmRoot"/>
+      </p:par>
+    </p:tnLst>
+  </p:timing>
 </p:sld>
 </file>
 
@@ -7549,6 +7571,13 @@
   <p:clrMapOvr>
     <a:masterClrMapping/>
   </p:clrMapOvr>
+  <p:timing>
+    <p:tnLst>
+      <p:par>
+        <p:cTn id="1" dur="indefinite" restart="never" nodeType="tmRoot"/>
+      </p:par>
+    </p:tnLst>
+  </p:timing>
 </p:sld>
 </file>
 
@@ -7708,6 +7737,13 @@
   <p:clrMapOvr>
     <a:masterClrMapping/>
   </p:clrMapOvr>
+  <p:timing>
+    <p:tnLst>
+      <p:par>
+        <p:cTn id="1" dur="indefinite" restart="never" nodeType="tmRoot"/>
+      </p:par>
+    </p:tnLst>
+  </p:timing>
 </p:sld>
 </file>
 
@@ -7840,6 +7876,13 @@
   <p:clrMapOvr>
     <a:masterClrMapping/>
   </p:clrMapOvr>
+  <p:timing>
+    <p:tnLst>
+      <p:par>
+        <p:cTn id="1" dur="indefinite" restart="never" nodeType="tmRoot"/>
+      </p:par>
+    </p:tnLst>
+  </p:timing>
 </p:sld>
 </file>
 
@@ -7974,6 +8017,94 @@
   <p:clrMapOvr>
     <a:masterClrMapping/>
   </p:clrMapOvr>
+  <p:timing>
+    <p:tnLst>
+      <p:par>
+        <p:cTn id="1" dur="indefinite" restart="never" nodeType="tmRoot"/>
+      </p:par>
+    </p:tnLst>
+  </p:timing>
+</p:sld>
+</file>
+
+<file path=ppt/slides/slide17.xml><?xml version="1.0" encoding="utf-8"?>
+<p:sld xmlns:a="http://schemas.openxmlformats.org/drawingml/2006/main" xmlns:r="http://schemas.openxmlformats.org/officeDocument/2006/relationships" xmlns:p="http://schemas.openxmlformats.org/presentationml/2006/main">
+  <p:cSld>
+    <p:spTree>
+      <p:nvGrpSpPr>
+        <p:cNvPr id="1" name=""/>
+        <p:cNvGrpSpPr/>
+        <p:nvPr/>
+      </p:nvGrpSpPr>
+      <p:grpSpPr>
+        <a:xfrm>
+          <a:off x="0" y="0"/>
+          <a:ext cx="0" cy="0"/>
+          <a:chOff x="0" y="0"/>
+          <a:chExt cx="0" cy="0"/>
+        </a:xfrm>
+      </p:grpSpPr>
+      <p:sp>
+        <p:nvSpPr>
+          <p:cNvPr id="2" name="Title 1"/>
+          <p:cNvSpPr>
+            <a:spLocks noGrp="1"/>
+          </p:cNvSpPr>
+          <p:nvPr>
+            <p:ph type="title"/>
+          </p:nvPr>
+        </p:nvSpPr>
+        <p:spPr/>
+        <p:txBody>
+          <a:bodyPr>
+            <a:normAutofit/>
+          </a:bodyPr>
+          <a:lstStyle/>
+          <a:p>
+            <a:r>
+              <a:rPr lang="de-DE" sz="5400" dirty="0" smtClean="0"/>
+              <a:t>Demo</a:t>
+            </a:r>
+            <a:endParaRPr lang="de-DE" sz="5400" dirty="0"/>
+          </a:p>
+        </p:txBody>
+      </p:sp>
+      <p:sp>
+        <p:nvSpPr>
+          <p:cNvPr id="3" name="Text Placeholder 2"/>
+          <p:cNvSpPr>
+            <a:spLocks noGrp="1"/>
+          </p:cNvSpPr>
+          <p:nvPr>
+            <p:ph type="body" idx="1"/>
+          </p:nvPr>
+        </p:nvSpPr>
+        <p:spPr/>
+        <p:txBody>
+          <a:bodyPr/>
+          <a:lstStyle/>
+          <a:p>
+            <a:endParaRPr lang="de-DE"/>
+          </a:p>
+        </p:txBody>
+      </p:sp>
+    </p:spTree>
+    <p:extLst>
+      <p:ext uri="{BB962C8B-B14F-4D97-AF65-F5344CB8AC3E}">
+        <p14:creationId xmlns:p14="http://schemas.microsoft.com/office/powerpoint/2010/main" val="1357370438"/>
+      </p:ext>
+    </p:extLst>
+  </p:cSld>
+  <p:clrMapOvr>
+    <a:masterClrMapping/>
+  </p:clrMapOvr>
+  <p:timing>
+    <p:tnLst>
+      <p:par>
+        <p:cTn id="1" dur="indefinite" restart="never" nodeType="tmRoot"/>
+      </p:par>
+    </p:tnLst>
+  </p:timing>
 </p:sld>
 </file>
 
@@ -8011,7 +8142,7 @@
           <a:p>
             <a:r>
               <a:rPr lang="de-DE" dirty="0" smtClean="0"/>
-              <a:t>Inhaltsverzeichnis – TODO Umformulieren</a:t>
+              <a:t>Inhaltsverzeichnis</a:t>
             </a:r>
             <a:endParaRPr lang="en-GB" dirty="0"/>
           </a:p>
@@ -8058,18 +8189,7 @@
               <a:rPr lang="en-GB" dirty="0" err="1" smtClean="0"/>
               <a:t>Überblick</a:t>
             </a:r>
-            <a:r>
-              <a:rPr lang="en-GB" dirty="0" smtClean="0"/>
-              <a:t> // </a:t>
-            </a:r>
-            <a:r>
-              <a:rPr lang="en-GB" dirty="0" err="1" smtClean="0"/>
-              <a:t>WebSocket</a:t>
-            </a:r>
-            <a:r>
-              <a:rPr lang="en-GB" dirty="0" smtClean="0"/>
-              <a:t>, Play</a:t>
-            </a:r>
+            <a:endParaRPr lang="en-GB" dirty="0"/>
           </a:p>
           <a:p>
             <a:pPr lvl="1"/>
@@ -8318,6 +8438,13 @@
   <p:clrMapOvr>
     <a:masterClrMapping/>
   </p:clrMapOvr>
+  <p:timing>
+    <p:tnLst>
+      <p:par>
+        <p:cTn id="1" dur="indefinite" restart="never" nodeType="tmRoot"/>
+      </p:par>
+    </p:tnLst>
+  </p:timing>
 </p:sld>
 </file>
 
@@ -8368,91 +8495,6 @@
             <a:picLocks noChangeAspect="1"/>
           </p:cNvPicPr>
           <p:nvPr/>
-        </p:nvPicPr>
-        <p:blipFill>
-          <a:blip r:embed="rId2">
-            <a:extLst>
-              <a:ext uri="{28A0092B-C50C-407E-A947-70E740481C1C}">
-                <a14:useLocalDpi xmlns:a14="http://schemas.microsoft.com/office/drawing/2010/main" val="0"/>
-              </a:ext>
-            </a:extLst>
-          </a:blip>
-          <a:stretch>
-            <a:fillRect/>
-          </a:stretch>
-        </p:blipFill>
-        <p:spPr>
-          <a:xfrm>
-            <a:off x="3146854" y="2438399"/>
-            <a:ext cx="6096000" cy="3714750"/>
-          </a:xfrm>
-          <a:prstGeom prst="rect">
-            <a:avLst/>
-          </a:prstGeom>
-        </p:spPr>
-      </p:pic>
-    </p:spTree>
-    <p:extLst>
-      <p:ext uri="{BB962C8B-B14F-4D97-AF65-F5344CB8AC3E}">
-        <p14:creationId xmlns:p14="http://schemas.microsoft.com/office/powerpoint/2010/main" val="1000747920"/>
-      </p:ext>
-    </p:extLst>
-  </p:cSld>
-  <p:clrMapOvr>
-    <a:masterClrMapping/>
-  </p:clrMapOvr>
-</p:sld>
-</file>
-
-<file path=ppt/slides/slide5.xml><?xml version="1.0" encoding="utf-8"?>
-<p:sld xmlns:a="http://schemas.openxmlformats.org/drawingml/2006/main" xmlns:r="http://schemas.openxmlformats.org/officeDocument/2006/relationships" xmlns:p="http://schemas.openxmlformats.org/presentationml/2006/main">
-  <p:cSld>
-    <p:spTree>
-      <p:nvGrpSpPr>
-        <p:cNvPr id="1" name=""/>
-        <p:cNvGrpSpPr/>
-        <p:nvPr/>
-      </p:nvGrpSpPr>
-      <p:grpSpPr>
-        <a:xfrm>
-          <a:off x="0" y="0"/>
-          <a:ext cx="0" cy="0"/>
-          <a:chOff x="0" y="0"/>
-          <a:chExt cx="0" cy="0"/>
-        </a:xfrm>
-      </p:grpSpPr>
-      <p:sp>
-        <p:nvSpPr>
-          <p:cNvPr id="2" name="Title 1"/>
-          <p:cNvSpPr>
-            <a:spLocks noGrp="1"/>
-          </p:cNvSpPr>
-          <p:nvPr>
-            <p:ph type="title"/>
-          </p:nvPr>
-        </p:nvSpPr>
-        <p:spPr/>
-        <p:txBody>
-          <a:bodyPr/>
-          <a:lstStyle/>
-          <a:p>
-            <a:r>
-              <a:rPr lang="de-DE" dirty="0" err="1" smtClean="0"/>
-              <a:t>Aktorsystem</a:t>
-            </a:r>
-            <a:endParaRPr lang="de-DE" dirty="0"/>
-          </a:p>
-        </p:txBody>
-      </p:sp>
-      <p:pic>
-        <p:nvPicPr>
-          <p:cNvPr id="6" name="Content Placeholder 5"/>
-          <p:cNvPicPr>
-            <a:picLocks noGrp="1" noChangeAspect="1"/>
-          </p:cNvPicPr>
-          <p:nvPr>
-            <p:ph idx="1"/>
-          </p:nvPr>
         </p:nvPicPr>
         <p:blipFill>
           <a:blip r:embed="rId2">
@@ -8478,8 +8520,110 @@
         </p:blipFill>
         <p:spPr>
           <a:xfrm>
-            <a:off x="2430500" y="2640650"/>
-            <a:ext cx="9759807" cy="4198766"/>
+            <a:off x="3146854" y="2132182"/>
+            <a:ext cx="7702378" cy="4693637"/>
+          </a:xfrm>
+          <a:prstGeom prst="rect">
+            <a:avLst/>
+          </a:prstGeom>
+        </p:spPr>
+      </p:pic>
+    </p:spTree>
+    <p:extLst>
+      <p:ext uri="{BB962C8B-B14F-4D97-AF65-F5344CB8AC3E}">
+        <p14:creationId xmlns:p14="http://schemas.microsoft.com/office/powerpoint/2010/main" val="1000747920"/>
+      </p:ext>
+    </p:extLst>
+  </p:cSld>
+  <p:clrMapOvr>
+    <a:masterClrMapping/>
+  </p:clrMapOvr>
+  <p:timing>
+    <p:tnLst>
+      <p:par>
+        <p:cTn id="1" dur="indefinite" restart="never" nodeType="tmRoot"/>
+      </p:par>
+    </p:tnLst>
+  </p:timing>
+</p:sld>
+</file>
+
+<file path=ppt/slides/slide5.xml><?xml version="1.0" encoding="utf-8"?>
+<p:sld xmlns:a="http://schemas.openxmlformats.org/drawingml/2006/main" xmlns:r="http://schemas.openxmlformats.org/officeDocument/2006/relationships" xmlns:p="http://schemas.openxmlformats.org/presentationml/2006/main">
+  <p:cSld>
+    <p:spTree>
+      <p:nvGrpSpPr>
+        <p:cNvPr id="1" name=""/>
+        <p:cNvGrpSpPr/>
+        <p:nvPr/>
+      </p:nvGrpSpPr>
+      <p:grpSpPr>
+        <a:xfrm>
+          <a:off x="0" y="0"/>
+          <a:ext cx="0" cy="0"/>
+          <a:chOff x="0" y="0"/>
+          <a:chExt cx="0" cy="0"/>
+        </a:xfrm>
+      </p:grpSpPr>
+      <p:sp>
+        <p:nvSpPr>
+          <p:cNvPr id="2" name="Title 1"/>
+          <p:cNvSpPr>
+            <a:spLocks noGrp="1"/>
+          </p:cNvSpPr>
+          <p:nvPr>
+            <p:ph type="title"/>
+          </p:nvPr>
+        </p:nvSpPr>
+        <p:spPr/>
+        <p:txBody>
+          <a:bodyPr/>
+          <a:lstStyle/>
+          <a:p>
+            <a:r>
+              <a:rPr lang="de-DE" dirty="0" err="1" smtClean="0"/>
+              <a:t>Aktorsystem</a:t>
+            </a:r>
+            <a:endParaRPr lang="de-DE" dirty="0"/>
+          </a:p>
+        </p:txBody>
+      </p:sp>
+      <p:pic>
+        <p:nvPicPr>
+          <p:cNvPr id="6" name="Content Placeholder 5"/>
+          <p:cNvPicPr>
+            <a:picLocks noGrp="1" noChangeAspect="1"/>
+          </p:cNvPicPr>
+          <p:nvPr>
+            <p:ph idx="1"/>
+          </p:nvPr>
+        </p:nvPicPr>
+        <p:blipFill>
+          <a:blip r:embed="rId2">
+            <a:clrChange>
+              <a:clrFrom>
+                <a:srgbClr val="FFFFFF"/>
+              </a:clrFrom>
+              <a:clrTo>
+                <a:srgbClr val="FFFFFF">
+                  <a:alpha val="0"/>
+                </a:srgbClr>
+              </a:clrTo>
+            </a:clrChange>
+            <a:extLst>
+              <a:ext uri="{28A0092B-C50C-407E-A947-70E740481C1C}">
+                <a14:useLocalDpi xmlns:a14="http://schemas.microsoft.com/office/drawing/2010/main" val="0"/>
+              </a:ext>
+            </a:extLst>
+          </a:blip>
+          <a:stretch>
+            <a:fillRect/>
+          </a:stretch>
+        </p:blipFill>
+        <p:spPr>
+          <a:xfrm>
+            <a:off x="2570205" y="2640650"/>
+            <a:ext cx="9391136" cy="4040161"/>
           </a:xfrm>
         </p:spPr>
       </p:pic>
@@ -8493,6 +8637,13 @@
   <p:clrMapOvr>
     <a:masterClrMapping/>
   </p:clrMapOvr>
+  <p:timing>
+    <p:tnLst>
+      <p:par>
+        <p:cTn id="1" dur="indefinite" restart="never" nodeType="tmRoot"/>
+      </p:par>
+    </p:tnLst>
+  </p:timing>
 </p:sld>
 </file>
 
@@ -8787,6 +8938,13 @@
   <p:clrMapOvr>
     <a:masterClrMapping/>
   </p:clrMapOvr>
+  <p:timing>
+    <p:tnLst>
+      <p:par>
+        <p:cTn id="1" dur="indefinite" restart="never" nodeType="tmRoot"/>
+      </p:par>
+    </p:tnLst>
+  </p:timing>
 </p:sld>
 </file>
 
@@ -8994,6 +9152,13 @@
   <p:clrMapOvr>
     <a:masterClrMapping/>
   </p:clrMapOvr>
+  <p:timing>
+    <p:tnLst>
+      <p:par>
+        <p:cTn id="1" dur="indefinite" restart="never" nodeType="tmRoot"/>
+      </p:par>
+    </p:tnLst>
+  </p:timing>
 </p:sld>
 </file>
 
@@ -9113,6 +9278,13 @@
   <p:clrMapOvr>
     <a:masterClrMapping/>
   </p:clrMapOvr>
+  <p:timing>
+    <p:tnLst>
+      <p:par>
+        <p:cTn id="1" dur="indefinite" restart="never" nodeType="tmRoot"/>
+      </p:par>
+    </p:tnLst>
+  </p:timing>
 </p:sld>
 </file>
 
@@ -9206,6 +9378,13 @@
   <p:clrMapOvr>
     <a:masterClrMapping/>
   </p:clrMapOvr>
+  <p:timing>
+    <p:tnLst>
+      <p:par>
+        <p:cTn id="1" dur="indefinite" restart="never" nodeType="tmRoot"/>
+      </p:par>
+    </p:tnLst>
+  </p:timing>
 </p:sld>
 </file>
 
